--- a/introduction-graphql.pptx
+++ b/introduction-graphql.pptx
@@ -16,13 +16,12 @@
     <p:sldId id="313" r:id="rId10"/>
     <p:sldId id="314" r:id="rId11"/>
     <p:sldId id="315" r:id="rId12"/>
-    <p:sldId id="316" r:id="rId13"/>
-    <p:sldId id="317" r:id="rId14"/>
-    <p:sldId id="318" r:id="rId15"/>
-    <p:sldId id="312" r:id="rId16"/>
-    <p:sldId id="307" r:id="rId17"/>
-    <p:sldId id="320" r:id="rId18"/>
-    <p:sldId id="308" r:id="rId19"/>
+    <p:sldId id="317" r:id="rId13"/>
+    <p:sldId id="318" r:id="rId14"/>
+    <p:sldId id="312" r:id="rId15"/>
+    <p:sldId id="307" r:id="rId16"/>
+    <p:sldId id="320" r:id="rId17"/>
+    <p:sldId id="308" r:id="rId18"/>
   </p:sldIdLst>
   <p:sldSz cx="12192000" cy="6858000"/>
   <p:notesSz cx="6858000" cy="9144000"/>
@@ -260,7 +259,7 @@
           <a:p>
             <a:fld id="{3D06E3AD-E22D-7B49-A93F-0C611B02B1F3}" type="datetimeFigureOut">
               <a:rPr lang="en-US" smtClean="0"/>
-              <a:t>3/6/16</a:t>
+              <a:t>3/23/16</a:t>
             </a:fld>
             <a:endParaRPr lang="en-US"/>
           </a:p>
@@ -437,7 +436,7 @@
           <a:p>
             <a:fld id="{3D06E3AD-E22D-7B49-A93F-0C611B02B1F3}" type="datetimeFigureOut">
               <a:rPr lang="en-US" smtClean="0"/>
-              <a:t>3/6/16</a:t>
+              <a:t>3/23/16</a:t>
             </a:fld>
             <a:endParaRPr lang="en-US"/>
           </a:p>
@@ -617,7 +616,7 @@
           <a:p>
             <a:fld id="{3D06E3AD-E22D-7B49-A93F-0C611B02B1F3}" type="datetimeFigureOut">
               <a:rPr lang="en-US" smtClean="0"/>
-              <a:t>3/6/16</a:t>
+              <a:t>3/23/16</a:t>
             </a:fld>
             <a:endParaRPr lang="en-US"/>
           </a:p>
@@ -811,7 +810,7 @@
           <a:p>
             <a:fld id="{3D06E3AD-E22D-7B49-A93F-0C611B02B1F3}" type="datetimeFigureOut">
               <a:rPr lang="en-US" smtClean="0"/>
-              <a:t>3/6/16</a:t>
+              <a:t>3/23/16</a:t>
             </a:fld>
             <a:endParaRPr lang="en-US"/>
           </a:p>
@@ -1064,7 +1063,7 @@
           <a:p>
             <a:fld id="{3D06E3AD-E22D-7B49-A93F-0C611B02B1F3}" type="datetimeFigureOut">
               <a:rPr lang="en-US" smtClean="0"/>
-              <a:t>3/6/16</a:t>
+              <a:t>3/23/16</a:t>
             </a:fld>
             <a:endParaRPr lang="en-US"/>
           </a:p>
@@ -1296,7 +1295,7 @@
           <a:p>
             <a:fld id="{3D06E3AD-E22D-7B49-A93F-0C611B02B1F3}" type="datetimeFigureOut">
               <a:rPr lang="en-US" smtClean="0"/>
-              <a:t>3/6/16</a:t>
+              <a:t>3/23/16</a:t>
             </a:fld>
             <a:endParaRPr lang="en-US"/>
           </a:p>
@@ -1663,7 +1662,7 @@
           <a:p>
             <a:fld id="{3D06E3AD-E22D-7B49-A93F-0C611B02B1F3}" type="datetimeFigureOut">
               <a:rPr lang="en-US" smtClean="0"/>
-              <a:t>3/6/16</a:t>
+              <a:t>3/23/16</a:t>
             </a:fld>
             <a:endParaRPr lang="en-US"/>
           </a:p>
@@ -1788,7 +1787,7 @@
           <a:p>
             <a:fld id="{3D06E3AD-E22D-7B49-A93F-0C611B02B1F3}" type="datetimeFigureOut">
               <a:rPr lang="en-US" smtClean="0"/>
-              <a:t>3/6/16</a:t>
+              <a:t>3/23/16</a:t>
             </a:fld>
             <a:endParaRPr lang="en-US"/>
           </a:p>
@@ -1890,7 +1889,7 @@
           <a:p>
             <a:fld id="{3D06E3AD-E22D-7B49-A93F-0C611B02B1F3}" type="datetimeFigureOut">
               <a:rPr lang="en-US" smtClean="0"/>
-              <a:t>3/6/16</a:t>
+              <a:t>3/23/16</a:t>
             </a:fld>
             <a:endParaRPr lang="en-US"/>
           </a:p>
@@ -2167,7 +2166,7 @@
           <a:p>
             <a:fld id="{3D06E3AD-E22D-7B49-A93F-0C611B02B1F3}" type="datetimeFigureOut">
               <a:rPr lang="en-US" smtClean="0"/>
-              <a:t>3/6/16</a:t>
+              <a:t>3/23/16</a:t>
             </a:fld>
             <a:endParaRPr lang="en-US"/>
           </a:p>
@@ -2420,7 +2419,7 @@
           <a:p>
             <a:fld id="{3D06E3AD-E22D-7B49-A93F-0C611B02B1F3}" type="datetimeFigureOut">
               <a:rPr lang="en-US" smtClean="0"/>
-              <a:t>3/6/16</a:t>
+              <a:t>3/23/16</a:t>
             </a:fld>
             <a:endParaRPr lang="en-US"/>
           </a:p>
@@ -2652,7 +2651,7 @@
           <a:p>
             <a:fld id="{3D06E3AD-E22D-7B49-A93F-0C611B02B1F3}" type="datetimeFigureOut">
               <a:rPr lang="en-US" smtClean="0"/>
-              <a:t>3/6/16</a:t>
+              <a:t>3/23/16</a:t>
             </a:fld>
             <a:endParaRPr lang="en-US"/>
           </a:p>
@@ -3805,106 +3804,14 @@
       </p:grpSpPr>
       <p:sp>
         <p:nvSpPr>
-          <p:cNvPr id="4" name="Title 3"/>
-          <p:cNvSpPr>
-            <a:spLocks noGrp="1"/>
-          </p:cNvSpPr>
-          <p:nvPr>
-            <p:ph type="title"/>
-          </p:nvPr>
-        </p:nvSpPr>
-        <p:spPr>
-          <a:xfrm>
-            <a:off x="1044451" y="848076"/>
-            <a:ext cx="10052713" cy="974502"/>
-          </a:xfrm>
-        </p:spPr>
-        <p:txBody>
-          <a:bodyPr>
-            <a:normAutofit fontScale="90000"/>
-          </a:bodyPr>
-          <a:lstStyle/>
-          <a:p>
-            <a:r>
-              <a:rPr lang="en-US" dirty="0" smtClean="0">
-                <a:latin typeface="Open Sans" charset="0"/>
-                <a:ea typeface="Open Sans" charset="0"/>
-                <a:cs typeface="Open Sans" charset="0"/>
-              </a:rPr>
-              <a:t>Comment </a:t>
-            </a:r>
-            <a:r>
-              <a:rPr lang="en-US" dirty="0" err="1" smtClean="0">
-                <a:latin typeface="Open Sans" charset="0"/>
-                <a:ea typeface="Open Sans" charset="0"/>
-                <a:cs typeface="Open Sans" charset="0"/>
-              </a:rPr>
-              <a:t>gérer</a:t>
-            </a:r>
-            <a:r>
-              <a:rPr lang="en-US" dirty="0" smtClean="0">
-                <a:latin typeface="Open Sans" charset="0"/>
-                <a:ea typeface="Open Sans" charset="0"/>
-                <a:cs typeface="Open Sans" charset="0"/>
-              </a:rPr>
-              <a:t> </a:t>
-            </a:r>
-            <a:r>
-              <a:rPr lang="en-US" b="1" dirty="0" err="1" smtClean="0">
-                <a:solidFill>
-                  <a:srgbClr val="DB7AC3"/>
-                </a:solidFill>
-                <a:latin typeface="Open Sans" charset="0"/>
-                <a:ea typeface="Open Sans" charset="0"/>
-                <a:cs typeface="Open Sans" charset="0"/>
-              </a:rPr>
-              <a:t>l’évolution</a:t>
-            </a:r>
-            <a:r>
-              <a:rPr lang="en-US" dirty="0" smtClean="0">
-                <a:latin typeface="Open Sans" charset="0"/>
-                <a:ea typeface="Open Sans" charset="0"/>
-                <a:cs typeface="Open Sans" charset="0"/>
-              </a:rPr>
-              <a:t> du </a:t>
-            </a:r>
-            <a:r>
-              <a:rPr lang="en-US" dirty="0" err="1" smtClean="0">
-                <a:latin typeface="Open Sans" charset="0"/>
-                <a:ea typeface="Open Sans" charset="0"/>
-                <a:cs typeface="Open Sans" charset="0"/>
-              </a:rPr>
-              <a:t>contrat</a:t>
-            </a:r>
-            <a:r>
-              <a:rPr lang="en-US" dirty="0" smtClean="0">
-                <a:latin typeface="Open Sans" charset="0"/>
-                <a:ea typeface="Open Sans" charset="0"/>
-                <a:cs typeface="Open Sans" charset="0"/>
-              </a:rPr>
-              <a:t> ?</a:t>
-            </a:r>
-            <a:endParaRPr lang="en-US" sz="3200" b="1" dirty="0">
-              <a:solidFill>
-                <a:srgbClr val="DB7AC3"/>
-              </a:solidFill>
-              <a:latin typeface="Open Sans" charset="0"/>
-              <a:ea typeface="Open Sans" charset="0"/>
-              <a:cs typeface="Open Sans" charset="0"/>
-            </a:endParaRPr>
-          </a:p>
-        </p:txBody>
-      </p:sp>
-      <p:sp>
-        <p:nvSpPr>
-          <p:cNvPr id="6" name="TextBox 5"/>
+          <p:cNvPr id="5" name="TextBox 4"/>
           <p:cNvSpPr txBox="1"/>
           <p:nvPr/>
         </p:nvSpPr>
         <p:spPr>
           <a:xfrm>
-            <a:off x="2873242" y="2079648"/>
-            <a:ext cx="7642357" cy="461665"/>
+            <a:off x="1060216" y="1354872"/>
+            <a:ext cx="10811218" cy="461665"/>
           </a:xfrm>
           <a:prstGeom prst="rect">
             <a:avLst/>
@@ -3918,64 +3825,90 @@
           <a:lstStyle/>
           <a:p>
             <a:r>
-              <a:rPr lang="en-US" sz="2400" b="1" dirty="0" err="1" smtClean="0">
-                <a:solidFill>
-                  <a:srgbClr val="DB7AC3"/>
-                </a:solidFill>
-              </a:rPr>
-              <a:t>Spécifier</a:t>
-            </a:r>
-            <a:r>
-              <a:rPr lang="en-US" sz="2400" b="1" dirty="0" smtClean="0">
-                <a:solidFill>
-                  <a:srgbClr val="DB7AC3"/>
-                </a:solidFill>
-              </a:rPr>
-              <a:t> un field </a:t>
-            </a:r>
-            <a:r>
-              <a:rPr lang="en-US" sz="2400" b="1" dirty="0" err="1" smtClean="0">
-                <a:solidFill>
-                  <a:srgbClr val="DB7AC3"/>
-                </a:solidFill>
-              </a:rPr>
-              <a:t>comme</a:t>
-            </a:r>
-            <a:r>
-              <a:rPr lang="en-US" sz="2400" b="1" dirty="0" smtClean="0">
-                <a:solidFill>
-                  <a:srgbClr val="DB7AC3"/>
-                </a:solidFill>
-              </a:rPr>
-              <a:t> </a:t>
-            </a:r>
-            <a:r>
-              <a:rPr lang="en-US" sz="2400" b="1" dirty="0" err="1" smtClean="0">
-                <a:solidFill>
-                  <a:srgbClr val="DB7AC3"/>
-                </a:solidFill>
-              </a:rPr>
-              <a:t>étant</a:t>
-            </a:r>
-            <a:r>
-              <a:rPr lang="en-US" sz="2400" b="1" dirty="0">
-                <a:solidFill>
-                  <a:srgbClr val="DB7AC3"/>
-                </a:solidFill>
-              </a:rPr>
-              <a:t> </a:t>
-            </a:r>
-            <a:r>
-              <a:rPr lang="en-US" sz="2400" b="1" dirty="0" err="1" smtClean="0">
-                <a:solidFill>
-                  <a:srgbClr val="DB7AC3"/>
+              <a:rPr lang="en-US" sz="2400" i="1" dirty="0" smtClean="0">
+                <a:solidFill>
+                  <a:schemeClr val="tx1">
+                    <a:lumMod val="75000"/>
+                  </a:schemeClr>
+                </a:solidFill>
+              </a:rPr>
+              <a:t>Un field “</a:t>
+            </a:r>
+            <a:r>
+              <a:rPr lang="en-US" sz="2400" i="1" dirty="0" err="1" smtClean="0">
+                <a:solidFill>
+                  <a:schemeClr val="tx1">
+                    <a:lumMod val="75000"/>
+                  </a:schemeClr>
                 </a:solidFill>
               </a:rPr>
               <a:t>déprécié</a:t>
             </a:r>
-            <a:endParaRPr lang="en-US" sz="2400" b="1" dirty="0">
+            <a:r>
+              <a:rPr lang="en-US" sz="2400" i="1" dirty="0" smtClean="0">
+                <a:solidFill>
+                  <a:schemeClr val="tx1">
+                    <a:lumMod val="75000"/>
+                  </a:schemeClr>
+                </a:solidFill>
+              </a:rPr>
+              <a:t>” </a:t>
+            </a:r>
+            <a:r>
+              <a:rPr lang="en-US" sz="2400" i="1" dirty="0" err="1" smtClean="0">
+                <a:solidFill>
+                  <a:schemeClr val="tx1">
+                    <a:lumMod val="75000"/>
+                  </a:schemeClr>
+                </a:solidFill>
+              </a:rPr>
+              <a:t>devient</a:t>
+            </a:r>
+            <a:r>
+              <a:rPr lang="en-US" sz="2400" i="1" dirty="0" smtClean="0">
+                <a:solidFill>
+                  <a:schemeClr val="tx1">
+                    <a:lumMod val="75000"/>
+                  </a:schemeClr>
+                </a:solidFill>
+              </a:rPr>
+              <a:t> invisible par introspection simple, </a:t>
+            </a:r>
+            <a:r>
+              <a:rPr lang="en-US" sz="2400" i="1" dirty="0" err="1" smtClean="0">
+                <a:solidFill>
+                  <a:schemeClr val="tx1">
+                    <a:lumMod val="75000"/>
+                  </a:schemeClr>
+                </a:solidFill>
+              </a:rPr>
+              <a:t>exemple</a:t>
+            </a:r>
+            <a:r>
+              <a:rPr lang="en-US" sz="2400" i="1" dirty="0" smtClean="0">
+                <a:solidFill>
+                  <a:schemeClr val="tx1">
+                    <a:lumMod val="75000"/>
+                  </a:schemeClr>
+                </a:solidFill>
+              </a:rPr>
+              <a:t> pour </a:t>
+            </a:r>
+            <a:r>
+              <a:rPr lang="en-US" sz="2400" b="1" i="1" dirty="0" err="1" smtClean="0">
+                <a:solidFill>
+                  <a:schemeClr val="tx1">
+                    <a:lumMod val="75000"/>
+                  </a:schemeClr>
+                </a:solidFill>
+              </a:rPr>
+              <a:t>fullname</a:t>
+            </a:r>
+            <a:endParaRPr lang="en-US" sz="2400" b="1" i="1" dirty="0">
               <a:solidFill>
-                <a:srgbClr val="DB7AC3"/>
+                <a:schemeClr val="tx1">
+                  <a:lumMod val="75000"/>
+                </a:schemeClr>
               </a:solidFill>
             </a:endParaRPr>
           </a:p>
@@ -3983,7 +3916,7 @@
       </p:sp>
       <p:pic>
         <p:nvPicPr>
-          <p:cNvPr id="8" name="Picture 7"/>
+          <p:cNvPr id="2" name="Picture 1"/>
           <p:cNvPicPr>
             <a:picLocks noChangeAspect="1"/>
           </p:cNvPicPr>
@@ -4003,18 +3936,259 @@
         </p:blipFill>
         <p:spPr>
           <a:xfrm>
-            <a:off x="2873242" y="2541313"/>
-            <a:ext cx="5671667" cy="3771213"/>
+            <a:off x="1265160" y="2660257"/>
+            <a:ext cx="4095834" cy="3222056"/>
           </a:xfrm>
           <a:prstGeom prst="rect">
             <a:avLst/>
           </a:prstGeom>
         </p:spPr>
       </p:pic>
+      <p:sp>
+        <p:nvSpPr>
+          <p:cNvPr id="7" name="TextBox 6"/>
+          <p:cNvSpPr txBox="1"/>
+          <p:nvPr/>
+        </p:nvSpPr>
+        <p:spPr>
+          <a:xfrm>
+            <a:off x="1265160" y="2182270"/>
+            <a:ext cx="3297789" cy="461665"/>
+          </a:xfrm>
+          <a:prstGeom prst="rect">
+            <a:avLst/>
+          </a:prstGeom>
+          <a:noFill/>
+        </p:spPr>
+        <p:txBody>
+          <a:bodyPr wrap="square" rtlCol="0">
+            <a:spAutoFit/>
+          </a:bodyPr>
+          <a:lstStyle/>
+          <a:p>
+            <a:r>
+              <a:rPr lang="en-US" sz="2400" b="1" dirty="0" smtClean="0">
+                <a:solidFill>
+                  <a:srgbClr val="DB7AC3"/>
+                </a:solidFill>
+              </a:rPr>
+              <a:t>La query </a:t>
+            </a:r>
+            <a:r>
+              <a:rPr lang="en-US" sz="2400" b="1" dirty="0" err="1" smtClean="0">
+                <a:solidFill>
+                  <a:srgbClr val="DB7AC3"/>
+                </a:solidFill>
+              </a:rPr>
+              <a:t>GraphQL</a:t>
+            </a:r>
+            <a:endParaRPr lang="en-US" sz="2400" b="1" dirty="0">
+              <a:solidFill>
+                <a:srgbClr val="DB7AC3"/>
+              </a:solidFill>
+            </a:endParaRPr>
+          </a:p>
+        </p:txBody>
+      </p:sp>
+      <p:sp>
+        <p:nvSpPr>
+          <p:cNvPr id="9" name="TextBox 8"/>
+          <p:cNvSpPr txBox="1"/>
+          <p:nvPr/>
+        </p:nvSpPr>
+        <p:spPr>
+          <a:xfrm>
+            <a:off x="6598690" y="2126001"/>
+            <a:ext cx="3989917" cy="461665"/>
+          </a:xfrm>
+          <a:prstGeom prst="rect">
+            <a:avLst/>
+          </a:prstGeom>
+          <a:noFill/>
+        </p:spPr>
+        <p:txBody>
+          <a:bodyPr wrap="square" rtlCol="0">
+            <a:spAutoFit/>
+          </a:bodyPr>
+          <a:lstStyle/>
+          <a:p>
+            <a:r>
+              <a:rPr lang="en-US" sz="2400" b="1" dirty="0" smtClean="0">
+                <a:solidFill>
+                  <a:srgbClr val="DB7AC3"/>
+                </a:solidFill>
+              </a:rPr>
+              <a:t>Le </a:t>
+            </a:r>
+            <a:r>
+              <a:rPr lang="en-US" sz="2400" b="1" dirty="0" err="1" smtClean="0">
+                <a:solidFill>
+                  <a:srgbClr val="DB7AC3"/>
+                </a:solidFill>
+              </a:rPr>
+              <a:t>rendu</a:t>
+            </a:r>
+            <a:r>
+              <a:rPr lang="en-US" sz="2400" b="1" dirty="0" smtClean="0">
+                <a:solidFill>
+                  <a:srgbClr val="DB7AC3"/>
+                </a:solidFill>
+              </a:rPr>
+              <a:t> (JSON)</a:t>
+            </a:r>
+            <a:endParaRPr lang="en-US" b="1" dirty="0">
+              <a:solidFill>
+                <a:srgbClr val="DB7AC3"/>
+              </a:solidFill>
+            </a:endParaRPr>
+          </a:p>
+        </p:txBody>
+      </p:sp>
+      <p:pic>
+        <p:nvPicPr>
+          <p:cNvPr id="3" name="Picture 2"/>
+          <p:cNvPicPr>
+            <a:picLocks noChangeAspect="1"/>
+          </p:cNvPicPr>
+          <p:nvPr/>
+        </p:nvPicPr>
+        <p:blipFill>
+          <a:blip r:embed="rId3">
+            <a:extLst>
+              <a:ext uri="{28A0092B-C50C-407E-A947-70E740481C1C}">
+                <a14:useLocalDpi xmlns:a14="http://schemas.microsoft.com/office/drawing/2010/main" val="0"/>
+              </a:ext>
+            </a:extLst>
+          </a:blip>
+          <a:stretch>
+            <a:fillRect/>
+          </a:stretch>
+        </p:blipFill>
+        <p:spPr>
+          <a:xfrm>
+            <a:off x="6598690" y="2648054"/>
+            <a:ext cx="3797300" cy="3898900"/>
+          </a:xfrm>
+          <a:prstGeom prst="rect">
+            <a:avLst/>
+          </a:prstGeom>
+        </p:spPr>
+      </p:pic>
+      <p:sp>
+        <p:nvSpPr>
+          <p:cNvPr id="8" name="Title 3"/>
+          <p:cNvSpPr txBox="1">
+            <a:spLocks/>
+          </p:cNvSpPr>
+          <p:nvPr/>
+        </p:nvSpPr>
+        <p:spPr>
+          <a:xfrm>
+            <a:off x="1060216" y="617450"/>
+            <a:ext cx="10052713" cy="974502"/>
+          </a:xfrm>
+          <a:prstGeom prst="rect">
+            <a:avLst/>
+          </a:prstGeom>
+        </p:spPr>
+        <p:txBody>
+          <a:bodyPr vert="horz" lIns="91440" tIns="45720" rIns="91440" bIns="45720" rtlCol="0" anchor="ctr">
+            <a:normAutofit fontScale="90000"/>
+          </a:bodyPr>
+          <a:lstStyle>
+            <a:lvl1pPr algn="l" defTabSz="914400" rtl="0" eaLnBrk="1" latinLnBrk="0" hangingPunct="1">
+              <a:lnSpc>
+                <a:spcPct val="90000"/>
+              </a:lnSpc>
+              <a:spcBef>
+                <a:spcPct val="0"/>
+              </a:spcBef>
+              <a:buNone/>
+              <a:defRPr sz="4400" kern="1200">
+                <a:solidFill>
+                  <a:schemeClr val="tx1"/>
+                </a:solidFill>
+                <a:latin typeface="ITC Avant Garde Std XLt" charset="0"/>
+                <a:ea typeface="ITC Avant Garde Std XLt" charset="0"/>
+                <a:cs typeface="ITC Avant Garde Std XLt" charset="0"/>
+              </a:defRPr>
+            </a:lvl1pPr>
+          </a:lstStyle>
+          <a:p>
+            <a:r>
+              <a:rPr lang="en-US" dirty="0" smtClean="0">
+                <a:latin typeface="Open Sans" charset="0"/>
+                <a:ea typeface="Open Sans" charset="0"/>
+                <a:cs typeface="Open Sans" charset="0"/>
+              </a:rPr>
+              <a:t>Comment </a:t>
+            </a:r>
+            <a:r>
+              <a:rPr lang="en-US" dirty="0" err="1" smtClean="0">
+                <a:latin typeface="Open Sans" charset="0"/>
+                <a:ea typeface="Open Sans" charset="0"/>
+                <a:cs typeface="Open Sans" charset="0"/>
+              </a:rPr>
+              <a:t>gérer</a:t>
+            </a:r>
+            <a:r>
+              <a:rPr lang="en-US" dirty="0" smtClean="0">
+                <a:latin typeface="Open Sans" charset="0"/>
+                <a:ea typeface="Open Sans" charset="0"/>
+                <a:cs typeface="Open Sans" charset="0"/>
+              </a:rPr>
+              <a:t> </a:t>
+            </a:r>
+            <a:r>
+              <a:rPr lang="en-US" b="1" dirty="0" err="1" smtClean="0">
+                <a:solidFill>
+                  <a:srgbClr val="DB7AC3"/>
+                </a:solidFill>
+                <a:latin typeface="Open Sans" charset="0"/>
+                <a:ea typeface="Open Sans" charset="0"/>
+                <a:cs typeface="Open Sans" charset="0"/>
+              </a:rPr>
+              <a:t>l’évolution</a:t>
+            </a:r>
+            <a:r>
+              <a:rPr lang="en-US" dirty="0" smtClean="0">
+                <a:latin typeface="Open Sans" charset="0"/>
+                <a:ea typeface="Open Sans" charset="0"/>
+                <a:cs typeface="Open Sans" charset="0"/>
+              </a:rPr>
+              <a:t> du </a:t>
+            </a:r>
+            <a:r>
+              <a:rPr lang="en-US" dirty="0" err="1" smtClean="0">
+                <a:latin typeface="Open Sans" charset="0"/>
+                <a:ea typeface="Open Sans" charset="0"/>
+                <a:cs typeface="Open Sans" charset="0"/>
+              </a:rPr>
+              <a:t>contrat</a:t>
+            </a:r>
+            <a:r>
+              <a:rPr lang="en-US" dirty="0" smtClean="0">
+                <a:latin typeface="Open Sans" charset="0"/>
+                <a:ea typeface="Open Sans" charset="0"/>
+                <a:cs typeface="Open Sans" charset="0"/>
+              </a:rPr>
+              <a:t> ?</a:t>
+            </a:r>
+            <a:endParaRPr lang="en-US" sz="3200" b="1" dirty="0">
+              <a:solidFill>
+                <a:srgbClr val="DB7AC3"/>
+              </a:solidFill>
+              <a:latin typeface="Open Sans" charset="0"/>
+              <a:ea typeface="Open Sans" charset="0"/>
+              <a:cs typeface="Open Sans" charset="0"/>
+            </a:endParaRPr>
+          </a:p>
+        </p:txBody>
+      </p:sp>
     </p:spTree>
     <p:extLst>
       <p:ext uri="{BB962C8B-B14F-4D97-AF65-F5344CB8AC3E}">
-        <p14:creationId xmlns:p14="http://schemas.microsoft.com/office/powerpoint/2010/main" val="2019835261"/>
+        <p14:creationId xmlns:p14="http://schemas.microsoft.com/office/powerpoint/2010/main" val="1961731577"/>
       </p:ext>
     </p:extLst>
   </p:cSld>
@@ -4061,30 +4235,30 @@
         <p:spPr>
           <a:xfrm>
             <a:off x="1060216" y="538612"/>
-            <a:ext cx="10052713" cy="974502"/>
+            <a:ext cx="11131784" cy="974502"/>
           </a:xfrm>
         </p:spPr>
         <p:txBody>
           <a:bodyPr>
-            <a:normAutofit/>
+            <a:normAutofit fontScale="90000"/>
           </a:bodyPr>
           <a:lstStyle/>
           <a:p>
             <a:r>
+              <a:rPr lang="en-US" dirty="0" err="1" smtClean="0">
+                <a:latin typeface="Open Sans" charset="0"/>
+                <a:ea typeface="Open Sans" charset="0"/>
+                <a:cs typeface="Open Sans" charset="0"/>
+              </a:rPr>
+              <a:t>Ou</a:t>
+            </a:r>
+            <a:r>
               <a:rPr lang="en-US" dirty="0" smtClean="0">
                 <a:latin typeface="Open Sans" charset="0"/>
                 <a:ea typeface="Open Sans" charset="0"/>
                 <a:cs typeface="Open Sans" charset="0"/>
               </a:rPr>
-              <a:t>Et </a:t>
-            </a:r>
-            <a:r>
-              <a:rPr lang="en-US" dirty="0" err="1">
-                <a:latin typeface="Open Sans" charset="0"/>
-                <a:ea typeface="Open Sans" charset="0"/>
-                <a:cs typeface="Open Sans" charset="0"/>
-              </a:rPr>
-              <a:t>a</a:t>
+              <a:t> </a:t>
             </a:r>
             <a:r>
               <a:rPr lang="en-US" dirty="0" err="1" smtClean="0">
@@ -4092,7 +4266,7 @@
                 <a:ea typeface="Open Sans" charset="0"/>
                 <a:cs typeface="Open Sans" charset="0"/>
               </a:rPr>
-              <a:t>lors</a:t>
+              <a:t>alors</a:t>
             </a:r>
             <a:r>
               <a:rPr lang="en-US" dirty="0" smtClean="0">
@@ -4100,7 +4274,39 @@
                 <a:ea typeface="Open Sans" charset="0"/>
                 <a:cs typeface="Open Sans" charset="0"/>
               </a:rPr>
-              <a:t> ?</a:t>
+              <a:t> </a:t>
+            </a:r>
+            <a:r>
+              <a:rPr lang="en-US" dirty="0" err="1" smtClean="0">
+                <a:latin typeface="Open Sans" charset="0"/>
+                <a:ea typeface="Open Sans" charset="0"/>
+                <a:cs typeface="Open Sans" charset="0"/>
+              </a:rPr>
+              <a:t>l’afficher</a:t>
+            </a:r>
+            <a:r>
+              <a:rPr lang="en-US" dirty="0" smtClean="0">
+                <a:latin typeface="Open Sans" charset="0"/>
+                <a:ea typeface="Open Sans" charset="0"/>
+                <a:cs typeface="Open Sans" charset="0"/>
+              </a:rPr>
+              <a:t> en </a:t>
+            </a:r>
+            <a:r>
+              <a:rPr lang="en-US" dirty="0" err="1" smtClean="0">
+                <a:latin typeface="Open Sans" charset="0"/>
+                <a:ea typeface="Open Sans" charset="0"/>
+                <a:cs typeface="Open Sans" charset="0"/>
+              </a:rPr>
+              <a:t>connaissance</a:t>
+            </a:r>
+            <a:r>
+              <a:rPr lang="en-US" dirty="0" smtClean="0">
+                <a:latin typeface="Open Sans" charset="0"/>
+                <a:ea typeface="Open Sans" charset="0"/>
+                <a:cs typeface="Open Sans" charset="0"/>
+              </a:rPr>
+              <a:t> de cause</a:t>
             </a:r>
             <a:endParaRPr lang="en-US" sz="3200" b="1" dirty="0">
               <a:solidFill>
@@ -4115,14 +4321,14 @@
       </p:sp>
       <p:sp>
         <p:nvSpPr>
-          <p:cNvPr id="5" name="TextBox 4"/>
+          <p:cNvPr id="7" name="TextBox 6"/>
           <p:cNvSpPr txBox="1"/>
           <p:nvPr/>
         </p:nvSpPr>
         <p:spPr>
           <a:xfrm>
-            <a:off x="1060216" y="1354872"/>
-            <a:ext cx="10811218" cy="461665"/>
+            <a:off x="1325763" y="1489018"/>
+            <a:ext cx="3297789" cy="461665"/>
           </a:xfrm>
           <a:prstGeom prst="rect">
             <a:avLst/>
@@ -4136,158 +4342,86 @@
           <a:lstStyle/>
           <a:p>
             <a:r>
-              <a:rPr lang="en-US" sz="2400" i="1" dirty="0" smtClean="0">
-                <a:solidFill>
-                  <a:schemeClr val="tx1">
-                    <a:lumMod val="75000"/>
-                  </a:schemeClr>
-                </a:solidFill>
-              </a:rPr>
-              <a:t>Les </a:t>
-            </a:r>
-            <a:r>
-              <a:rPr lang="en-US" sz="2400" i="1" dirty="0" err="1" smtClean="0">
-                <a:solidFill>
-                  <a:schemeClr val="tx1">
-                    <a:lumMod val="75000"/>
-                  </a:schemeClr>
-                </a:solidFill>
-              </a:rPr>
-              <a:t>outils</a:t>
-            </a:r>
-            <a:r>
-              <a:rPr lang="en-US" sz="2400" i="1" dirty="0" smtClean="0">
-                <a:solidFill>
-                  <a:schemeClr val="tx1">
-                    <a:lumMod val="75000"/>
-                  </a:schemeClr>
-                </a:solidFill>
-              </a:rPr>
-              <a:t> ne le </a:t>
-            </a:r>
-            <a:r>
-              <a:rPr lang="en-US" sz="2400" i="1" dirty="0" err="1" smtClean="0">
-                <a:solidFill>
-                  <a:schemeClr val="tx1">
-                    <a:lumMod val="75000"/>
-                  </a:schemeClr>
-                </a:solidFill>
-              </a:rPr>
-              <a:t>proposeront</a:t>
-            </a:r>
-            <a:r>
-              <a:rPr lang="en-US" sz="2400" i="1" dirty="0" smtClean="0">
-                <a:solidFill>
-                  <a:schemeClr val="tx1">
-                    <a:lumMod val="75000"/>
-                  </a:schemeClr>
-                </a:solidFill>
-              </a:rPr>
-              <a:t> plus, </a:t>
-            </a:r>
-            <a:r>
-              <a:rPr lang="en-US" sz="2400" i="1" dirty="0" err="1" smtClean="0">
-                <a:solidFill>
-                  <a:schemeClr val="tx1">
-                    <a:lumMod val="75000"/>
-                  </a:schemeClr>
-                </a:solidFill>
-              </a:rPr>
-              <a:t>ou</a:t>
-            </a:r>
-            <a:r>
-              <a:rPr lang="en-US" sz="2400" i="1" dirty="0" smtClean="0">
-                <a:solidFill>
-                  <a:schemeClr val="tx1">
-                    <a:lumMod val="75000"/>
-                  </a:schemeClr>
-                </a:solidFill>
-              </a:rPr>
-              <a:t> </a:t>
-            </a:r>
-            <a:r>
-              <a:rPr lang="en-US" sz="2400" i="1" dirty="0" err="1" smtClean="0">
-                <a:solidFill>
-                  <a:schemeClr val="tx1">
-                    <a:lumMod val="75000"/>
-                  </a:schemeClr>
-                </a:solidFill>
-              </a:rPr>
-              <a:t>alors</a:t>
-            </a:r>
-            <a:r>
-              <a:rPr lang="en-US" sz="2400" i="1" dirty="0" smtClean="0">
-                <a:solidFill>
-                  <a:schemeClr val="tx1">
-                    <a:lumMod val="75000"/>
-                  </a:schemeClr>
-                </a:solidFill>
-              </a:rPr>
-              <a:t> </a:t>
-            </a:r>
-            <a:r>
-              <a:rPr lang="en-US" sz="2400" i="1" dirty="0" err="1" smtClean="0">
-                <a:solidFill>
-                  <a:schemeClr val="tx1">
-                    <a:lumMod val="75000"/>
-                  </a:schemeClr>
-                </a:solidFill>
-              </a:rPr>
-              <a:t>comme</a:t>
-            </a:r>
-            <a:r>
-              <a:rPr lang="en-US" sz="2400" i="1" dirty="0" smtClean="0">
-                <a:solidFill>
-                  <a:schemeClr val="tx1">
-                    <a:lumMod val="75000"/>
-                  </a:schemeClr>
-                </a:solidFill>
-              </a:rPr>
-              <a:t> </a:t>
-            </a:r>
-            <a:r>
-              <a:rPr lang="en-US" sz="2400" i="1" dirty="0" err="1" smtClean="0">
-                <a:solidFill>
-                  <a:schemeClr val="tx1">
-                    <a:lumMod val="75000"/>
-                  </a:schemeClr>
-                </a:solidFill>
-              </a:rPr>
-              <a:t>étant</a:t>
-            </a:r>
-            <a:r>
-              <a:rPr lang="en-US" sz="2400" i="1" dirty="0" smtClean="0">
-                <a:solidFill>
-                  <a:schemeClr val="tx1">
-                    <a:lumMod val="75000"/>
-                  </a:schemeClr>
-                </a:solidFill>
-              </a:rPr>
-              <a:t> </a:t>
-            </a:r>
-            <a:r>
-              <a:rPr lang="en-US" sz="2400" i="1" dirty="0" err="1" smtClean="0">
-                <a:solidFill>
-                  <a:schemeClr val="tx1">
-                    <a:lumMod val="75000"/>
-                  </a:schemeClr>
-                </a:solidFill>
-              </a:rPr>
-              <a:t>déprecié</a:t>
-            </a:r>
-            <a:endParaRPr lang="en-US" sz="2400" i="1" dirty="0">
+              <a:rPr lang="en-US" sz="2400" b="1" dirty="0" smtClean="0">
+                <a:solidFill>
+                  <a:srgbClr val="DB7AC3"/>
+                </a:solidFill>
+              </a:rPr>
+              <a:t>La query </a:t>
+            </a:r>
+            <a:r>
+              <a:rPr lang="en-US" sz="2400" b="1" dirty="0" err="1" smtClean="0">
+                <a:solidFill>
+                  <a:srgbClr val="DB7AC3"/>
+                </a:solidFill>
+              </a:rPr>
+              <a:t>GraphQL</a:t>
+            </a:r>
+            <a:endParaRPr lang="en-US" sz="2400" b="1" dirty="0">
               <a:solidFill>
-                <a:schemeClr val="tx1">
-                  <a:lumMod val="75000"/>
-                </a:schemeClr>
+                <a:srgbClr val="DB7AC3"/>
               </a:solidFill>
             </a:endParaRPr>
           </a:p>
         </p:txBody>
       </p:sp>
+      <p:sp>
+        <p:nvSpPr>
+          <p:cNvPr id="9" name="TextBox 8"/>
+          <p:cNvSpPr txBox="1"/>
+          <p:nvPr/>
+        </p:nvSpPr>
+        <p:spPr>
+          <a:xfrm>
+            <a:off x="5844098" y="1473252"/>
+            <a:ext cx="3989917" cy="461665"/>
+          </a:xfrm>
+          <a:prstGeom prst="rect">
+            <a:avLst/>
+          </a:prstGeom>
+          <a:noFill/>
+        </p:spPr>
+        <p:txBody>
+          <a:bodyPr wrap="square" rtlCol="0">
+            <a:spAutoFit/>
+          </a:bodyPr>
+          <a:lstStyle/>
+          <a:p>
+            <a:r>
+              <a:rPr lang="en-US" sz="2400" b="1" dirty="0" smtClean="0">
+                <a:solidFill>
+                  <a:srgbClr val="DB7AC3"/>
+                </a:solidFill>
+              </a:rPr>
+              <a:t>Le </a:t>
+            </a:r>
+            <a:r>
+              <a:rPr lang="en-US" sz="2400" b="1" dirty="0" err="1" smtClean="0">
+                <a:solidFill>
+                  <a:srgbClr val="DB7AC3"/>
+                </a:solidFill>
+              </a:rPr>
+              <a:t>rendu</a:t>
+            </a:r>
+            <a:r>
+              <a:rPr lang="en-US" sz="2400" b="1" dirty="0" smtClean="0">
+                <a:solidFill>
+                  <a:srgbClr val="DB7AC3"/>
+                </a:solidFill>
+              </a:rPr>
+              <a:t> (JSON)</a:t>
+            </a:r>
+            <a:endParaRPr lang="en-US" b="1" dirty="0">
+              <a:solidFill>
+                <a:srgbClr val="DB7AC3"/>
+              </a:solidFill>
+            </a:endParaRPr>
+          </a:p>
+        </p:txBody>
+      </p:sp>
       <p:pic>
         <p:nvPicPr>
-          <p:cNvPr id="2" name="Picture 1"/>
+          <p:cNvPr id="6" name="Picture 5"/>
           <p:cNvPicPr>
             <a:picLocks noChangeAspect="1"/>
           </p:cNvPicPr>
@@ -4307,117 +4441,17 @@
         </p:blipFill>
         <p:spPr>
           <a:xfrm>
-            <a:off x="1265160" y="2660257"/>
-            <a:ext cx="4095834" cy="3222056"/>
+            <a:off x="1325763" y="1950683"/>
+            <a:ext cx="3962400" cy="2222500"/>
           </a:xfrm>
           <a:prstGeom prst="rect">
             <a:avLst/>
           </a:prstGeom>
         </p:spPr>
       </p:pic>
-      <p:sp>
-        <p:nvSpPr>
-          <p:cNvPr id="7" name="TextBox 6"/>
-          <p:cNvSpPr txBox="1"/>
-          <p:nvPr/>
-        </p:nvSpPr>
-        <p:spPr>
-          <a:xfrm>
-            <a:off x="1265160" y="2182270"/>
-            <a:ext cx="3297789" cy="461665"/>
-          </a:xfrm>
-          <a:prstGeom prst="rect">
-            <a:avLst/>
-          </a:prstGeom>
-          <a:noFill/>
-        </p:spPr>
-        <p:txBody>
-          <a:bodyPr wrap="square" rtlCol="0">
-            <a:spAutoFit/>
-          </a:bodyPr>
-          <a:lstStyle/>
-          <a:p>
-            <a:r>
-              <a:rPr lang="en-US" sz="2400" b="1" dirty="0" smtClean="0">
-                <a:solidFill>
-                  <a:srgbClr val="DB7AC3"/>
-                </a:solidFill>
-              </a:rPr>
-              <a:t>La query </a:t>
-            </a:r>
-            <a:r>
-              <a:rPr lang="en-US" sz="2400" b="1" dirty="0" err="1" smtClean="0">
-                <a:solidFill>
-                  <a:srgbClr val="DB7AC3"/>
-                </a:solidFill>
-              </a:rPr>
-              <a:t>GraphQL</a:t>
-            </a:r>
-            <a:endParaRPr lang="en-US" sz="2400" b="1" dirty="0">
-              <a:solidFill>
-                <a:srgbClr val="DB7AC3"/>
-              </a:solidFill>
-            </a:endParaRPr>
-          </a:p>
-        </p:txBody>
-      </p:sp>
-      <p:sp>
-        <p:nvSpPr>
-          <p:cNvPr id="9" name="TextBox 8"/>
-          <p:cNvSpPr txBox="1"/>
-          <p:nvPr/>
-        </p:nvSpPr>
-        <p:spPr>
-          <a:xfrm>
-            <a:off x="6598690" y="2126001"/>
-            <a:ext cx="3989917" cy="461665"/>
-          </a:xfrm>
-          <a:prstGeom prst="rect">
-            <a:avLst/>
-          </a:prstGeom>
-          <a:noFill/>
-        </p:spPr>
-        <p:txBody>
-          <a:bodyPr wrap="square" rtlCol="0">
-            <a:spAutoFit/>
-          </a:bodyPr>
-          <a:lstStyle/>
-          <a:p>
-            <a:r>
-              <a:rPr lang="en-US" sz="2400" b="1" dirty="0" smtClean="0">
-                <a:solidFill>
-                  <a:srgbClr val="DB7AC3"/>
-                </a:solidFill>
-              </a:rPr>
-              <a:t>Le </a:t>
-            </a:r>
-            <a:r>
-              <a:rPr lang="en-US" sz="2400" b="1" dirty="0" err="1" smtClean="0">
-                <a:solidFill>
-                  <a:srgbClr val="DB7AC3"/>
-                </a:solidFill>
-              </a:rPr>
-              <a:t>rendu</a:t>
-            </a:r>
-            <a:r>
-              <a:rPr lang="en-US" sz="2400" b="1" dirty="0" smtClean="0">
-                <a:solidFill>
-                  <a:srgbClr val="DB7AC3"/>
-                </a:solidFill>
-              </a:rPr>
-              <a:t> (JSON)</a:t>
-            </a:r>
-            <a:endParaRPr lang="en-US" b="1" dirty="0">
-              <a:solidFill>
-                <a:srgbClr val="DB7AC3"/>
-              </a:solidFill>
-            </a:endParaRPr>
-          </a:p>
-        </p:txBody>
-      </p:sp>
       <p:pic>
         <p:nvPicPr>
-          <p:cNvPr id="3" name="Picture 2"/>
+          <p:cNvPr id="8" name="Picture 7"/>
           <p:cNvPicPr>
             <a:picLocks noChangeAspect="1"/>
           </p:cNvPicPr>
@@ -4437,8 +4471,8 @@
         </p:blipFill>
         <p:spPr>
           <a:xfrm>
-            <a:off x="6598690" y="2648054"/>
-            <a:ext cx="3797300" cy="3898900"/>
+            <a:off x="5844098" y="1934917"/>
+            <a:ext cx="5499100" cy="4749800"/>
           </a:xfrm>
           <a:prstGeom prst="rect">
             <a:avLst/>
@@ -4448,7 +4482,7 @@
     </p:spTree>
     <p:extLst>
       <p:ext uri="{BB962C8B-B14F-4D97-AF65-F5344CB8AC3E}">
-        <p14:creationId xmlns:p14="http://schemas.microsoft.com/office/powerpoint/2010/main" val="1961731577"/>
+        <p14:creationId xmlns:p14="http://schemas.microsoft.com/office/powerpoint/2010/main" val="429498532"/>
       </p:ext>
     </p:extLst>
   </p:cSld>
@@ -4494,23 +4528,31 @@
         </p:nvSpPr>
         <p:spPr>
           <a:xfrm>
-            <a:off x="1060216" y="538612"/>
-            <a:ext cx="10052713" cy="974502"/>
+            <a:off x="1044452" y="275169"/>
+            <a:ext cx="10052713" cy="1600152"/>
           </a:xfrm>
         </p:spPr>
         <p:txBody>
           <a:bodyPr>
-            <a:normAutofit fontScale="90000"/>
+            <a:normAutofit/>
           </a:bodyPr>
           <a:lstStyle/>
           <a:p>
             <a:r>
+              <a:rPr lang="en-US" dirty="0" smtClean="0">
+                <a:latin typeface="Open Sans" charset="0"/>
+                <a:ea typeface="Open Sans" charset="0"/>
+                <a:cs typeface="Open Sans" charset="0"/>
+              </a:rPr>
+              <a:t>Explorer </a:t>
+            </a:r>
+            <a:r>
               <a:rPr lang="en-US" dirty="0" err="1" smtClean="0">
                 <a:latin typeface="Open Sans" charset="0"/>
                 <a:ea typeface="Open Sans" charset="0"/>
                 <a:cs typeface="Open Sans" charset="0"/>
               </a:rPr>
-              <a:t>Ou</a:t>
+              <a:t>votre</a:t>
             </a:r>
             <a:r>
               <a:rPr lang="en-US" dirty="0" smtClean="0">
@@ -4518,39 +4560,40 @@
                 <a:ea typeface="Open Sans" charset="0"/>
                 <a:cs typeface="Open Sans" charset="0"/>
               </a:rPr>
-              <a:t> </a:t>
-            </a:r>
-            <a:r>
-              <a:rPr lang="en-US" dirty="0" err="1" smtClean="0">
-                <a:latin typeface="Open Sans" charset="0"/>
-                <a:ea typeface="Open Sans" charset="0"/>
-                <a:cs typeface="Open Sans" charset="0"/>
-              </a:rPr>
-              <a:t>l’afficher</a:t>
-            </a:r>
-            <a:r>
-              <a:rPr lang="en-US" dirty="0" smtClean="0">
-                <a:latin typeface="Open Sans" charset="0"/>
-                <a:ea typeface="Open Sans" charset="0"/>
-                <a:cs typeface="Open Sans" charset="0"/>
-              </a:rPr>
-              <a:t> en </a:t>
-            </a:r>
-            <a:r>
-              <a:rPr lang="en-US" dirty="0" err="1" smtClean="0">
-                <a:latin typeface="Open Sans" charset="0"/>
-                <a:ea typeface="Open Sans" charset="0"/>
-                <a:cs typeface="Open Sans" charset="0"/>
-              </a:rPr>
-              <a:t>connaissance</a:t>
-            </a:r>
-            <a:r>
-              <a:rPr lang="en-US" dirty="0" smtClean="0">
-                <a:latin typeface="Open Sans" charset="0"/>
-                <a:ea typeface="Open Sans" charset="0"/>
-                <a:cs typeface="Open Sans" charset="0"/>
-              </a:rPr>
-              <a:t> de cause</a:t>
+              <a:t> graph avec </a:t>
+            </a:r>
+            <a:r>
+              <a:rPr lang="en-US" b="1" dirty="0" err="1" smtClean="0">
+                <a:solidFill>
+                  <a:srgbClr val="DB7AC3"/>
+                </a:solidFill>
+                <a:latin typeface="Open Sans" charset="0"/>
+                <a:ea typeface="Open Sans" charset="0"/>
+                <a:cs typeface="Open Sans" charset="0"/>
+              </a:rPr>
+              <a:t>Graph</a:t>
+            </a:r>
+            <a:r>
+              <a:rPr lang="en-US" b="1" i="1" dirty="0" err="1" smtClean="0">
+                <a:solidFill>
+                  <a:srgbClr val="DB7AC3"/>
+                </a:solidFill>
+                <a:latin typeface="Open Sans" charset="0"/>
+                <a:ea typeface="Open Sans" charset="0"/>
+                <a:cs typeface="Open Sans" charset="0"/>
+              </a:rPr>
+              <a:t>i</a:t>
+            </a:r>
+            <a:r>
+              <a:rPr lang="en-US" b="1" dirty="0" err="1" smtClean="0">
+                <a:solidFill>
+                  <a:srgbClr val="DB7AC3"/>
+                </a:solidFill>
+                <a:latin typeface="Open Sans" charset="0"/>
+                <a:ea typeface="Open Sans" charset="0"/>
+                <a:cs typeface="Open Sans" charset="0"/>
+              </a:rPr>
+              <a:t>QL</a:t>
             </a:r>
             <a:endParaRPr lang="en-US" sz="3200" b="1" dirty="0">
               <a:solidFill>
@@ -4565,14 +4608,14 @@
       </p:sp>
       <p:sp>
         <p:nvSpPr>
-          <p:cNvPr id="7" name="TextBox 6"/>
+          <p:cNvPr id="5" name="TextBox 4"/>
           <p:cNvSpPr txBox="1"/>
           <p:nvPr/>
         </p:nvSpPr>
         <p:spPr>
           <a:xfrm>
-            <a:off x="1325763" y="1489018"/>
-            <a:ext cx="3297789" cy="461665"/>
+            <a:off x="1060216" y="1354872"/>
+            <a:ext cx="11131784" cy="830997"/>
           </a:xfrm>
           <a:prstGeom prst="rect">
             <a:avLst/>
@@ -4586,86 +4629,134 @@
           <a:lstStyle/>
           <a:p>
             <a:r>
-              <a:rPr lang="en-US" sz="2400" b="1" dirty="0" smtClean="0">
-                <a:solidFill>
-                  <a:srgbClr val="DB7AC3"/>
-                </a:solidFill>
-              </a:rPr>
-              <a:t>La query </a:t>
-            </a:r>
-            <a:r>
-              <a:rPr lang="en-US" sz="2400" b="1" dirty="0" err="1" smtClean="0">
-                <a:solidFill>
-                  <a:srgbClr val="DB7AC3"/>
-                </a:solidFill>
+              <a:rPr lang="en-US" sz="2400" i="1" dirty="0" err="1" smtClean="0">
+                <a:solidFill>
+                  <a:schemeClr val="tx1">
+                    <a:lumMod val="75000"/>
+                  </a:schemeClr>
+                </a:solidFill>
+              </a:rPr>
+              <a:t>C’est</a:t>
+            </a:r>
+            <a:r>
+              <a:rPr lang="en-US" sz="2400" i="1" dirty="0" smtClean="0">
+                <a:solidFill>
+                  <a:schemeClr val="tx1">
+                    <a:lumMod val="75000"/>
+                  </a:schemeClr>
+                </a:solidFill>
+              </a:rPr>
+              <a:t> encore </a:t>
+            </a:r>
+            <a:r>
+              <a:rPr lang="en-US" sz="2400" i="1" dirty="0" err="1" smtClean="0">
+                <a:solidFill>
+                  <a:schemeClr val="tx1">
+                    <a:lumMod val="75000"/>
+                  </a:schemeClr>
+                </a:solidFill>
+              </a:rPr>
+              <a:t>facebook</a:t>
+            </a:r>
+            <a:r>
+              <a:rPr lang="en-US" sz="2400" i="1" dirty="0" smtClean="0">
+                <a:solidFill>
+                  <a:schemeClr val="tx1">
+                    <a:lumMod val="75000"/>
+                  </a:schemeClr>
+                </a:solidFill>
+              </a:rPr>
+              <a:t> derrière </a:t>
+            </a:r>
+            <a:r>
+              <a:rPr lang="en-US" sz="2400" i="1" dirty="0" smtClean="0">
+                <a:solidFill>
+                  <a:schemeClr val="tx1">
+                    <a:lumMod val="75000"/>
+                  </a:schemeClr>
+                </a:solidFill>
+                <a:sym typeface="Wingdings"/>
+              </a:rPr>
+              <a:t> </a:t>
+            </a:r>
+            <a:br>
+              <a:rPr lang="en-US" sz="2400" i="1" dirty="0" smtClean="0">
+                <a:solidFill>
+                  <a:schemeClr val="tx1">
+                    <a:lumMod val="75000"/>
+                  </a:schemeClr>
+                </a:solidFill>
+                <a:sym typeface="Wingdings"/>
+              </a:rPr>
+            </a:br>
+            <a:r>
+              <a:rPr lang="en-US" sz="2400" i="1" dirty="0" err="1" smtClean="0">
+                <a:solidFill>
+                  <a:schemeClr val="tx1">
+                    <a:lumMod val="75000"/>
+                  </a:schemeClr>
+                </a:solidFill>
+                <a:sym typeface="Wingdings"/>
+              </a:rPr>
+              <a:t>Fonctionne</a:t>
+            </a:r>
+            <a:r>
+              <a:rPr lang="en-US" sz="2400" i="1" dirty="0" smtClean="0">
+                <a:solidFill>
+                  <a:schemeClr val="tx1">
+                    <a:lumMod val="75000"/>
+                  </a:schemeClr>
+                </a:solidFill>
+                <a:sym typeface="Wingdings"/>
+              </a:rPr>
+              <a:t> de pair </a:t>
+            </a:r>
+            <a:r>
+              <a:rPr lang="en-US" sz="2400" i="1" dirty="0" err="1" smtClean="0">
+                <a:solidFill>
+                  <a:schemeClr val="tx1">
+                    <a:lumMod val="75000"/>
+                  </a:schemeClr>
+                </a:solidFill>
+                <a:sym typeface="Wingdings"/>
+              </a:rPr>
+              <a:t>l’introspection</a:t>
+            </a:r>
+            <a:r>
+              <a:rPr lang="en-US" sz="2400" i="1" dirty="0" smtClean="0">
+                <a:solidFill>
+                  <a:schemeClr val="tx1">
+                    <a:lumMod val="75000"/>
+                  </a:schemeClr>
+                </a:solidFill>
+                <a:sym typeface="Wingdings"/>
+              </a:rPr>
+              <a:t> de </a:t>
+            </a:r>
+            <a:r>
+              <a:rPr lang="en-US" sz="2400" i="1" dirty="0" err="1" smtClean="0">
+                <a:solidFill>
+                  <a:schemeClr val="tx1">
+                    <a:lumMod val="75000"/>
+                  </a:schemeClr>
+                </a:solidFill>
+                <a:sym typeface="Wingdings"/>
               </a:rPr>
               <a:t>GraphQL</a:t>
             </a:r>
-            <a:endParaRPr lang="en-US" sz="2400" b="1" dirty="0">
+            <a:endParaRPr lang="en-US" sz="2400" i="1" dirty="0">
               <a:solidFill>
-                <a:srgbClr val="DB7AC3"/>
+                <a:schemeClr val="tx1">
+                  <a:lumMod val="75000"/>
+                </a:schemeClr>
               </a:solidFill>
             </a:endParaRPr>
           </a:p>
         </p:txBody>
       </p:sp>
-      <p:sp>
-        <p:nvSpPr>
-          <p:cNvPr id="9" name="TextBox 8"/>
-          <p:cNvSpPr txBox="1"/>
-          <p:nvPr/>
-        </p:nvSpPr>
-        <p:spPr>
-          <a:xfrm>
-            <a:off x="5844098" y="1473252"/>
-            <a:ext cx="3989917" cy="461665"/>
-          </a:xfrm>
-          <a:prstGeom prst="rect">
-            <a:avLst/>
-          </a:prstGeom>
-          <a:noFill/>
-        </p:spPr>
-        <p:txBody>
-          <a:bodyPr wrap="square" rtlCol="0">
-            <a:spAutoFit/>
-          </a:bodyPr>
-          <a:lstStyle/>
-          <a:p>
-            <a:r>
-              <a:rPr lang="en-US" sz="2400" b="1" dirty="0" smtClean="0">
-                <a:solidFill>
-                  <a:srgbClr val="DB7AC3"/>
-                </a:solidFill>
-              </a:rPr>
-              <a:t>Le </a:t>
-            </a:r>
-            <a:r>
-              <a:rPr lang="en-US" sz="2400" b="1" dirty="0" err="1" smtClean="0">
-                <a:solidFill>
-                  <a:srgbClr val="DB7AC3"/>
-                </a:solidFill>
-              </a:rPr>
-              <a:t>rendu</a:t>
-            </a:r>
-            <a:r>
-              <a:rPr lang="en-US" sz="2400" b="1" dirty="0" smtClean="0">
-                <a:solidFill>
-                  <a:srgbClr val="DB7AC3"/>
-                </a:solidFill>
-              </a:rPr>
-              <a:t> (JSON)</a:t>
-            </a:r>
-            <a:endParaRPr lang="en-US" b="1" dirty="0">
-              <a:solidFill>
-                <a:srgbClr val="DB7AC3"/>
-              </a:solidFill>
-            </a:endParaRPr>
-          </a:p>
-        </p:txBody>
-      </p:sp>
       <p:pic>
         <p:nvPicPr>
-          <p:cNvPr id="6" name="Picture 5"/>
+          <p:cNvPr id="2" name="Picture 1"/>
           <p:cNvPicPr>
             <a:picLocks noChangeAspect="1"/>
           </p:cNvPicPr>
@@ -4685,38 +4776,8 @@
         </p:blipFill>
         <p:spPr>
           <a:xfrm>
-            <a:off x="1325763" y="1950683"/>
-            <a:ext cx="3962400" cy="2222500"/>
-          </a:xfrm>
-          <a:prstGeom prst="rect">
-            <a:avLst/>
-          </a:prstGeom>
-        </p:spPr>
-      </p:pic>
-      <p:pic>
-        <p:nvPicPr>
-          <p:cNvPr id="8" name="Picture 7"/>
-          <p:cNvPicPr>
-            <a:picLocks noChangeAspect="1"/>
-          </p:cNvPicPr>
-          <p:nvPr/>
-        </p:nvPicPr>
-        <p:blipFill>
-          <a:blip r:embed="rId3">
-            <a:extLst>
-              <a:ext uri="{28A0092B-C50C-407E-A947-70E740481C1C}">
-                <a14:useLocalDpi xmlns:a14="http://schemas.microsoft.com/office/drawing/2010/main" val="0"/>
-              </a:ext>
-            </a:extLst>
-          </a:blip>
-          <a:stretch>
-            <a:fillRect/>
-          </a:stretch>
-        </p:blipFill>
-        <p:spPr>
-          <a:xfrm>
-            <a:off x="5844098" y="1934917"/>
-            <a:ext cx="5499100" cy="4749800"/>
+            <a:off x="1060216" y="2421320"/>
+            <a:ext cx="10058400" cy="3436788"/>
           </a:xfrm>
           <a:prstGeom prst="rect">
             <a:avLst/>
@@ -4726,7 +4787,7 @@
     </p:spTree>
     <p:extLst>
       <p:ext uri="{BB962C8B-B14F-4D97-AF65-F5344CB8AC3E}">
-        <p14:creationId xmlns:p14="http://schemas.microsoft.com/office/powerpoint/2010/main" val="429498532"/>
+        <p14:creationId xmlns:p14="http://schemas.microsoft.com/office/powerpoint/2010/main" val="2066170255"/>
       </p:ext>
     </p:extLst>
   </p:cSld>
@@ -4772,8 +4833,8 @@
         </p:nvSpPr>
         <p:spPr>
           <a:xfrm>
-            <a:off x="1044452" y="275169"/>
-            <a:ext cx="10052713" cy="1600152"/>
+            <a:off x="56866" y="2137893"/>
+            <a:ext cx="12078267" cy="1600152"/>
           </a:xfrm>
         </p:spPr>
         <p:txBody>
@@ -4782,32 +4843,9 @@
           </a:bodyPr>
           <a:lstStyle/>
           <a:p>
-            <a:r>
-              <a:rPr lang="en-US" dirty="0" smtClean="0">
-                <a:latin typeface="Open Sans" charset="0"/>
-                <a:ea typeface="Open Sans" charset="0"/>
-                <a:cs typeface="Open Sans" charset="0"/>
-              </a:rPr>
-              <a:t>Explorer </a:t>
-            </a:r>
-            <a:r>
-              <a:rPr lang="en-US" dirty="0" err="1" smtClean="0">
-                <a:latin typeface="Open Sans" charset="0"/>
-                <a:ea typeface="Open Sans" charset="0"/>
-                <a:cs typeface="Open Sans" charset="0"/>
-              </a:rPr>
-              <a:t>votre</a:t>
-            </a:r>
-            <a:r>
-              <a:rPr lang="en-US" dirty="0" smtClean="0">
-                <a:latin typeface="Open Sans" charset="0"/>
-                <a:ea typeface="Open Sans" charset="0"/>
-                <a:cs typeface="Open Sans" charset="0"/>
-              </a:rPr>
-              <a:t> graph avec </a:t>
-            </a:r>
-            <a:r>
-              <a:rPr lang="en-US" b="1" dirty="0" err="1" smtClean="0">
+            <a:pPr algn="ctr"/>
+            <a:r>
+              <a:rPr lang="en-US" sz="8000" b="1" dirty="0" smtClean="0">
                 <a:solidFill>
                   <a:srgbClr val="DB7AC3"/>
                 </a:solidFill>
@@ -4815,31 +4853,9 @@
                 <a:ea typeface="Open Sans" charset="0"/>
                 <a:cs typeface="Open Sans" charset="0"/>
               </a:rPr>
-              <a:t>Graph</a:t>
-            </a:r>
-            <a:r>
-              <a:rPr lang="en-US" b="1" i="1" dirty="0" err="1" smtClean="0">
-                <a:solidFill>
-                  <a:srgbClr val="DB7AC3"/>
-                </a:solidFill>
-                <a:latin typeface="Open Sans" charset="0"/>
-                <a:ea typeface="Open Sans" charset="0"/>
-                <a:cs typeface="Open Sans" charset="0"/>
-              </a:rPr>
-              <a:t>i</a:t>
-            </a:r>
-            <a:r>
-              <a:rPr lang="en-US" b="1" dirty="0" err="1" smtClean="0">
-                <a:solidFill>
-                  <a:srgbClr val="DB7AC3"/>
-                </a:solidFill>
-                <a:latin typeface="Open Sans" charset="0"/>
-                <a:ea typeface="Open Sans" charset="0"/>
-                <a:cs typeface="Open Sans" charset="0"/>
-              </a:rPr>
-              <a:t>QL</a:t>
-            </a:r>
-            <a:endParaRPr lang="en-US" sz="3200" b="1" dirty="0">
+              <a:t>demo</a:t>
+            </a:r>
+            <a:endParaRPr lang="en-US" sz="6000" b="1" dirty="0">
               <a:solidFill>
                 <a:srgbClr val="DB7AC3"/>
               </a:solidFill>
@@ -4852,186 +4868,106 @@
       </p:sp>
       <p:sp>
         <p:nvSpPr>
-          <p:cNvPr id="5" name="TextBox 4"/>
-          <p:cNvSpPr txBox="1"/>
+          <p:cNvPr id="5" name="Title 3"/>
+          <p:cNvSpPr txBox="1">
+            <a:spLocks/>
+          </p:cNvSpPr>
           <p:nvPr/>
         </p:nvSpPr>
         <p:spPr>
           <a:xfrm>
-            <a:off x="1060216" y="1354872"/>
-            <a:ext cx="11131784" cy="830997"/>
+            <a:off x="0" y="2436673"/>
+            <a:ext cx="12192000" cy="3423214"/>
           </a:xfrm>
           <a:prstGeom prst="rect">
             <a:avLst/>
           </a:prstGeom>
-          <a:noFill/>
-        </p:spPr>
-        <p:txBody>
-          <a:bodyPr wrap="square" rtlCol="0">
-            <a:spAutoFit/>
+        </p:spPr>
+        <p:txBody>
+          <a:bodyPr vert="horz" lIns="91440" tIns="45720" rIns="91440" bIns="45720" rtlCol="0" anchor="ctr">
+            <a:normAutofit/>
           </a:bodyPr>
-          <a:lstStyle/>
-          <a:p>
-            <a:r>
-              <a:rPr lang="en-US" sz="2400" i="1" dirty="0" err="1" smtClean="0">
-                <a:solidFill>
-                  <a:schemeClr val="tx1">
-                    <a:lumMod val="75000"/>
-                  </a:schemeClr>
-                </a:solidFill>
-              </a:rPr>
-              <a:t>C’est</a:t>
-            </a:r>
-            <a:r>
-              <a:rPr lang="en-US" sz="2400" i="1" dirty="0" smtClean="0">
-                <a:solidFill>
-                  <a:schemeClr val="tx1">
-                    <a:lumMod val="75000"/>
-                  </a:schemeClr>
-                </a:solidFill>
-              </a:rPr>
-              <a:t> encore </a:t>
-            </a:r>
-            <a:r>
-              <a:rPr lang="en-US" sz="2400" i="1" dirty="0" err="1" smtClean="0">
-                <a:solidFill>
-                  <a:schemeClr val="tx1">
-                    <a:lumMod val="75000"/>
-                  </a:schemeClr>
-                </a:solidFill>
-              </a:rPr>
-              <a:t>facebook</a:t>
-            </a:r>
-            <a:r>
-              <a:rPr lang="en-US" sz="2400" i="1" dirty="0" smtClean="0">
-                <a:solidFill>
-                  <a:schemeClr val="tx1">
-                    <a:lumMod val="75000"/>
-                  </a:schemeClr>
-                </a:solidFill>
-              </a:rPr>
-              <a:t> derrière </a:t>
-            </a:r>
-            <a:r>
-              <a:rPr lang="en-US" sz="2400" i="1" dirty="0" smtClean="0">
-                <a:solidFill>
-                  <a:schemeClr val="tx1">
-                    <a:lumMod val="75000"/>
-                  </a:schemeClr>
-                </a:solidFill>
-                <a:sym typeface="Wingdings"/>
-              </a:rPr>
-              <a:t> </a:t>
-            </a:r>
-            <a:br>
-              <a:rPr lang="en-US" sz="2400" i="1" dirty="0" smtClean="0">
-                <a:solidFill>
-                  <a:schemeClr val="tx1">
-                    <a:lumMod val="75000"/>
-                  </a:schemeClr>
-                </a:solidFill>
-                <a:sym typeface="Wingdings"/>
-              </a:rPr>
-            </a:br>
-            <a:r>
-              <a:rPr lang="en-US" sz="2400" i="1" dirty="0" err="1" smtClean="0">
-                <a:solidFill>
-                  <a:schemeClr val="tx1">
-                    <a:lumMod val="75000"/>
-                  </a:schemeClr>
-                </a:solidFill>
-                <a:sym typeface="Wingdings"/>
-              </a:rPr>
-              <a:t>Fonctionne</a:t>
-            </a:r>
-            <a:r>
-              <a:rPr lang="en-US" sz="2400" i="1" dirty="0" smtClean="0">
-                <a:solidFill>
-                  <a:schemeClr val="tx1">
-                    <a:lumMod val="75000"/>
-                  </a:schemeClr>
-                </a:solidFill>
-                <a:sym typeface="Wingdings"/>
-              </a:rPr>
-              <a:t> de pair </a:t>
-            </a:r>
-            <a:r>
-              <a:rPr lang="en-US" sz="2400" i="1" dirty="0" err="1" smtClean="0">
-                <a:solidFill>
-                  <a:schemeClr val="tx1">
-                    <a:lumMod val="75000"/>
-                  </a:schemeClr>
-                </a:solidFill>
-                <a:sym typeface="Wingdings"/>
-              </a:rPr>
-              <a:t>l’introspection</a:t>
-            </a:r>
-            <a:r>
-              <a:rPr lang="en-US" sz="2400" i="1" dirty="0" smtClean="0">
-                <a:solidFill>
-                  <a:schemeClr val="tx1">
-                    <a:lumMod val="75000"/>
-                  </a:schemeClr>
-                </a:solidFill>
-                <a:sym typeface="Wingdings"/>
-              </a:rPr>
-              <a:t> de </a:t>
-            </a:r>
-            <a:r>
-              <a:rPr lang="en-US" sz="2400" i="1" dirty="0" err="1" smtClean="0">
-                <a:solidFill>
-                  <a:schemeClr val="tx1">
-                    <a:lumMod val="75000"/>
-                  </a:schemeClr>
-                </a:solidFill>
-                <a:sym typeface="Wingdings"/>
-              </a:rPr>
-              <a:t>GraphQL</a:t>
-            </a:r>
-            <a:endParaRPr lang="en-US" sz="2400" i="1" dirty="0">
-              <a:solidFill>
-                <a:schemeClr val="tx1">
-                  <a:lumMod val="75000"/>
-                </a:schemeClr>
-              </a:solidFill>
+          <a:lstStyle>
+            <a:lvl1pPr algn="l" defTabSz="914400" rtl="0" eaLnBrk="1" latinLnBrk="0" hangingPunct="1">
+              <a:lnSpc>
+                <a:spcPct val="90000"/>
+              </a:lnSpc>
+              <a:spcBef>
+                <a:spcPct val="0"/>
+              </a:spcBef>
+              <a:buNone/>
+              <a:defRPr sz="4400" kern="1200">
+                <a:solidFill>
+                  <a:schemeClr val="tx1"/>
+                </a:solidFill>
+                <a:latin typeface="ITC Avant Garde Std XLt" charset="0"/>
+                <a:ea typeface="ITC Avant Garde Std XLt" charset="0"/>
+                <a:cs typeface="ITC Avant Garde Std XLt" charset="0"/>
+              </a:defRPr>
+            </a:lvl1pPr>
+          </a:lstStyle>
+          <a:p>
+            <a:pPr algn="ctr"/>
+            <a:r>
+              <a:rPr lang="en-US" sz="3200" dirty="0">
+                <a:latin typeface="Open Sans" charset="0"/>
+                <a:ea typeface="Open Sans" charset="0"/>
+                <a:cs typeface="Open Sans" charset="0"/>
+              </a:rPr>
+              <a:t>https://</a:t>
+            </a:r>
+            <a:r>
+              <a:rPr lang="en-US" sz="3200" dirty="0" err="1">
+                <a:latin typeface="Open Sans" charset="0"/>
+                <a:ea typeface="Open Sans" charset="0"/>
+                <a:cs typeface="Open Sans" charset="0"/>
+              </a:rPr>
+              <a:t>github.com</a:t>
+            </a:r>
+            <a:r>
+              <a:rPr lang="en-US" sz="3200" dirty="0">
+                <a:latin typeface="Open Sans" charset="0"/>
+                <a:ea typeface="Open Sans" charset="0"/>
+                <a:cs typeface="Open Sans" charset="0"/>
+              </a:rPr>
+              <a:t>/</a:t>
+            </a:r>
+            <a:r>
+              <a:rPr lang="en-US" sz="3200" dirty="0" err="1">
+                <a:latin typeface="Open Sans" charset="0"/>
+                <a:ea typeface="Open Sans" charset="0"/>
+                <a:cs typeface="Open Sans" charset="0"/>
+              </a:rPr>
+              <a:t>tsunammis</a:t>
+            </a:r>
+            <a:r>
+              <a:rPr lang="en-US" sz="3200" dirty="0">
+                <a:latin typeface="Open Sans" charset="0"/>
+                <a:ea typeface="Open Sans" charset="0"/>
+                <a:cs typeface="Open Sans" charset="0"/>
+              </a:rPr>
+              <a:t>/intro-</a:t>
+            </a:r>
+            <a:r>
+              <a:rPr lang="en-US" sz="3200" dirty="0" err="1">
+                <a:latin typeface="Open Sans" charset="0"/>
+                <a:ea typeface="Open Sans" charset="0"/>
+                <a:cs typeface="Open Sans" charset="0"/>
+              </a:rPr>
+              <a:t>graphql</a:t>
+            </a:r>
+            <a:endParaRPr lang="en-US" sz="3200" dirty="0">
+              <a:latin typeface="Open Sans" charset="0"/>
+              <a:ea typeface="Open Sans" charset="0"/>
+              <a:cs typeface="Open Sans" charset="0"/>
             </a:endParaRPr>
           </a:p>
         </p:txBody>
       </p:sp>
-      <p:pic>
-        <p:nvPicPr>
-          <p:cNvPr id="2" name="Picture 1"/>
-          <p:cNvPicPr>
-            <a:picLocks noChangeAspect="1"/>
-          </p:cNvPicPr>
-          <p:nvPr/>
-        </p:nvPicPr>
-        <p:blipFill>
-          <a:blip r:embed="rId2">
-            <a:extLst>
-              <a:ext uri="{28A0092B-C50C-407E-A947-70E740481C1C}">
-                <a14:useLocalDpi xmlns:a14="http://schemas.microsoft.com/office/drawing/2010/main" val="0"/>
-              </a:ext>
-            </a:extLst>
-          </a:blip>
-          <a:stretch>
-            <a:fillRect/>
-          </a:stretch>
-        </p:blipFill>
-        <p:spPr>
-          <a:xfrm>
-            <a:off x="1060216" y="2421320"/>
-            <a:ext cx="10058400" cy="3436788"/>
-          </a:xfrm>
-          <a:prstGeom prst="rect">
-            <a:avLst/>
-          </a:prstGeom>
-        </p:spPr>
-      </p:pic>
     </p:spTree>
     <p:extLst>
       <p:ext uri="{BB962C8B-B14F-4D97-AF65-F5344CB8AC3E}">
-        <p14:creationId xmlns:p14="http://schemas.microsoft.com/office/powerpoint/2010/main" val="2066170255"/>
+        <p14:creationId xmlns:p14="http://schemas.microsoft.com/office/powerpoint/2010/main" val="1041720179"/>
       </p:ext>
     </p:extLst>
   </p:cSld>
@@ -5089,6 +5025,17 @@
           <a:p>
             <a:pPr algn="ctr"/>
             <a:r>
+              <a:rPr lang="en-US" sz="8000" b="1" dirty="0" err="1" smtClean="0">
+                <a:solidFill>
+                  <a:srgbClr val="DB7AC3"/>
+                </a:solidFill>
+                <a:latin typeface="Open Sans" charset="0"/>
+                <a:ea typeface="Open Sans" charset="0"/>
+                <a:cs typeface="Open Sans" charset="0"/>
+              </a:rPr>
+              <a:t>Aller</a:t>
+            </a:r>
+            <a:r>
               <a:rPr lang="en-US" sz="8000" b="1" dirty="0" smtClean="0">
                 <a:solidFill>
                   <a:srgbClr val="DB7AC3"/>
@@ -5097,7 +5044,7 @@
                 <a:ea typeface="Open Sans" charset="0"/>
                 <a:cs typeface="Open Sans" charset="0"/>
               </a:rPr>
-              <a:t>demo</a:t>
+              <a:t> plus loin ?</a:t>
             </a:r>
             <a:endParaRPr lang="en-US" sz="6000" b="1" dirty="0">
               <a:solidFill>
@@ -5151,213 +5098,6 @@
             </a:lvl1pPr>
           </a:lstStyle>
           <a:p>
-            <a:pPr algn="ctr"/>
-            <a:r>
-              <a:rPr lang="en-US" sz="3200" dirty="0">
-                <a:latin typeface="Open Sans" charset="0"/>
-                <a:ea typeface="Open Sans" charset="0"/>
-                <a:cs typeface="Open Sans" charset="0"/>
-              </a:rPr>
-              <a:t>https://</a:t>
-            </a:r>
-            <a:r>
-              <a:rPr lang="en-US" sz="3200" dirty="0" err="1">
-                <a:latin typeface="Open Sans" charset="0"/>
-                <a:ea typeface="Open Sans" charset="0"/>
-                <a:cs typeface="Open Sans" charset="0"/>
-              </a:rPr>
-              <a:t>github.com</a:t>
-            </a:r>
-            <a:r>
-              <a:rPr lang="en-US" sz="3200" dirty="0">
-                <a:latin typeface="Open Sans" charset="0"/>
-                <a:ea typeface="Open Sans" charset="0"/>
-                <a:cs typeface="Open Sans" charset="0"/>
-              </a:rPr>
-              <a:t>/</a:t>
-            </a:r>
-            <a:r>
-              <a:rPr lang="en-US" sz="3200" dirty="0" err="1">
-                <a:latin typeface="Open Sans" charset="0"/>
-                <a:ea typeface="Open Sans" charset="0"/>
-                <a:cs typeface="Open Sans" charset="0"/>
-              </a:rPr>
-              <a:t>tsunammis</a:t>
-            </a:r>
-            <a:r>
-              <a:rPr lang="en-US" sz="3200" dirty="0">
-                <a:latin typeface="Open Sans" charset="0"/>
-                <a:ea typeface="Open Sans" charset="0"/>
-                <a:cs typeface="Open Sans" charset="0"/>
-              </a:rPr>
-              <a:t>/</a:t>
-            </a:r>
-            <a:r>
-              <a:rPr lang="en-US" sz="3200" dirty="0" err="1">
-                <a:latin typeface="Open Sans" charset="0"/>
-                <a:ea typeface="Open Sans" charset="0"/>
-                <a:cs typeface="Open Sans" charset="0"/>
-              </a:rPr>
-              <a:t>bbl</a:t>
-            </a:r>
-            <a:r>
-              <a:rPr lang="en-US" sz="3200" dirty="0">
-                <a:latin typeface="Open Sans" charset="0"/>
-                <a:ea typeface="Open Sans" charset="0"/>
-                <a:cs typeface="Open Sans" charset="0"/>
-              </a:rPr>
-              <a:t>-intro-</a:t>
-            </a:r>
-            <a:r>
-              <a:rPr lang="en-US" sz="3200" dirty="0" err="1">
-                <a:latin typeface="Open Sans" charset="0"/>
-                <a:ea typeface="Open Sans" charset="0"/>
-                <a:cs typeface="Open Sans" charset="0"/>
-              </a:rPr>
-              <a:t>graphql</a:t>
-            </a:r>
-            <a:endParaRPr lang="en-US" sz="3200" dirty="0">
-              <a:latin typeface="Open Sans" charset="0"/>
-              <a:ea typeface="Open Sans" charset="0"/>
-              <a:cs typeface="Open Sans" charset="0"/>
-            </a:endParaRPr>
-          </a:p>
-        </p:txBody>
-      </p:sp>
-    </p:spTree>
-    <p:extLst>
-      <p:ext uri="{BB962C8B-B14F-4D97-AF65-F5344CB8AC3E}">
-        <p14:creationId xmlns:p14="http://schemas.microsoft.com/office/powerpoint/2010/main" val="1041720179"/>
-      </p:ext>
-    </p:extLst>
-  </p:cSld>
-  <p:clrMapOvr>
-    <a:masterClrMapping/>
-  </p:clrMapOvr>
-  <p:timing>
-    <p:tnLst>
-      <p:par>
-        <p:cTn id="1" dur="indefinite" restart="never" nodeType="tmRoot"/>
-      </p:par>
-    </p:tnLst>
-  </p:timing>
-</p:sld>
-</file>
-
-<file path=ppt/slides/slide17.xml><?xml version="1.0" encoding="utf-8"?>
-<p:sld xmlns:a="http://schemas.openxmlformats.org/drawingml/2006/main" xmlns:r="http://schemas.openxmlformats.org/officeDocument/2006/relationships" xmlns:p="http://schemas.openxmlformats.org/presentationml/2006/main">
-  <p:cSld>
-    <p:spTree>
-      <p:nvGrpSpPr>
-        <p:cNvPr id="1" name=""/>
-        <p:cNvGrpSpPr/>
-        <p:nvPr/>
-      </p:nvGrpSpPr>
-      <p:grpSpPr>
-        <a:xfrm>
-          <a:off x="0" y="0"/>
-          <a:ext cx="0" cy="0"/>
-          <a:chOff x="0" y="0"/>
-          <a:chExt cx="0" cy="0"/>
-        </a:xfrm>
-      </p:grpSpPr>
-      <p:sp>
-        <p:nvSpPr>
-          <p:cNvPr id="4" name="Title 3"/>
-          <p:cNvSpPr>
-            <a:spLocks noGrp="1"/>
-          </p:cNvSpPr>
-          <p:nvPr>
-            <p:ph type="title"/>
-          </p:nvPr>
-        </p:nvSpPr>
-        <p:spPr>
-          <a:xfrm>
-            <a:off x="56866" y="2137893"/>
-            <a:ext cx="12078267" cy="1600152"/>
-          </a:xfrm>
-        </p:spPr>
-        <p:txBody>
-          <a:bodyPr>
-            <a:normAutofit/>
-          </a:bodyPr>
-          <a:lstStyle/>
-          <a:p>
-            <a:pPr algn="ctr"/>
-            <a:r>
-              <a:rPr lang="en-US" sz="8000" b="1" dirty="0" err="1" smtClean="0">
-                <a:solidFill>
-                  <a:srgbClr val="DB7AC3"/>
-                </a:solidFill>
-                <a:latin typeface="Open Sans" charset="0"/>
-                <a:ea typeface="Open Sans" charset="0"/>
-                <a:cs typeface="Open Sans" charset="0"/>
-              </a:rPr>
-              <a:t>Aller</a:t>
-            </a:r>
-            <a:r>
-              <a:rPr lang="en-US" sz="8000" b="1" dirty="0" smtClean="0">
-                <a:solidFill>
-                  <a:srgbClr val="DB7AC3"/>
-                </a:solidFill>
-                <a:latin typeface="Open Sans" charset="0"/>
-                <a:ea typeface="Open Sans" charset="0"/>
-                <a:cs typeface="Open Sans" charset="0"/>
-              </a:rPr>
-              <a:t> plus loin ?</a:t>
-            </a:r>
-            <a:endParaRPr lang="en-US" sz="6000" b="1" dirty="0">
-              <a:solidFill>
-                <a:srgbClr val="DB7AC3"/>
-              </a:solidFill>
-              <a:latin typeface="Open Sans" charset="0"/>
-              <a:ea typeface="Open Sans" charset="0"/>
-              <a:cs typeface="Open Sans" charset="0"/>
-            </a:endParaRPr>
-          </a:p>
-        </p:txBody>
-      </p:sp>
-      <p:sp>
-        <p:nvSpPr>
-          <p:cNvPr id="5" name="Title 3"/>
-          <p:cNvSpPr txBox="1">
-            <a:spLocks/>
-          </p:cNvSpPr>
-          <p:nvPr/>
-        </p:nvSpPr>
-        <p:spPr>
-          <a:xfrm>
-            <a:off x="0" y="2436673"/>
-            <a:ext cx="12192000" cy="3423214"/>
-          </a:xfrm>
-          <a:prstGeom prst="rect">
-            <a:avLst/>
-          </a:prstGeom>
-        </p:spPr>
-        <p:txBody>
-          <a:bodyPr vert="horz" lIns="91440" tIns="45720" rIns="91440" bIns="45720" rtlCol="0" anchor="ctr">
-            <a:normAutofit/>
-          </a:bodyPr>
-          <a:lstStyle>
-            <a:lvl1pPr algn="l" defTabSz="914400" rtl="0" eaLnBrk="1" latinLnBrk="0" hangingPunct="1">
-              <a:lnSpc>
-                <a:spcPct val="90000"/>
-              </a:lnSpc>
-              <a:spcBef>
-                <a:spcPct val="0"/>
-              </a:spcBef>
-              <a:buNone/>
-              <a:defRPr sz="4400" kern="1200">
-                <a:solidFill>
-                  <a:schemeClr val="tx1"/>
-                </a:solidFill>
-                <a:latin typeface="ITC Avant Garde Std XLt" charset="0"/>
-                <a:ea typeface="ITC Avant Garde Std XLt" charset="0"/>
-                <a:cs typeface="ITC Avant Garde Std XLt" charset="0"/>
-              </a:defRPr>
-            </a:lvl1pPr>
-          </a:lstStyle>
-          <a:p>
             <a:pPr algn="ctr">
               <a:lnSpc>
                 <a:spcPct val="150000"/>
@@ -5399,25 +5139,21 @@
               </a:rPr>
               <a:t>GraphQL</a:t>
             </a:r>
-            <a:endParaRPr lang="en-US" sz="3200" dirty="0" smtClean="0">
-              <a:latin typeface="Open Sans" charset="0"/>
-              <a:ea typeface="Open Sans" charset="0"/>
-              <a:cs typeface="Open Sans" charset="0"/>
-            </a:endParaRPr>
-          </a:p>
-          <a:p>
-            <a:pPr algn="ctr">
-              <a:lnSpc>
-                <a:spcPct val="150000"/>
-              </a:lnSpc>
-            </a:pPr>
+            <a:r>
+              <a:rPr lang="en-US" sz="3200" dirty="0" smtClean="0">
+                <a:latin typeface="Open Sans" charset="0"/>
+                <a:ea typeface="Open Sans" charset="0"/>
+                <a:cs typeface="Open Sans" charset="0"/>
+              </a:rPr>
+              <a:t> (</a:t>
+            </a:r>
             <a:r>
               <a:rPr lang="en-US" sz="3200" dirty="0" err="1" smtClean="0">
                 <a:latin typeface="Open Sans" charset="0"/>
                 <a:ea typeface="Open Sans" charset="0"/>
                 <a:cs typeface="Open Sans" charset="0"/>
               </a:rPr>
-              <a:t>GraphQL</a:t>
+              <a:t>Relay.js</a:t>
             </a:r>
             <a:r>
               <a:rPr lang="en-US" sz="3200" dirty="0" smtClean="0">
@@ -5425,7 +5161,7 @@
                 <a:ea typeface="Open Sans" charset="0"/>
                 <a:cs typeface="Open Sans" charset="0"/>
               </a:rPr>
-              <a:t> + Relay</a:t>
+              <a:t>)</a:t>
             </a:r>
             <a:endParaRPr lang="en-US" sz="3200" dirty="0">
               <a:latin typeface="Open Sans" charset="0"/>
@@ -5455,7 +5191,7 @@
 </p:sld>
 </file>
 
-<file path=ppt/slides/slide18.xml><?xml version="1.0" encoding="utf-8"?>
+<file path=ppt/slides/slide17.xml><?xml version="1.0" encoding="utf-8"?>
 <p:sld xmlns:a="http://schemas.openxmlformats.org/drawingml/2006/main" xmlns:r="http://schemas.openxmlformats.org/officeDocument/2006/relationships" xmlns:p="http://schemas.openxmlformats.org/presentationml/2006/main">
   <p:cSld>
     <p:spTree>
@@ -5857,18 +5593,7 @@
                 <a:ea typeface="Open Sans Semibold" charset="0"/>
                 <a:cs typeface="Open Sans Semibold" charset="0"/>
               </a:rPr>
-              <a:t>Engineer </a:t>
-            </a:r>
-            <a:r>
-              <a:rPr lang="en-US" sz="2400" b="1" smtClean="0">
-                <a:solidFill>
-                  <a:srgbClr val="00B0F0"/>
-                </a:solidFill>
-                <a:latin typeface="Open Sans Semibold" charset="0"/>
-                <a:ea typeface="Open Sans Semibold" charset="0"/>
-                <a:cs typeface="Open Sans Semibold" charset="0"/>
-              </a:rPr>
-              <a:t>@</a:t>
+              <a:t>Engineer @</a:t>
             </a:r>
             <a:r>
               <a:rPr lang="en-US" sz="2400" b="1" dirty="0" err="1" smtClean="0">
@@ -6460,7 +6185,20 @@
                 <a:ea typeface="Open Sans" charset="0"/>
                 <a:cs typeface="Open Sans" charset="0"/>
               </a:rPr>
-              <a:t> est un ensemble hiérarchique de champs</a:t>
+              <a:t> est un ensemble hiérarchique de </a:t>
+            </a:r>
+            <a:r>
+              <a:rPr lang="fr-FR" sz="2800" dirty="0" err="1" smtClean="0">
+                <a:solidFill>
+                  <a:schemeClr val="tx1">
+                    <a:lumMod val="75000"/>
+                  </a:schemeClr>
+                </a:solidFill>
+                <a:latin typeface="Open Sans" charset="0"/>
+                <a:ea typeface="Open Sans" charset="0"/>
+                <a:cs typeface="Open Sans" charset="0"/>
+              </a:rPr>
+              <a:t>noeuds</a:t>
             </a:r>
             <a:endParaRPr lang="fr-FR" sz="2800" b="1" dirty="0" smtClean="0">
               <a:solidFill>
@@ -7742,7 +7480,7 @@
         </p:nvSpPr>
         <p:spPr>
           <a:xfrm>
-            <a:off x="2779689" y="4694583"/>
+            <a:off x="2779689" y="4398367"/>
             <a:ext cx="1571220" cy="684241"/>
           </a:xfrm>
           <a:prstGeom prst="rect">
@@ -7795,7 +7533,7 @@
         </p:nvSpPr>
         <p:spPr>
           <a:xfrm>
-            <a:off x="5308241" y="4694583"/>
+            <a:off x="5308241" y="4398367"/>
             <a:ext cx="1571220" cy="684241"/>
           </a:xfrm>
           <a:prstGeom prst="rect">
@@ -7848,7 +7586,7 @@
         </p:nvSpPr>
         <p:spPr>
           <a:xfrm>
-            <a:off x="7816402" y="4694583"/>
+            <a:off x="7816402" y="4398367"/>
             <a:ext cx="1571220" cy="684241"/>
           </a:xfrm>
           <a:prstGeom prst="rect">
@@ -7905,7 +7643,7 @@
         <p:spPr>
           <a:xfrm flipH="1" flipV="1">
             <a:off x="2148623" y="2605468"/>
-            <a:ext cx="1416676" cy="2089115"/>
+            <a:ext cx="1416676" cy="1792899"/>
           </a:xfrm>
           <a:prstGeom prst="straightConnector1">
             <a:avLst/>
@@ -7946,7 +7684,7 @@
         <p:spPr>
           <a:xfrm flipV="1">
             <a:off x="3565299" y="2605467"/>
-            <a:ext cx="2528552" cy="2089116"/>
+            <a:ext cx="2528552" cy="1792900"/>
           </a:xfrm>
           <a:prstGeom prst="straightConnector1">
             <a:avLst/>
@@ -7987,7 +7725,7 @@
         <p:spPr>
           <a:xfrm flipV="1">
             <a:off x="6093851" y="2602131"/>
-            <a:ext cx="3945228" cy="2092452"/>
+            <a:ext cx="3945228" cy="1796236"/>
           </a:xfrm>
           <a:prstGeom prst="straightConnector1">
             <a:avLst/>
@@ -8028,7 +7766,7 @@
         <p:spPr>
           <a:xfrm flipH="1" flipV="1">
             <a:off x="4121237" y="2605467"/>
-            <a:ext cx="4480775" cy="2089116"/>
+            <a:ext cx="4480775" cy="1792900"/>
           </a:xfrm>
           <a:prstGeom prst="straightConnector1">
             <a:avLst/>
@@ -8069,7 +7807,7 @@
         <p:spPr>
           <a:xfrm flipV="1">
             <a:off x="6093851" y="2602131"/>
-            <a:ext cx="1972614" cy="2092452"/>
+            <a:ext cx="1972614" cy="1796236"/>
           </a:xfrm>
           <a:prstGeom prst="straightConnector1">
             <a:avLst/>
@@ -8110,7 +7848,7 @@
         <p:spPr>
           <a:xfrm flipH="1" flipV="1">
             <a:off x="2148623" y="2605468"/>
-            <a:ext cx="3945228" cy="2089115"/>
+            <a:ext cx="3945228" cy="1792899"/>
           </a:xfrm>
           <a:prstGeom prst="straightConnector1">
             <a:avLst/>
@@ -8151,7 +7889,7 @@
         <p:spPr>
           <a:xfrm flipV="1">
             <a:off x="8602012" y="2602131"/>
-            <a:ext cx="1437067" cy="2092452"/>
+            <a:ext cx="1437067" cy="1796236"/>
           </a:xfrm>
           <a:prstGeom prst="straightConnector1">
             <a:avLst/>

--- a/introduction-graphql.pptx
+++ b/introduction-graphql.pptx
@@ -11,7 +11,7 @@
     <p:sldId id="310" r:id="rId5"/>
     <p:sldId id="309" r:id="rId6"/>
     <p:sldId id="269" r:id="rId7"/>
-    <p:sldId id="311" r:id="rId8"/>
+    <p:sldId id="322" r:id="rId8"/>
     <p:sldId id="293" r:id="rId9"/>
     <p:sldId id="313" r:id="rId10"/>
     <p:sldId id="314" r:id="rId11"/>
@@ -259,7 +259,7 @@
           <a:p>
             <a:fld id="{3D06E3AD-E22D-7B49-A93F-0C611B02B1F3}" type="datetimeFigureOut">
               <a:rPr lang="en-US" smtClean="0"/>
-              <a:t>3/23/16</a:t>
+              <a:t>4/28/16</a:t>
             </a:fld>
             <a:endParaRPr lang="en-US"/>
           </a:p>
@@ -436,7 +436,7 @@
           <a:p>
             <a:fld id="{3D06E3AD-E22D-7B49-A93F-0C611B02B1F3}" type="datetimeFigureOut">
               <a:rPr lang="en-US" smtClean="0"/>
-              <a:t>3/23/16</a:t>
+              <a:t>4/28/16</a:t>
             </a:fld>
             <a:endParaRPr lang="en-US"/>
           </a:p>
@@ -616,7 +616,7 @@
           <a:p>
             <a:fld id="{3D06E3AD-E22D-7B49-A93F-0C611B02B1F3}" type="datetimeFigureOut">
               <a:rPr lang="en-US" smtClean="0"/>
-              <a:t>3/23/16</a:t>
+              <a:t>4/28/16</a:t>
             </a:fld>
             <a:endParaRPr lang="en-US"/>
           </a:p>
@@ -810,7 +810,7 @@
           <a:p>
             <a:fld id="{3D06E3AD-E22D-7B49-A93F-0C611B02B1F3}" type="datetimeFigureOut">
               <a:rPr lang="en-US" smtClean="0"/>
-              <a:t>3/23/16</a:t>
+              <a:t>4/28/16</a:t>
             </a:fld>
             <a:endParaRPr lang="en-US"/>
           </a:p>
@@ -1063,7 +1063,7 @@
           <a:p>
             <a:fld id="{3D06E3AD-E22D-7B49-A93F-0C611B02B1F3}" type="datetimeFigureOut">
               <a:rPr lang="en-US" smtClean="0"/>
-              <a:t>3/23/16</a:t>
+              <a:t>4/28/16</a:t>
             </a:fld>
             <a:endParaRPr lang="en-US"/>
           </a:p>
@@ -1295,7 +1295,7 @@
           <a:p>
             <a:fld id="{3D06E3AD-E22D-7B49-A93F-0C611B02B1F3}" type="datetimeFigureOut">
               <a:rPr lang="en-US" smtClean="0"/>
-              <a:t>3/23/16</a:t>
+              <a:t>4/28/16</a:t>
             </a:fld>
             <a:endParaRPr lang="en-US"/>
           </a:p>
@@ -1662,7 +1662,7 @@
           <a:p>
             <a:fld id="{3D06E3AD-E22D-7B49-A93F-0C611B02B1F3}" type="datetimeFigureOut">
               <a:rPr lang="en-US" smtClean="0"/>
-              <a:t>3/23/16</a:t>
+              <a:t>4/28/16</a:t>
             </a:fld>
             <a:endParaRPr lang="en-US"/>
           </a:p>
@@ -1787,7 +1787,7 @@
           <a:p>
             <a:fld id="{3D06E3AD-E22D-7B49-A93F-0C611B02B1F3}" type="datetimeFigureOut">
               <a:rPr lang="en-US" smtClean="0"/>
-              <a:t>3/23/16</a:t>
+              <a:t>4/28/16</a:t>
             </a:fld>
             <a:endParaRPr lang="en-US"/>
           </a:p>
@@ -1889,7 +1889,7 @@
           <a:p>
             <a:fld id="{3D06E3AD-E22D-7B49-A93F-0C611B02B1F3}" type="datetimeFigureOut">
               <a:rPr lang="en-US" smtClean="0"/>
-              <a:t>3/23/16</a:t>
+              <a:t>4/28/16</a:t>
             </a:fld>
             <a:endParaRPr lang="en-US"/>
           </a:p>
@@ -2166,7 +2166,7 @@
           <a:p>
             <a:fld id="{3D06E3AD-E22D-7B49-A93F-0C611B02B1F3}" type="datetimeFigureOut">
               <a:rPr lang="en-US" smtClean="0"/>
-              <a:t>3/23/16</a:t>
+              <a:t>4/28/16</a:t>
             </a:fld>
             <a:endParaRPr lang="en-US"/>
           </a:p>
@@ -2419,7 +2419,7 @@
           <a:p>
             <a:fld id="{3D06E3AD-E22D-7B49-A93F-0C611B02B1F3}" type="datetimeFigureOut">
               <a:rPr lang="en-US" smtClean="0"/>
-              <a:t>3/23/16</a:t>
+              <a:t>4/28/16</a:t>
             </a:fld>
             <a:endParaRPr lang="en-US"/>
           </a:p>
@@ -2651,7 +2651,7 @@
           <a:p>
             <a:fld id="{3D06E3AD-E22D-7B49-A93F-0C611B02B1F3}" type="datetimeFigureOut">
               <a:rPr lang="en-US" smtClean="0"/>
-              <a:t>3/23/16</a:t>
+              <a:t>4/28/16</a:t>
             </a:fld>
             <a:endParaRPr lang="en-US"/>
           </a:p>
@@ -5582,38 +5582,8 @@
                 <a:ea typeface="Open Sans Semibold" charset="0"/>
                 <a:cs typeface="Open Sans Semibold" charset="0"/>
               </a:rPr>
-              <a:t>Software </a:t>
-            </a:r>
-            <a:r>
-              <a:rPr lang="en-US" sz="2400" b="1" smtClean="0">
-                <a:solidFill>
-                  <a:srgbClr val="00B0F0"/>
-                </a:solidFill>
-                <a:latin typeface="Open Sans Semibold" charset="0"/>
-                <a:ea typeface="Open Sans Semibold" charset="0"/>
-                <a:cs typeface="Open Sans Semibold" charset="0"/>
-              </a:rPr>
-              <a:t>Engineer @</a:t>
-            </a:r>
-            <a:r>
-              <a:rPr lang="en-US" sz="2400" b="1" dirty="0" err="1" smtClean="0">
-                <a:solidFill>
-                  <a:srgbClr val="00B0F0"/>
-                </a:solidFill>
-                <a:latin typeface="Open Sans Semibold" charset="0"/>
-                <a:ea typeface="Open Sans Semibold" charset="0"/>
-                <a:cs typeface="Open Sans Semibold" charset="0"/>
-              </a:rPr>
-              <a:t>Dailymotion</a:t>
-            </a:r>
-            <a:endParaRPr lang="en-US" sz="2400" b="1" dirty="0" smtClean="0">
-              <a:solidFill>
-                <a:srgbClr val="00B0F0"/>
-              </a:solidFill>
-              <a:latin typeface="Open Sans Semibold" charset="0"/>
-              <a:ea typeface="Open Sans Semibold" charset="0"/>
-              <a:cs typeface="Open Sans Semibold" charset="0"/>
-            </a:endParaRPr>
+              <a:t>Software Engineer Senior @Dailymotion</a:t>
+            </a:r>
           </a:p>
           <a:p>
             <a:pPr algn="ctr"/>
@@ -7204,7 +7174,7 @@
                 <a:ea typeface="Open Sans" charset="0"/>
                 <a:cs typeface="Open Sans" charset="0"/>
               </a:rPr>
-              <a:t>Aujourd’hui</a:t>
+              <a:t>Consommation</a:t>
             </a:r>
             <a:r>
               <a:rPr lang="en-US" b="1" dirty="0" smtClean="0">
@@ -7212,7 +7182,23 @@
                 <a:ea typeface="Open Sans" charset="0"/>
                 <a:cs typeface="Open Sans" charset="0"/>
               </a:rPr>
-              <a:t> avec REST</a:t>
+              <a:t> </a:t>
+            </a:r>
+            <a:r>
+              <a:rPr lang="en-US" b="1" dirty="0" err="1" smtClean="0">
+                <a:latin typeface="Open Sans" charset="0"/>
+                <a:ea typeface="Open Sans" charset="0"/>
+                <a:cs typeface="Open Sans" charset="0"/>
+              </a:rPr>
+              <a:t>d’une</a:t>
+            </a:r>
+            <a:r>
+              <a:rPr lang="en-US" b="1" dirty="0" smtClean="0">
+                <a:latin typeface="Open Sans" charset="0"/>
+                <a:ea typeface="Open Sans" charset="0"/>
+                <a:cs typeface="Open Sans" charset="0"/>
+              </a:rPr>
+              <a:t> API REST</a:t>
             </a:r>
             <a:endParaRPr lang="en-US" b="1" dirty="0">
               <a:latin typeface="Open Sans" charset="0"/>
@@ -7230,8 +7216,8 @@
         </p:nvSpPr>
         <p:spPr>
           <a:xfrm>
-            <a:off x="3335627" y="1921226"/>
-            <a:ext cx="1571220" cy="684241"/>
+            <a:off x="8386743" y="3460410"/>
+            <a:ext cx="2339125" cy="684241"/>
           </a:xfrm>
           <a:prstGeom prst="rect">
             <a:avLst/>
@@ -7263,10 +7249,9 @@
           <a:bodyPr rtlCol="0" anchor="ctr"/>
           <a:lstStyle/>
           <a:p>
-            <a:pPr algn="ctr"/>
             <a:r>
               <a:rPr lang="en-US" dirty="0" smtClean="0"/>
-              <a:t>Service #2</a:t>
+              <a:t>/users/1234/videos</a:t>
             </a:r>
             <a:endParaRPr lang="en-US" dirty="0"/>
           </a:p>
@@ -7274,14 +7259,14 @@
       </p:sp>
       <p:sp>
         <p:nvSpPr>
-          <p:cNvPr id="13" name="Rectangle 12"/>
+          <p:cNvPr id="14" name="Rectangle 13"/>
           <p:cNvSpPr/>
           <p:nvPr/>
         </p:nvSpPr>
         <p:spPr>
           <a:xfrm>
-            <a:off x="1363013" y="1921227"/>
-            <a:ext cx="1571220" cy="684241"/>
+            <a:off x="8386743" y="2534977"/>
+            <a:ext cx="2339124" cy="684241"/>
           </a:xfrm>
           <a:prstGeom prst="rect">
             <a:avLst/>
@@ -7313,10 +7298,9 @@
           <a:bodyPr rtlCol="0" anchor="ctr"/>
           <a:lstStyle/>
           <a:p>
-            <a:pPr algn="ctr"/>
-            <a:r>
-              <a:rPr lang="en-US" smtClean="0"/>
-              <a:t>Service #1</a:t>
+            <a:r>
+              <a:rPr lang="en-US" dirty="0" smtClean="0"/>
+              <a:t>/users/1234</a:t>
             </a:r>
             <a:endParaRPr lang="en-US" dirty="0"/>
           </a:p>
@@ -7324,14 +7308,14 @@
       </p:sp>
       <p:sp>
         <p:nvSpPr>
-          <p:cNvPr id="14" name="Rectangle 13"/>
+          <p:cNvPr id="15" name="Rectangle 14"/>
           <p:cNvSpPr/>
           <p:nvPr/>
         </p:nvSpPr>
         <p:spPr>
           <a:xfrm>
-            <a:off x="5308241" y="1921226"/>
-            <a:ext cx="1571220" cy="684241"/>
+            <a:off x="8386742" y="4433474"/>
+            <a:ext cx="2339125" cy="684241"/>
           </a:xfrm>
           <a:prstGeom prst="rect">
             <a:avLst/>
@@ -7363,10 +7347,9 @@
           <a:bodyPr rtlCol="0" anchor="ctr"/>
           <a:lstStyle/>
           <a:p>
-            <a:pPr algn="ctr"/>
             <a:r>
               <a:rPr lang="en-US" dirty="0" smtClean="0"/>
-              <a:t>Service #3</a:t>
+              <a:t>/users/1234/followers</a:t>
             </a:r>
             <a:endParaRPr lang="en-US" dirty="0"/>
           </a:p>
@@ -7374,14 +7357,14 @@
       </p:sp>
       <p:sp>
         <p:nvSpPr>
-          <p:cNvPr id="15" name="Rectangle 14"/>
+          <p:cNvPr id="23" name="Rectangle 22"/>
           <p:cNvSpPr/>
           <p:nvPr/>
         </p:nvSpPr>
         <p:spPr>
           <a:xfrm>
-            <a:off x="7280855" y="1917890"/>
-            <a:ext cx="1571220" cy="684241"/>
+            <a:off x="8386742" y="5358907"/>
+            <a:ext cx="2339125" cy="684241"/>
           </a:xfrm>
           <a:prstGeom prst="rect">
             <a:avLst/>
@@ -7413,10 +7396,9 @@
           <a:bodyPr rtlCol="0" anchor="ctr"/>
           <a:lstStyle/>
           <a:p>
-            <a:pPr algn="ctr"/>
             <a:r>
               <a:rPr lang="en-US" dirty="0" smtClean="0"/>
-              <a:t>Service #4</a:t>
+              <a:t>/users/1234/related</a:t>
             </a:r>
             <a:endParaRPr lang="en-US" dirty="0"/>
           </a:p>
@@ -7424,14 +7406,14 @@
       </p:sp>
       <p:sp>
         <p:nvSpPr>
-          <p:cNvPr id="16" name="Rectangle 15"/>
+          <p:cNvPr id="26" name="Rectangle 25"/>
           <p:cNvSpPr/>
           <p:nvPr/>
         </p:nvSpPr>
         <p:spPr>
           <a:xfrm>
-            <a:off x="9253469" y="1917890"/>
-            <a:ext cx="1571220" cy="684241"/>
+            <a:off x="8074160" y="1817474"/>
+            <a:ext cx="2956514" cy="4496794"/>
           </a:xfrm>
           <a:prstGeom prst="rect">
             <a:avLst/>
@@ -7439,7 +7421,10 @@
           <a:noFill/>
           <a:ln>
             <a:solidFill>
-              <a:srgbClr val="DB7AC3"/>
+              <a:schemeClr val="accent6">
+                <a:lumMod val="60000"/>
+                <a:lumOff val="40000"/>
+              </a:schemeClr>
             </a:solidFill>
           </a:ln>
         </p:spPr>
@@ -7464,186 +7449,90 @@
           <a:lstStyle/>
           <a:p>
             <a:pPr algn="ctr"/>
-            <a:r>
-              <a:rPr lang="en-US" dirty="0" smtClean="0"/>
-              <a:t>Service #5</a:t>
-            </a:r>
             <a:endParaRPr lang="en-US" dirty="0"/>
           </a:p>
         </p:txBody>
       </p:sp>
       <p:sp>
         <p:nvSpPr>
-          <p:cNvPr id="17" name="Rectangle 16"/>
-          <p:cNvSpPr/>
-          <p:nvPr/>
-        </p:nvSpPr>
-        <p:spPr>
-          <a:xfrm>
-            <a:off x="2779689" y="4398367"/>
-            <a:ext cx="1571220" cy="684241"/>
+          <p:cNvPr id="10" name="TextBox 9"/>
+          <p:cNvSpPr txBox="1"/>
+          <p:nvPr/>
+        </p:nvSpPr>
+        <p:spPr>
+          <a:xfrm>
+            <a:off x="8386742" y="2014277"/>
+            <a:ext cx="2339125" cy="369332"/>
           </a:xfrm>
           <a:prstGeom prst="rect">
             <a:avLst/>
           </a:prstGeom>
           <a:noFill/>
-          <a:ln>
-            <a:solidFill>
-              <a:schemeClr val="accent6">
-                <a:lumMod val="60000"/>
-                <a:lumOff val="40000"/>
-              </a:schemeClr>
-            </a:solidFill>
-          </a:ln>
-        </p:spPr>
-        <p:style>
-          <a:lnRef idx="2">
-            <a:schemeClr val="accent1">
-              <a:shade val="50000"/>
-            </a:schemeClr>
-          </a:lnRef>
-          <a:fillRef idx="1">
-            <a:schemeClr val="accent1"/>
-          </a:fillRef>
-          <a:effectRef idx="0">
-            <a:schemeClr val="accent1"/>
-          </a:effectRef>
-          <a:fontRef idx="minor">
-            <a:schemeClr val="lt1"/>
-          </a:fontRef>
-        </p:style>
-        <p:txBody>
-          <a:bodyPr rtlCol="0" anchor="ctr"/>
-          <a:lstStyle/>
-          <a:p>
-            <a:pPr algn="ctr"/>
-            <a:r>
-              <a:rPr lang="en-US" dirty="0" smtClean="0"/>
-              <a:t>/resource1</a:t>
-            </a:r>
-            <a:endParaRPr lang="en-US" dirty="0"/>
-          </a:p>
-        </p:txBody>
-      </p:sp>
-      <p:sp>
-        <p:nvSpPr>
-          <p:cNvPr id="18" name="Rectangle 17"/>
-          <p:cNvSpPr/>
-          <p:nvPr/>
-        </p:nvSpPr>
-        <p:spPr>
-          <a:xfrm>
-            <a:off x="5308241" y="4398367"/>
-            <a:ext cx="1571220" cy="684241"/>
+        </p:spPr>
+        <p:txBody>
+          <a:bodyPr wrap="square" rtlCol="0">
+            <a:spAutoFit/>
+          </a:bodyPr>
+          <a:lstStyle/>
+          <a:p>
+            <a:r>
+              <a:rPr lang="en-US" dirty="0" smtClean="0">
+                <a:solidFill>
+                  <a:schemeClr val="accent6">
+                    <a:lumMod val="40000"/>
+                    <a:lumOff val="60000"/>
+                  </a:schemeClr>
+                </a:solidFill>
+              </a:rPr>
+              <a:t>Public API</a:t>
+            </a:r>
+            <a:endParaRPr lang="en-US" dirty="0">
+              <a:solidFill>
+                <a:schemeClr val="accent6">
+                  <a:lumMod val="40000"/>
+                  <a:lumOff val="60000"/>
+                </a:schemeClr>
+              </a:solidFill>
+            </a:endParaRPr>
+          </a:p>
+        </p:txBody>
+      </p:sp>
+      <p:pic>
+        <p:nvPicPr>
+          <p:cNvPr id="11" name="Picture 10"/>
+          <p:cNvPicPr>
+            <a:picLocks noChangeAspect="1"/>
+          </p:cNvPicPr>
+          <p:nvPr/>
+        </p:nvPicPr>
+        <p:blipFill>
+          <a:blip r:embed="rId2">
+            <a:biLevel thresh="25000"/>
+          </a:blip>
+          <a:stretch>
+            <a:fillRect/>
+          </a:stretch>
+        </p:blipFill>
+        <p:spPr>
+          <a:xfrm>
+            <a:off x="4410179" y="3722449"/>
+            <a:ext cx="751803" cy="751803"/>
           </a:xfrm>
           <a:prstGeom prst="rect">
             <a:avLst/>
           </a:prstGeom>
-          <a:noFill/>
-          <a:ln>
-            <a:solidFill>
-              <a:schemeClr val="accent6">
-                <a:lumMod val="60000"/>
-                <a:lumOff val="40000"/>
-              </a:schemeClr>
-            </a:solidFill>
-          </a:ln>
-        </p:spPr>
-        <p:style>
-          <a:lnRef idx="2">
-            <a:schemeClr val="accent1">
-              <a:shade val="50000"/>
-            </a:schemeClr>
-          </a:lnRef>
-          <a:fillRef idx="1">
-            <a:schemeClr val="accent1"/>
-          </a:fillRef>
-          <a:effectRef idx="0">
-            <a:schemeClr val="accent1"/>
-          </a:effectRef>
-          <a:fontRef idx="minor">
-            <a:schemeClr val="lt1"/>
-          </a:fontRef>
-        </p:style>
-        <p:txBody>
-          <a:bodyPr rtlCol="0" anchor="ctr"/>
-          <a:lstStyle/>
-          <a:p>
-            <a:pPr algn="ctr"/>
-            <a:r>
-              <a:rPr lang="en-US" dirty="0" smtClean="0"/>
-              <a:t>/resource2</a:t>
-            </a:r>
-            <a:endParaRPr lang="en-US" dirty="0"/>
-          </a:p>
-        </p:txBody>
-      </p:sp>
-      <p:sp>
-        <p:nvSpPr>
-          <p:cNvPr id="19" name="Rectangle 18"/>
-          <p:cNvSpPr/>
-          <p:nvPr/>
-        </p:nvSpPr>
-        <p:spPr>
-          <a:xfrm>
-            <a:off x="7816402" y="4398367"/>
-            <a:ext cx="1571220" cy="684241"/>
-          </a:xfrm>
-          <a:prstGeom prst="rect">
-            <a:avLst/>
-          </a:prstGeom>
-          <a:noFill/>
-          <a:ln>
-            <a:solidFill>
-              <a:schemeClr val="accent6">
-                <a:lumMod val="60000"/>
-                <a:lumOff val="40000"/>
-              </a:schemeClr>
-            </a:solidFill>
-          </a:ln>
-        </p:spPr>
-        <p:style>
-          <a:lnRef idx="2">
-            <a:schemeClr val="accent1">
-              <a:shade val="50000"/>
-            </a:schemeClr>
-          </a:lnRef>
-          <a:fillRef idx="1">
-            <a:schemeClr val="accent1"/>
-          </a:fillRef>
-          <a:effectRef idx="0">
-            <a:schemeClr val="accent1"/>
-          </a:effectRef>
-          <a:fontRef idx="minor">
-            <a:schemeClr val="lt1"/>
-          </a:fontRef>
-        </p:style>
-        <p:txBody>
-          <a:bodyPr rtlCol="0" anchor="ctr"/>
-          <a:lstStyle/>
-          <a:p>
-            <a:pPr algn="ctr"/>
-            <a:r>
-              <a:rPr lang="en-US" dirty="0" smtClean="0"/>
-              <a:t>/resource3</a:t>
-            </a:r>
-            <a:endParaRPr lang="en-US" dirty="0"/>
-          </a:p>
-        </p:txBody>
-      </p:sp>
+        </p:spPr>
+      </p:pic>
       <p:cxnSp>
         <p:nvCxnSpPr>
-          <p:cNvPr id="20" name="Straight Arrow Connector 19"/>
-          <p:cNvCxnSpPr>
-            <a:stCxn id="17" idx="0"/>
-            <a:endCxn id="13" idx="2"/>
-          </p:cNvCxnSpPr>
+          <p:cNvPr id="29" name="Straight Arrow Connector 28"/>
+          <p:cNvCxnSpPr/>
           <p:nvPr/>
         </p:nvCxnSpPr>
         <p:spPr>
-          <a:xfrm flipH="1" flipV="1">
-            <a:off x="2148623" y="2605468"/>
-            <a:ext cx="1416676" cy="1792899"/>
+          <a:xfrm flipV="1">
+            <a:off x="5505636" y="2833353"/>
+            <a:ext cx="2446986" cy="1030309"/>
           </a:xfrm>
           <a:prstGeom prst="straightConnector1">
             <a:avLst/>
@@ -7674,17 +7563,14 @@
       </p:cxnSp>
       <p:cxnSp>
         <p:nvCxnSpPr>
-          <p:cNvPr id="21" name="Straight Arrow Connector 20"/>
-          <p:cNvCxnSpPr>
-            <a:stCxn id="17" idx="0"/>
-            <a:endCxn id="14" idx="2"/>
-          </p:cNvCxnSpPr>
+          <p:cNvPr id="32" name="Straight Arrow Connector 31"/>
+          <p:cNvCxnSpPr/>
           <p:nvPr/>
         </p:nvCxnSpPr>
         <p:spPr>
           <a:xfrm flipV="1">
-            <a:off x="3565299" y="2605467"/>
-            <a:ext cx="2528552" cy="1792900"/>
+            <a:off x="5557152" y="3768749"/>
+            <a:ext cx="2343955" cy="236581"/>
           </a:xfrm>
           <a:prstGeom prst="straightConnector1">
             <a:avLst/>
@@ -7715,17 +7601,14 @@
       </p:cxnSp>
       <p:cxnSp>
         <p:nvCxnSpPr>
-          <p:cNvPr id="25" name="Straight Arrow Connector 24"/>
-          <p:cNvCxnSpPr>
-            <a:stCxn id="18" idx="0"/>
-            <a:endCxn id="16" idx="2"/>
-          </p:cNvCxnSpPr>
+          <p:cNvPr id="34" name="Straight Arrow Connector 33"/>
+          <p:cNvCxnSpPr/>
           <p:nvPr/>
         </p:nvCxnSpPr>
         <p:spPr>
-          <a:xfrm flipV="1">
-            <a:off x="6093851" y="2602131"/>
-            <a:ext cx="3945228" cy="1796236"/>
+          <a:xfrm>
+            <a:off x="5557152" y="4144650"/>
+            <a:ext cx="2343955" cy="630944"/>
           </a:xfrm>
           <a:prstGeom prst="straightConnector1">
             <a:avLst/>
@@ -7756,17 +7639,14 @@
       </p:cxnSp>
       <p:cxnSp>
         <p:nvCxnSpPr>
-          <p:cNvPr id="28" name="Straight Arrow Connector 27"/>
-          <p:cNvCxnSpPr>
-            <a:stCxn id="19" idx="0"/>
-            <a:endCxn id="2" idx="2"/>
-          </p:cNvCxnSpPr>
+          <p:cNvPr id="37" name="Straight Arrow Connector 36"/>
+          <p:cNvCxnSpPr/>
           <p:nvPr/>
         </p:nvCxnSpPr>
         <p:spPr>
-          <a:xfrm flipH="1" flipV="1">
-            <a:off x="4121237" y="2605467"/>
-            <a:ext cx="4480775" cy="1792900"/>
+          <a:xfrm>
+            <a:off x="5505636" y="4312924"/>
+            <a:ext cx="2395471" cy="1388103"/>
           </a:xfrm>
           <a:prstGeom prst="straightConnector1">
             <a:avLst/>
@@ -7795,129 +7675,1916 @@
           </a:fontRef>
         </p:style>
       </p:cxnSp>
-      <p:cxnSp>
-        <p:nvCxnSpPr>
-          <p:cNvPr id="31" name="Straight Arrow Connector 30"/>
-          <p:cNvCxnSpPr>
-            <a:stCxn id="18" idx="0"/>
-            <a:endCxn id="15" idx="2"/>
-          </p:cNvCxnSpPr>
-          <p:nvPr/>
-        </p:nvCxnSpPr>
-        <p:spPr>
-          <a:xfrm flipV="1">
-            <a:off x="6093851" y="2602131"/>
-            <a:ext cx="1972614" cy="1796236"/>
-          </a:xfrm>
-          <a:prstGeom prst="straightConnector1">
-            <a:avLst/>
-          </a:prstGeom>
-          <a:ln w="19050">
+      <p:sp>
+        <p:nvSpPr>
+          <p:cNvPr id="39" name="TextBox 38"/>
+          <p:cNvSpPr txBox="1"/>
+          <p:nvPr/>
+        </p:nvSpPr>
+        <p:spPr>
+          <a:xfrm rot="20126946">
+            <a:off x="6354280" y="3055167"/>
+            <a:ext cx="589674" cy="338554"/>
+          </a:xfrm>
+          <a:prstGeom prst="rect">
+            <a:avLst/>
+          </a:prstGeom>
+          <a:noFill/>
+        </p:spPr>
+        <p:txBody>
+          <a:bodyPr wrap="square" rtlCol="0">
+            <a:spAutoFit/>
+          </a:bodyPr>
+          <a:lstStyle/>
+          <a:p>
+            <a:r>
+              <a:rPr lang="en-US" sz="1600" smtClean="0">
+                <a:solidFill>
+                  <a:schemeClr val="tx1">
+                    <a:lumMod val="65000"/>
+                  </a:schemeClr>
+                </a:solidFill>
+              </a:rPr>
+              <a:t>http</a:t>
+            </a:r>
+            <a:endParaRPr lang="en-US" sz="1600" dirty="0">
+              <a:solidFill>
+                <a:schemeClr val="tx1">
+                  <a:lumMod val="65000"/>
+                </a:schemeClr>
+              </a:solidFill>
+            </a:endParaRPr>
+          </a:p>
+        </p:txBody>
+      </p:sp>
+      <p:sp>
+        <p:nvSpPr>
+          <p:cNvPr id="40" name="TextBox 39"/>
+          <p:cNvSpPr txBox="1"/>
+          <p:nvPr/>
+        </p:nvSpPr>
+        <p:spPr>
+          <a:xfrm rot="21207771">
+            <a:off x="6572574" y="3590940"/>
+            <a:ext cx="589674" cy="338554"/>
+          </a:xfrm>
+          <a:prstGeom prst="rect">
+            <a:avLst/>
+          </a:prstGeom>
+          <a:noFill/>
+        </p:spPr>
+        <p:txBody>
+          <a:bodyPr wrap="square" rtlCol="0">
+            <a:spAutoFit/>
+          </a:bodyPr>
+          <a:lstStyle/>
+          <a:p>
+            <a:r>
+              <a:rPr lang="en-US" sz="1600" smtClean="0">
+                <a:solidFill>
+                  <a:schemeClr val="tx1">
+                    <a:lumMod val="65000"/>
+                  </a:schemeClr>
+                </a:solidFill>
+              </a:rPr>
+              <a:t>http</a:t>
+            </a:r>
+            <a:endParaRPr lang="en-US" sz="1600" dirty="0">
+              <a:solidFill>
+                <a:schemeClr val="tx1">
+                  <a:lumMod val="65000"/>
+                </a:schemeClr>
+              </a:solidFill>
+            </a:endParaRPr>
+          </a:p>
+        </p:txBody>
+      </p:sp>
+      <p:sp>
+        <p:nvSpPr>
+          <p:cNvPr id="42" name="TextBox 41"/>
+          <p:cNvSpPr txBox="1"/>
+          <p:nvPr/>
+        </p:nvSpPr>
+        <p:spPr>
+          <a:xfrm rot="898069">
+            <a:off x="6541287" y="4200672"/>
+            <a:ext cx="589674" cy="338554"/>
+          </a:xfrm>
+          <a:prstGeom prst="rect">
+            <a:avLst/>
+          </a:prstGeom>
+          <a:noFill/>
+        </p:spPr>
+        <p:txBody>
+          <a:bodyPr wrap="square" rtlCol="0">
+            <a:spAutoFit/>
+          </a:bodyPr>
+          <a:lstStyle/>
+          <a:p>
+            <a:r>
+              <a:rPr lang="en-US" sz="1600" smtClean="0">
+                <a:solidFill>
+                  <a:schemeClr val="tx1">
+                    <a:lumMod val="65000"/>
+                  </a:schemeClr>
+                </a:solidFill>
+              </a:rPr>
+              <a:t>http</a:t>
+            </a:r>
+            <a:endParaRPr lang="en-US" sz="1600" dirty="0">
+              <a:solidFill>
+                <a:schemeClr val="tx1">
+                  <a:lumMod val="65000"/>
+                </a:schemeClr>
+              </a:solidFill>
+            </a:endParaRPr>
+          </a:p>
+        </p:txBody>
+      </p:sp>
+      <p:sp>
+        <p:nvSpPr>
+          <p:cNvPr id="43" name="TextBox 42"/>
+          <p:cNvSpPr txBox="1"/>
+          <p:nvPr/>
+        </p:nvSpPr>
+        <p:spPr>
+          <a:xfrm rot="1931351">
+            <a:off x="6479809" y="4721345"/>
+            <a:ext cx="589674" cy="338554"/>
+          </a:xfrm>
+          <a:prstGeom prst="rect">
+            <a:avLst/>
+          </a:prstGeom>
+          <a:noFill/>
+        </p:spPr>
+        <p:txBody>
+          <a:bodyPr wrap="square" rtlCol="0">
+            <a:spAutoFit/>
+          </a:bodyPr>
+          <a:lstStyle/>
+          <a:p>
+            <a:r>
+              <a:rPr lang="en-US" sz="1600" smtClean="0">
+                <a:solidFill>
+                  <a:schemeClr val="tx1">
+                    <a:lumMod val="65000"/>
+                  </a:schemeClr>
+                </a:solidFill>
+              </a:rPr>
+              <a:t>http</a:t>
+            </a:r>
+            <a:endParaRPr lang="en-US" sz="1600" dirty="0">
+              <a:solidFill>
+                <a:schemeClr val="tx1">
+                  <a:lumMod val="65000"/>
+                </a:schemeClr>
+              </a:solidFill>
+            </a:endParaRPr>
+          </a:p>
+        </p:txBody>
+      </p:sp>
+      <p:sp>
+        <p:nvSpPr>
+          <p:cNvPr id="44" name="TextBox 43"/>
+          <p:cNvSpPr txBox="1"/>
+          <p:nvPr/>
+        </p:nvSpPr>
+        <p:spPr>
+          <a:xfrm>
+            <a:off x="1169043" y="1871562"/>
+            <a:ext cx="4178135" cy="769441"/>
+          </a:xfrm>
+          <a:prstGeom prst="rect">
+            <a:avLst/>
+          </a:prstGeom>
+          <a:noFill/>
+          <a:ln>
+            <a:noFill/>
+          </a:ln>
+        </p:spPr>
+        <p:txBody>
+          <a:bodyPr wrap="square" rtlCol="0">
+            <a:spAutoFit/>
+          </a:bodyPr>
+          <a:lstStyle/>
+          <a:p>
+            <a:pPr algn="ctr"/>
+            <a:r>
+              <a:rPr lang="en-US" sz="3200" dirty="0" smtClean="0">
+                <a:solidFill>
+                  <a:schemeClr val="accent5">
+                    <a:lumMod val="60000"/>
+                    <a:lumOff val="40000"/>
+                  </a:schemeClr>
+                </a:solidFill>
+              </a:rPr>
+              <a:t>Client</a:t>
+            </a:r>
+            <a:endParaRPr lang="en-US" dirty="0" smtClean="0">
+              <a:solidFill>
+                <a:schemeClr val="accent5">
+                  <a:lumMod val="60000"/>
+                  <a:lumOff val="40000"/>
+                </a:schemeClr>
+              </a:solidFill>
+            </a:endParaRPr>
+          </a:p>
+          <a:p>
+            <a:pPr algn="ctr"/>
+            <a:r>
+              <a:rPr lang="en-US" sz="1200" dirty="0" smtClean="0">
+                <a:solidFill>
+                  <a:schemeClr val="tx1">
+                    <a:lumMod val="85000"/>
+                  </a:schemeClr>
+                </a:solidFill>
+              </a:rPr>
+              <a:t>(</a:t>
+            </a:r>
+            <a:r>
+              <a:rPr lang="en-US" sz="1200" dirty="0" err="1" smtClean="0">
+                <a:solidFill>
+                  <a:schemeClr val="tx1">
+                    <a:lumMod val="85000"/>
+                  </a:schemeClr>
+                </a:solidFill>
+              </a:rPr>
+              <a:t>js</a:t>
+            </a:r>
+            <a:r>
+              <a:rPr lang="en-US" sz="1200" dirty="0" smtClean="0">
+                <a:solidFill>
+                  <a:schemeClr val="tx1">
+                    <a:lumMod val="85000"/>
+                  </a:schemeClr>
+                </a:solidFill>
+              </a:rPr>
+              <a:t>, iOS App, Android App </a:t>
+            </a:r>
+            <a:r>
+              <a:rPr lang="en-US" sz="1200" dirty="0" err="1" smtClean="0">
+                <a:solidFill>
+                  <a:schemeClr val="tx1">
+                    <a:lumMod val="85000"/>
+                  </a:schemeClr>
+                </a:solidFill>
+              </a:rPr>
+              <a:t>etc</a:t>
+            </a:r>
+            <a:r>
+              <a:rPr lang="en-US" sz="1200" dirty="0" smtClean="0">
+                <a:solidFill>
+                  <a:schemeClr val="tx1">
+                    <a:lumMod val="85000"/>
+                  </a:schemeClr>
+                </a:solidFill>
+              </a:rPr>
+              <a:t> </a:t>
+            </a:r>
+            <a:r>
+              <a:rPr lang="is-IS" sz="1200" dirty="0" smtClean="0">
+                <a:solidFill>
+                  <a:schemeClr val="tx1">
+                    <a:lumMod val="85000"/>
+                  </a:schemeClr>
+                </a:solidFill>
+              </a:rPr>
+              <a:t>…)</a:t>
+            </a:r>
+            <a:endParaRPr lang="en-US" sz="1200" dirty="0">
+              <a:solidFill>
+                <a:schemeClr val="tx1">
+                  <a:lumMod val="85000"/>
+                </a:schemeClr>
+              </a:solidFill>
+            </a:endParaRPr>
+          </a:p>
+        </p:txBody>
+      </p:sp>
+      <p:sp>
+        <p:nvSpPr>
+          <p:cNvPr id="45" name="Rectangle 44"/>
+          <p:cNvSpPr/>
+          <p:nvPr/>
+        </p:nvSpPr>
+        <p:spPr>
+          <a:xfrm>
+            <a:off x="1534664" y="2797187"/>
+            <a:ext cx="2546228" cy="3337082"/>
+          </a:xfrm>
+          <a:prstGeom prst="rect">
+            <a:avLst/>
+          </a:prstGeom>
+          <a:noFill/>
+          <a:ln>
             <a:solidFill>
               <a:schemeClr val="tx1">
                 <a:lumMod val="85000"/>
               </a:schemeClr>
             </a:solidFill>
-            <a:tailEnd type="triangle"/>
           </a:ln>
         </p:spPr>
         <p:style>
-          <a:lnRef idx="1">
-            <a:schemeClr val="accent1"/>
+          <a:lnRef idx="2">
+            <a:schemeClr val="accent1">
+              <a:shade val="50000"/>
+            </a:schemeClr>
           </a:lnRef>
-          <a:fillRef idx="0">
+          <a:fillRef idx="1">
             <a:schemeClr val="accent1"/>
           </a:fillRef>
           <a:effectRef idx="0">
             <a:schemeClr val="accent1"/>
           </a:effectRef>
           <a:fontRef idx="minor">
-            <a:schemeClr val="tx1"/>
+            <a:schemeClr val="lt1"/>
           </a:fontRef>
         </p:style>
-      </p:cxnSp>
-      <p:cxnSp>
-        <p:nvCxnSpPr>
-          <p:cNvPr id="38" name="Straight Arrow Connector 37"/>
-          <p:cNvCxnSpPr>
-            <a:stCxn id="18" idx="0"/>
-            <a:endCxn id="13" idx="2"/>
-          </p:cNvCxnSpPr>
-          <p:nvPr/>
-        </p:nvCxnSpPr>
-        <p:spPr>
-          <a:xfrm flipH="1" flipV="1">
-            <a:off x="2148623" y="2605468"/>
-            <a:ext cx="3945228" cy="1792899"/>
-          </a:xfrm>
-          <a:prstGeom prst="straightConnector1">
-            <a:avLst/>
-          </a:prstGeom>
-          <a:ln w="19050">
+        <p:txBody>
+          <a:bodyPr rtlCol="0" anchor="ctr"/>
+          <a:lstStyle/>
+          <a:p>
+            <a:pPr algn="ctr"/>
+            <a:endParaRPr lang="en-US" dirty="0"/>
+          </a:p>
+        </p:txBody>
+      </p:sp>
+      <p:sp>
+        <p:nvSpPr>
+          <p:cNvPr id="46" name="TextBox 45"/>
+          <p:cNvSpPr txBox="1"/>
+          <p:nvPr/>
+        </p:nvSpPr>
+        <p:spPr>
+          <a:xfrm>
+            <a:off x="1654283" y="3023948"/>
+            <a:ext cx="2339125" cy="369332"/>
+          </a:xfrm>
+          <a:prstGeom prst="rect">
+            <a:avLst/>
+          </a:prstGeom>
+          <a:noFill/>
+        </p:spPr>
+        <p:txBody>
+          <a:bodyPr wrap="square" rtlCol="0">
+            <a:spAutoFit/>
+          </a:bodyPr>
+          <a:lstStyle/>
+          <a:p>
+            <a:r>
+              <a:rPr lang="en-US" dirty="0" smtClean="0">
+                <a:solidFill>
+                  <a:schemeClr val="tx1">
+                    <a:lumMod val="75000"/>
+                  </a:schemeClr>
+                </a:solidFill>
+              </a:rPr>
+              <a:t>Profile</a:t>
+            </a:r>
+            <a:endParaRPr lang="en-US" dirty="0">
+              <a:solidFill>
+                <a:schemeClr val="tx1">
+                  <a:lumMod val="75000"/>
+                </a:schemeClr>
+              </a:solidFill>
+            </a:endParaRPr>
+          </a:p>
+        </p:txBody>
+      </p:sp>
+      <p:sp>
+        <p:nvSpPr>
+          <p:cNvPr id="36" name="Oval 35"/>
+          <p:cNvSpPr/>
+          <p:nvPr/>
+        </p:nvSpPr>
+        <p:spPr>
+          <a:xfrm>
+            <a:off x="1749359" y="3422275"/>
+            <a:ext cx="350964" cy="350964"/>
+          </a:xfrm>
+          <a:prstGeom prst="ellipse">
+            <a:avLst/>
+          </a:prstGeom>
+          <a:noFill/>
+          <a:ln>
             <a:solidFill>
               <a:schemeClr val="tx1">
                 <a:lumMod val="85000"/>
               </a:schemeClr>
             </a:solidFill>
-            <a:tailEnd type="triangle"/>
           </a:ln>
         </p:spPr>
         <p:style>
-          <a:lnRef idx="1">
-            <a:schemeClr val="accent1"/>
+          <a:lnRef idx="2">
+            <a:schemeClr val="accent1">
+              <a:shade val="50000"/>
+            </a:schemeClr>
           </a:lnRef>
-          <a:fillRef idx="0">
+          <a:fillRef idx="1">
             <a:schemeClr val="accent1"/>
           </a:fillRef>
           <a:effectRef idx="0">
             <a:schemeClr val="accent1"/>
           </a:effectRef>
           <a:fontRef idx="minor">
-            <a:schemeClr val="tx1"/>
+            <a:schemeClr val="lt1"/>
           </a:fontRef>
         </p:style>
-      </p:cxnSp>
-      <p:cxnSp>
-        <p:nvCxnSpPr>
-          <p:cNvPr id="41" name="Straight Arrow Connector 40"/>
-          <p:cNvCxnSpPr>
-            <a:stCxn id="19" idx="0"/>
-            <a:endCxn id="16" idx="2"/>
-          </p:cNvCxnSpPr>
-          <p:nvPr/>
-        </p:nvCxnSpPr>
-        <p:spPr>
-          <a:xfrm flipV="1">
-            <a:off x="8602012" y="2602131"/>
-            <a:ext cx="1437067" cy="1796236"/>
-          </a:xfrm>
-          <a:prstGeom prst="straightConnector1">
-            <a:avLst/>
-          </a:prstGeom>
-          <a:ln w="19050">
-            <a:solidFill>
-              <a:schemeClr val="tx1">
-                <a:lumMod val="85000"/>
-              </a:schemeClr>
-            </a:solidFill>
-            <a:tailEnd type="triangle"/>
+        <p:txBody>
+          <a:bodyPr rtlCol="0" anchor="ctr"/>
+          <a:lstStyle/>
+          <a:p>
+            <a:pPr algn="ctr"/>
+            <a:endParaRPr lang="en-US"/>
+          </a:p>
+        </p:txBody>
+      </p:sp>
+      <p:pic>
+        <p:nvPicPr>
+          <p:cNvPr id="47" name="Picture 46"/>
+          <p:cNvPicPr>
+            <a:picLocks noChangeAspect="1"/>
+          </p:cNvPicPr>
+          <p:nvPr/>
+        </p:nvPicPr>
+        <p:blipFill>
+          <a:blip r:embed="rId3">
+            <a:lum bright="70000" contrast="-70000"/>
+          </a:blip>
+          <a:stretch>
+            <a:fillRect/>
+          </a:stretch>
+        </p:blipFill>
+        <p:spPr>
+          <a:xfrm>
+            <a:off x="1855732" y="3481065"/>
+            <a:ext cx="147361" cy="201394"/>
+          </a:xfrm>
+          <a:prstGeom prst="rect">
+            <a:avLst/>
+          </a:prstGeom>
+        </p:spPr>
+      </p:pic>
+      <p:sp>
+        <p:nvSpPr>
+          <p:cNvPr id="48" name="Rectangle 47"/>
+          <p:cNvSpPr/>
+          <p:nvPr/>
+        </p:nvSpPr>
+        <p:spPr>
+          <a:xfrm>
+            <a:off x="2211879" y="3457694"/>
+            <a:ext cx="994283" cy="124935"/>
+          </a:xfrm>
+          <a:prstGeom prst="rect">
+            <a:avLst/>
+          </a:prstGeom>
+          <a:solidFill>
+            <a:schemeClr val="tx1">
+              <a:lumMod val="75000"/>
+            </a:schemeClr>
+          </a:solidFill>
+          <a:ln>
+            <a:noFill/>
           </a:ln>
         </p:spPr>
         <p:style>
-          <a:lnRef idx="1">
-            <a:schemeClr val="accent1"/>
+          <a:lnRef idx="2">
+            <a:schemeClr val="accent1">
+              <a:shade val="50000"/>
+            </a:schemeClr>
           </a:lnRef>
-          <a:fillRef idx="0">
+          <a:fillRef idx="1">
             <a:schemeClr val="accent1"/>
           </a:fillRef>
           <a:effectRef idx="0">
             <a:schemeClr val="accent1"/>
           </a:effectRef>
           <a:fontRef idx="minor">
-            <a:schemeClr val="tx1"/>
+            <a:schemeClr val="lt1"/>
           </a:fontRef>
         </p:style>
-      </p:cxnSp>
+        <p:txBody>
+          <a:bodyPr rtlCol="0" anchor="ctr"/>
+          <a:lstStyle/>
+          <a:p>
+            <a:pPr algn="ctr"/>
+            <a:endParaRPr lang="en-US"/>
+          </a:p>
+        </p:txBody>
+      </p:sp>
+      <p:sp>
+        <p:nvSpPr>
+          <p:cNvPr id="49" name="Rectangle 48"/>
+          <p:cNvSpPr/>
+          <p:nvPr/>
+        </p:nvSpPr>
+        <p:spPr>
+          <a:xfrm>
+            <a:off x="2212779" y="3628820"/>
+            <a:ext cx="492080" cy="53639"/>
+          </a:xfrm>
+          <a:prstGeom prst="rect">
+            <a:avLst/>
+          </a:prstGeom>
+          <a:solidFill>
+            <a:schemeClr val="tx1">
+              <a:lumMod val="65000"/>
+            </a:schemeClr>
+          </a:solidFill>
+          <a:ln>
+            <a:noFill/>
+          </a:ln>
+        </p:spPr>
+        <p:style>
+          <a:lnRef idx="2">
+            <a:schemeClr val="accent1">
+              <a:shade val="50000"/>
+            </a:schemeClr>
+          </a:lnRef>
+          <a:fillRef idx="1">
+            <a:schemeClr val="accent1"/>
+          </a:fillRef>
+          <a:effectRef idx="0">
+            <a:schemeClr val="accent1"/>
+          </a:effectRef>
+          <a:fontRef idx="minor">
+            <a:schemeClr val="lt1"/>
+          </a:fontRef>
+        </p:style>
+        <p:txBody>
+          <a:bodyPr rtlCol="0" anchor="ctr"/>
+          <a:lstStyle/>
+          <a:p>
+            <a:pPr algn="ctr"/>
+            <a:endParaRPr lang="en-US"/>
+          </a:p>
+        </p:txBody>
+      </p:sp>
+      <p:sp>
+        <p:nvSpPr>
+          <p:cNvPr id="50" name="Rectangle 49"/>
+          <p:cNvSpPr/>
+          <p:nvPr/>
+        </p:nvSpPr>
+        <p:spPr>
+          <a:xfrm>
+            <a:off x="2214103" y="3725557"/>
+            <a:ext cx="182813" cy="52315"/>
+          </a:xfrm>
+          <a:prstGeom prst="rect">
+            <a:avLst/>
+          </a:prstGeom>
+          <a:solidFill>
+            <a:schemeClr val="tx1">
+              <a:lumMod val="65000"/>
+            </a:schemeClr>
+          </a:solidFill>
+          <a:ln>
+            <a:noFill/>
+          </a:ln>
+        </p:spPr>
+        <p:style>
+          <a:lnRef idx="2">
+            <a:schemeClr val="accent1">
+              <a:shade val="50000"/>
+            </a:schemeClr>
+          </a:lnRef>
+          <a:fillRef idx="1">
+            <a:schemeClr val="accent1"/>
+          </a:fillRef>
+          <a:effectRef idx="0">
+            <a:schemeClr val="accent1"/>
+          </a:effectRef>
+          <a:fontRef idx="minor">
+            <a:schemeClr val="lt1"/>
+          </a:fontRef>
+        </p:style>
+        <p:txBody>
+          <a:bodyPr rtlCol="0" anchor="ctr"/>
+          <a:lstStyle/>
+          <a:p>
+            <a:pPr algn="ctr"/>
+            <a:endParaRPr lang="en-US"/>
+          </a:p>
+        </p:txBody>
+      </p:sp>
+      <p:sp>
+        <p:nvSpPr>
+          <p:cNvPr id="51" name="Rectangle 50"/>
+          <p:cNvSpPr/>
+          <p:nvPr/>
+        </p:nvSpPr>
+        <p:spPr>
+          <a:xfrm>
+            <a:off x="2436738" y="3725562"/>
+            <a:ext cx="343024" cy="47678"/>
+          </a:xfrm>
+          <a:prstGeom prst="rect">
+            <a:avLst/>
+          </a:prstGeom>
+          <a:solidFill>
+            <a:schemeClr val="tx1">
+              <a:lumMod val="65000"/>
+            </a:schemeClr>
+          </a:solidFill>
+          <a:ln>
+            <a:noFill/>
+          </a:ln>
+        </p:spPr>
+        <p:style>
+          <a:lnRef idx="2">
+            <a:schemeClr val="accent1">
+              <a:shade val="50000"/>
+            </a:schemeClr>
+          </a:lnRef>
+          <a:fillRef idx="1">
+            <a:schemeClr val="accent1"/>
+          </a:fillRef>
+          <a:effectRef idx="0">
+            <a:schemeClr val="accent1"/>
+          </a:effectRef>
+          <a:fontRef idx="minor">
+            <a:schemeClr val="lt1"/>
+          </a:fontRef>
+        </p:style>
+        <p:txBody>
+          <a:bodyPr rtlCol="0" anchor="ctr"/>
+          <a:lstStyle/>
+          <a:p>
+            <a:pPr algn="ctr"/>
+            <a:endParaRPr lang="en-US"/>
+          </a:p>
+        </p:txBody>
+      </p:sp>
+      <p:sp>
+        <p:nvSpPr>
+          <p:cNvPr id="52" name="Rectangle 51"/>
+          <p:cNvSpPr/>
+          <p:nvPr/>
+        </p:nvSpPr>
+        <p:spPr>
+          <a:xfrm>
+            <a:off x="2834307" y="3725563"/>
+            <a:ext cx="363905" cy="45719"/>
+          </a:xfrm>
+          <a:prstGeom prst="rect">
+            <a:avLst/>
+          </a:prstGeom>
+          <a:solidFill>
+            <a:schemeClr val="tx1">
+              <a:lumMod val="65000"/>
+            </a:schemeClr>
+          </a:solidFill>
+          <a:ln>
+            <a:noFill/>
+          </a:ln>
+        </p:spPr>
+        <p:style>
+          <a:lnRef idx="2">
+            <a:schemeClr val="accent1">
+              <a:shade val="50000"/>
+            </a:schemeClr>
+          </a:lnRef>
+          <a:fillRef idx="1">
+            <a:schemeClr val="accent1"/>
+          </a:fillRef>
+          <a:effectRef idx="0">
+            <a:schemeClr val="accent1"/>
+          </a:effectRef>
+          <a:fontRef idx="minor">
+            <a:schemeClr val="lt1"/>
+          </a:fontRef>
+        </p:style>
+        <p:txBody>
+          <a:bodyPr rtlCol="0" anchor="ctr"/>
+          <a:lstStyle/>
+          <a:p>
+            <a:pPr algn="ctr"/>
+            <a:endParaRPr lang="en-US"/>
+          </a:p>
+        </p:txBody>
+      </p:sp>
+      <p:sp>
+        <p:nvSpPr>
+          <p:cNvPr id="53" name="Rectangle 52"/>
+          <p:cNvSpPr/>
+          <p:nvPr/>
+        </p:nvSpPr>
+        <p:spPr>
+          <a:xfrm>
+            <a:off x="2756375" y="3629472"/>
+            <a:ext cx="339680" cy="52334"/>
+          </a:xfrm>
+          <a:prstGeom prst="rect">
+            <a:avLst/>
+          </a:prstGeom>
+          <a:solidFill>
+            <a:schemeClr val="tx1">
+              <a:lumMod val="65000"/>
+            </a:schemeClr>
+          </a:solidFill>
+          <a:ln>
+            <a:noFill/>
+          </a:ln>
+        </p:spPr>
+        <p:style>
+          <a:lnRef idx="2">
+            <a:schemeClr val="accent1">
+              <a:shade val="50000"/>
+            </a:schemeClr>
+          </a:lnRef>
+          <a:fillRef idx="1">
+            <a:schemeClr val="accent1"/>
+          </a:fillRef>
+          <a:effectRef idx="0">
+            <a:schemeClr val="accent1"/>
+          </a:effectRef>
+          <a:fontRef idx="minor">
+            <a:schemeClr val="lt1"/>
+          </a:fontRef>
+        </p:style>
+        <p:txBody>
+          <a:bodyPr rtlCol="0" anchor="ctr"/>
+          <a:lstStyle/>
+          <a:p>
+            <a:pPr algn="ctr"/>
+            <a:endParaRPr lang="en-US"/>
+          </a:p>
+        </p:txBody>
+      </p:sp>
+      <p:sp>
+        <p:nvSpPr>
+          <p:cNvPr id="54" name="Rectangle 53"/>
+          <p:cNvSpPr/>
+          <p:nvPr/>
+        </p:nvSpPr>
+        <p:spPr>
+          <a:xfrm>
+            <a:off x="3138153" y="3628820"/>
+            <a:ext cx="343024" cy="47678"/>
+          </a:xfrm>
+          <a:prstGeom prst="rect">
+            <a:avLst/>
+          </a:prstGeom>
+          <a:solidFill>
+            <a:schemeClr val="tx1">
+              <a:lumMod val="65000"/>
+            </a:schemeClr>
+          </a:solidFill>
+          <a:ln>
+            <a:noFill/>
+          </a:ln>
+        </p:spPr>
+        <p:style>
+          <a:lnRef idx="2">
+            <a:schemeClr val="accent1">
+              <a:shade val="50000"/>
+            </a:schemeClr>
+          </a:lnRef>
+          <a:fillRef idx="1">
+            <a:schemeClr val="accent1"/>
+          </a:fillRef>
+          <a:effectRef idx="0">
+            <a:schemeClr val="accent1"/>
+          </a:effectRef>
+          <a:fontRef idx="minor">
+            <a:schemeClr val="lt1"/>
+          </a:fontRef>
+        </p:style>
+        <p:txBody>
+          <a:bodyPr rtlCol="0" anchor="ctr"/>
+          <a:lstStyle/>
+          <a:p>
+            <a:pPr algn="ctr"/>
+            <a:endParaRPr lang="en-US"/>
+          </a:p>
+        </p:txBody>
+      </p:sp>
+      <p:sp>
+        <p:nvSpPr>
+          <p:cNvPr id="55" name="TextBox 54"/>
+          <p:cNvSpPr txBox="1"/>
+          <p:nvPr/>
+        </p:nvSpPr>
+        <p:spPr>
+          <a:xfrm>
+            <a:off x="1643934" y="3855178"/>
+            <a:ext cx="2339125" cy="369332"/>
+          </a:xfrm>
+          <a:prstGeom prst="rect">
+            <a:avLst/>
+          </a:prstGeom>
+          <a:noFill/>
+        </p:spPr>
+        <p:txBody>
+          <a:bodyPr wrap="square" rtlCol="0">
+            <a:spAutoFit/>
+          </a:bodyPr>
+          <a:lstStyle/>
+          <a:p>
+            <a:r>
+              <a:rPr lang="en-US" dirty="0" smtClean="0">
+                <a:solidFill>
+                  <a:schemeClr val="tx1">
+                    <a:lumMod val="75000"/>
+                  </a:schemeClr>
+                </a:solidFill>
+              </a:rPr>
+              <a:t>Videos</a:t>
+            </a:r>
+            <a:endParaRPr lang="en-US" dirty="0">
+              <a:solidFill>
+                <a:schemeClr val="tx1">
+                  <a:lumMod val="75000"/>
+                </a:schemeClr>
+              </a:solidFill>
+            </a:endParaRPr>
+          </a:p>
+        </p:txBody>
+      </p:sp>
+      <p:sp>
+        <p:nvSpPr>
+          <p:cNvPr id="56" name="Rectangle 55"/>
+          <p:cNvSpPr/>
+          <p:nvPr/>
+        </p:nvSpPr>
+        <p:spPr>
+          <a:xfrm>
+            <a:off x="1774553" y="4172669"/>
+            <a:ext cx="580448" cy="338856"/>
+          </a:xfrm>
+          <a:prstGeom prst="rect">
+            <a:avLst/>
+          </a:prstGeom>
+          <a:noFill/>
+          <a:ln>
+            <a:solidFill>
+              <a:schemeClr val="tx1">
+                <a:lumMod val="65000"/>
+              </a:schemeClr>
+            </a:solidFill>
+          </a:ln>
+        </p:spPr>
+        <p:style>
+          <a:lnRef idx="2">
+            <a:schemeClr val="accent1">
+              <a:shade val="50000"/>
+            </a:schemeClr>
+          </a:lnRef>
+          <a:fillRef idx="1">
+            <a:schemeClr val="accent1"/>
+          </a:fillRef>
+          <a:effectRef idx="0">
+            <a:schemeClr val="accent1"/>
+          </a:effectRef>
+          <a:fontRef idx="minor">
+            <a:schemeClr val="lt1"/>
+          </a:fontRef>
+        </p:style>
+        <p:txBody>
+          <a:bodyPr rtlCol="0" anchor="ctr"/>
+          <a:lstStyle/>
+          <a:p>
+            <a:pPr algn="ctr"/>
+            <a:endParaRPr lang="en-US"/>
+          </a:p>
+        </p:txBody>
+      </p:sp>
+      <p:pic>
+        <p:nvPicPr>
+          <p:cNvPr id="57" name="Picture 56"/>
+          <p:cNvPicPr>
+            <a:picLocks noChangeAspect="1"/>
+          </p:cNvPicPr>
+          <p:nvPr/>
+        </p:nvPicPr>
+        <p:blipFill>
+          <a:blip r:embed="rId4">
+            <a:lum bright="70000" contrast="-70000"/>
+          </a:blip>
+          <a:stretch>
+            <a:fillRect/>
+          </a:stretch>
+        </p:blipFill>
+        <p:spPr>
+          <a:xfrm>
+            <a:off x="2005804" y="4266075"/>
+            <a:ext cx="109951" cy="124611"/>
+          </a:xfrm>
+          <a:prstGeom prst="rect">
+            <a:avLst/>
+          </a:prstGeom>
+          <a:ln>
+            <a:noFill/>
+          </a:ln>
+        </p:spPr>
+      </p:pic>
+      <p:sp>
+        <p:nvSpPr>
+          <p:cNvPr id="58" name="Rectangle 57"/>
+          <p:cNvSpPr/>
+          <p:nvPr/>
+        </p:nvSpPr>
+        <p:spPr>
+          <a:xfrm>
+            <a:off x="2491496" y="4173997"/>
+            <a:ext cx="580448" cy="338856"/>
+          </a:xfrm>
+          <a:prstGeom prst="rect">
+            <a:avLst/>
+          </a:prstGeom>
+          <a:noFill/>
+          <a:ln>
+            <a:solidFill>
+              <a:schemeClr val="tx1">
+                <a:lumMod val="65000"/>
+              </a:schemeClr>
+            </a:solidFill>
+          </a:ln>
+        </p:spPr>
+        <p:style>
+          <a:lnRef idx="2">
+            <a:schemeClr val="accent1">
+              <a:shade val="50000"/>
+            </a:schemeClr>
+          </a:lnRef>
+          <a:fillRef idx="1">
+            <a:schemeClr val="accent1"/>
+          </a:fillRef>
+          <a:effectRef idx="0">
+            <a:schemeClr val="accent1"/>
+          </a:effectRef>
+          <a:fontRef idx="minor">
+            <a:schemeClr val="lt1"/>
+          </a:fontRef>
+        </p:style>
+        <p:txBody>
+          <a:bodyPr rtlCol="0" anchor="ctr"/>
+          <a:lstStyle/>
+          <a:p>
+            <a:pPr algn="ctr"/>
+            <a:endParaRPr lang="en-US"/>
+          </a:p>
+        </p:txBody>
+      </p:sp>
+      <p:pic>
+        <p:nvPicPr>
+          <p:cNvPr id="59" name="Picture 58"/>
+          <p:cNvPicPr>
+            <a:picLocks noChangeAspect="1"/>
+          </p:cNvPicPr>
+          <p:nvPr/>
+        </p:nvPicPr>
+        <p:blipFill>
+          <a:blip r:embed="rId4">
+            <a:lum bright="70000" contrast="-70000"/>
+          </a:blip>
+          <a:stretch>
+            <a:fillRect/>
+          </a:stretch>
+        </p:blipFill>
+        <p:spPr>
+          <a:xfrm>
+            <a:off x="2722747" y="4267403"/>
+            <a:ext cx="109951" cy="124611"/>
+          </a:xfrm>
+          <a:prstGeom prst="rect">
+            <a:avLst/>
+          </a:prstGeom>
+          <a:ln>
+            <a:noFill/>
+          </a:ln>
+        </p:spPr>
+      </p:pic>
+      <p:sp>
+        <p:nvSpPr>
+          <p:cNvPr id="60" name="Rectangle 59"/>
+          <p:cNvSpPr/>
+          <p:nvPr/>
+        </p:nvSpPr>
+        <p:spPr>
+          <a:xfrm>
+            <a:off x="3215064" y="4173994"/>
+            <a:ext cx="580448" cy="338856"/>
+          </a:xfrm>
+          <a:prstGeom prst="rect">
+            <a:avLst/>
+          </a:prstGeom>
+          <a:noFill/>
+          <a:ln>
+            <a:solidFill>
+              <a:schemeClr val="tx1">
+                <a:lumMod val="65000"/>
+              </a:schemeClr>
+            </a:solidFill>
+          </a:ln>
+        </p:spPr>
+        <p:style>
+          <a:lnRef idx="2">
+            <a:schemeClr val="accent1">
+              <a:shade val="50000"/>
+            </a:schemeClr>
+          </a:lnRef>
+          <a:fillRef idx="1">
+            <a:schemeClr val="accent1"/>
+          </a:fillRef>
+          <a:effectRef idx="0">
+            <a:schemeClr val="accent1"/>
+          </a:effectRef>
+          <a:fontRef idx="minor">
+            <a:schemeClr val="lt1"/>
+          </a:fontRef>
+        </p:style>
+        <p:txBody>
+          <a:bodyPr rtlCol="0" anchor="ctr"/>
+          <a:lstStyle/>
+          <a:p>
+            <a:pPr algn="ctr"/>
+            <a:endParaRPr lang="en-US"/>
+          </a:p>
+        </p:txBody>
+      </p:sp>
+      <p:pic>
+        <p:nvPicPr>
+          <p:cNvPr id="61" name="Picture 60"/>
+          <p:cNvPicPr>
+            <a:picLocks noChangeAspect="1"/>
+          </p:cNvPicPr>
+          <p:nvPr/>
+        </p:nvPicPr>
+        <p:blipFill>
+          <a:blip r:embed="rId4">
+            <a:lum bright="70000" contrast="-70000"/>
+          </a:blip>
+          <a:stretch>
+            <a:fillRect/>
+          </a:stretch>
+        </p:blipFill>
+        <p:spPr>
+          <a:xfrm>
+            <a:off x="3446315" y="4267400"/>
+            <a:ext cx="109951" cy="124611"/>
+          </a:xfrm>
+          <a:prstGeom prst="rect">
+            <a:avLst/>
+          </a:prstGeom>
+          <a:ln>
+            <a:noFill/>
+          </a:ln>
+        </p:spPr>
+      </p:pic>
+      <p:sp>
+        <p:nvSpPr>
+          <p:cNvPr id="64" name="TextBox 63"/>
+          <p:cNvSpPr txBox="1"/>
+          <p:nvPr/>
+        </p:nvSpPr>
+        <p:spPr>
+          <a:xfrm>
+            <a:off x="1654283" y="4584306"/>
+            <a:ext cx="2339125" cy="338554"/>
+          </a:xfrm>
+          <a:prstGeom prst="rect">
+            <a:avLst/>
+          </a:prstGeom>
+          <a:noFill/>
+        </p:spPr>
+        <p:txBody>
+          <a:bodyPr wrap="square" rtlCol="0">
+            <a:spAutoFit/>
+          </a:bodyPr>
+          <a:lstStyle/>
+          <a:p>
+            <a:r>
+              <a:rPr lang="en-US" sz="1600" dirty="0" smtClean="0">
+                <a:solidFill>
+                  <a:schemeClr val="tx1">
+                    <a:lumMod val="75000"/>
+                  </a:schemeClr>
+                </a:solidFill>
+              </a:rPr>
+              <a:t>Followers</a:t>
+            </a:r>
+            <a:endParaRPr lang="en-US" dirty="0">
+              <a:solidFill>
+                <a:schemeClr val="tx1">
+                  <a:lumMod val="75000"/>
+                </a:schemeClr>
+              </a:solidFill>
+            </a:endParaRPr>
+          </a:p>
+        </p:txBody>
+      </p:sp>
+      <p:sp>
+        <p:nvSpPr>
+          <p:cNvPr id="65" name="Oval 64"/>
+          <p:cNvSpPr/>
+          <p:nvPr/>
+        </p:nvSpPr>
+        <p:spPr>
+          <a:xfrm>
+            <a:off x="1765231" y="4967583"/>
+            <a:ext cx="237862" cy="237862"/>
+          </a:xfrm>
+          <a:prstGeom prst="ellipse">
+            <a:avLst/>
+          </a:prstGeom>
+          <a:noFill/>
+          <a:ln>
+            <a:solidFill>
+              <a:schemeClr val="tx1">
+                <a:lumMod val="85000"/>
+              </a:schemeClr>
+            </a:solidFill>
+          </a:ln>
+        </p:spPr>
+        <p:style>
+          <a:lnRef idx="2">
+            <a:schemeClr val="accent1">
+              <a:shade val="50000"/>
+            </a:schemeClr>
+          </a:lnRef>
+          <a:fillRef idx="1">
+            <a:schemeClr val="accent1"/>
+          </a:fillRef>
+          <a:effectRef idx="0">
+            <a:schemeClr val="accent1"/>
+          </a:effectRef>
+          <a:fontRef idx="minor">
+            <a:schemeClr val="lt1"/>
+          </a:fontRef>
+        </p:style>
+        <p:txBody>
+          <a:bodyPr rtlCol="0" anchor="ctr"/>
+          <a:lstStyle/>
+          <a:p>
+            <a:pPr algn="ctr"/>
+            <a:endParaRPr lang="en-US"/>
+          </a:p>
+        </p:txBody>
+      </p:sp>
+      <p:pic>
+        <p:nvPicPr>
+          <p:cNvPr id="66" name="Picture 65"/>
+          <p:cNvPicPr>
+            <a:picLocks noChangeAspect="1"/>
+          </p:cNvPicPr>
+          <p:nvPr/>
+        </p:nvPicPr>
+        <p:blipFill>
+          <a:blip r:embed="rId3">
+            <a:lum bright="70000" contrast="-70000"/>
+          </a:blip>
+          <a:stretch>
+            <a:fillRect/>
+          </a:stretch>
+        </p:blipFill>
+        <p:spPr>
+          <a:xfrm>
+            <a:off x="1839801" y="5026373"/>
+            <a:ext cx="99872" cy="136492"/>
+          </a:xfrm>
+          <a:prstGeom prst="rect">
+            <a:avLst/>
+          </a:prstGeom>
+        </p:spPr>
+      </p:pic>
+      <p:sp>
+        <p:nvSpPr>
+          <p:cNvPr id="67" name="Oval 66"/>
+          <p:cNvSpPr/>
+          <p:nvPr/>
+        </p:nvSpPr>
+        <p:spPr>
+          <a:xfrm>
+            <a:off x="2084608" y="4968910"/>
+            <a:ext cx="237862" cy="237862"/>
+          </a:xfrm>
+          <a:prstGeom prst="ellipse">
+            <a:avLst/>
+          </a:prstGeom>
+          <a:noFill/>
+          <a:ln>
+            <a:solidFill>
+              <a:schemeClr val="tx1">
+                <a:lumMod val="85000"/>
+              </a:schemeClr>
+            </a:solidFill>
+          </a:ln>
+        </p:spPr>
+        <p:style>
+          <a:lnRef idx="2">
+            <a:schemeClr val="accent1">
+              <a:shade val="50000"/>
+            </a:schemeClr>
+          </a:lnRef>
+          <a:fillRef idx="1">
+            <a:schemeClr val="accent1"/>
+          </a:fillRef>
+          <a:effectRef idx="0">
+            <a:schemeClr val="accent1"/>
+          </a:effectRef>
+          <a:fontRef idx="minor">
+            <a:schemeClr val="lt1"/>
+          </a:fontRef>
+        </p:style>
+        <p:txBody>
+          <a:bodyPr rtlCol="0" anchor="ctr"/>
+          <a:lstStyle/>
+          <a:p>
+            <a:pPr algn="ctr"/>
+            <a:endParaRPr lang="en-US"/>
+          </a:p>
+        </p:txBody>
+      </p:sp>
+      <p:pic>
+        <p:nvPicPr>
+          <p:cNvPr id="68" name="Picture 67"/>
+          <p:cNvPicPr>
+            <a:picLocks noChangeAspect="1"/>
+          </p:cNvPicPr>
+          <p:nvPr/>
+        </p:nvPicPr>
+        <p:blipFill>
+          <a:blip r:embed="rId3">
+            <a:lum bright="70000" contrast="-70000"/>
+          </a:blip>
+          <a:stretch>
+            <a:fillRect/>
+          </a:stretch>
+        </p:blipFill>
+        <p:spPr>
+          <a:xfrm>
+            <a:off x="2159178" y="5027700"/>
+            <a:ext cx="99872" cy="136492"/>
+          </a:xfrm>
+          <a:prstGeom prst="rect">
+            <a:avLst/>
+          </a:prstGeom>
+        </p:spPr>
+      </p:pic>
+      <p:sp>
+        <p:nvSpPr>
+          <p:cNvPr id="69" name="Oval 68"/>
+          <p:cNvSpPr/>
+          <p:nvPr/>
+        </p:nvSpPr>
+        <p:spPr>
+          <a:xfrm>
+            <a:off x="2418562" y="4968910"/>
+            <a:ext cx="237862" cy="237862"/>
+          </a:xfrm>
+          <a:prstGeom prst="ellipse">
+            <a:avLst/>
+          </a:prstGeom>
+          <a:noFill/>
+          <a:ln>
+            <a:solidFill>
+              <a:schemeClr val="tx1">
+                <a:lumMod val="85000"/>
+              </a:schemeClr>
+            </a:solidFill>
+          </a:ln>
+        </p:spPr>
+        <p:style>
+          <a:lnRef idx="2">
+            <a:schemeClr val="accent1">
+              <a:shade val="50000"/>
+            </a:schemeClr>
+          </a:lnRef>
+          <a:fillRef idx="1">
+            <a:schemeClr val="accent1"/>
+          </a:fillRef>
+          <a:effectRef idx="0">
+            <a:schemeClr val="accent1"/>
+          </a:effectRef>
+          <a:fontRef idx="minor">
+            <a:schemeClr val="lt1"/>
+          </a:fontRef>
+        </p:style>
+        <p:txBody>
+          <a:bodyPr rtlCol="0" anchor="ctr"/>
+          <a:lstStyle/>
+          <a:p>
+            <a:pPr algn="ctr"/>
+            <a:endParaRPr lang="en-US"/>
+          </a:p>
+        </p:txBody>
+      </p:sp>
+      <p:pic>
+        <p:nvPicPr>
+          <p:cNvPr id="70" name="Picture 69"/>
+          <p:cNvPicPr>
+            <a:picLocks noChangeAspect="1"/>
+          </p:cNvPicPr>
+          <p:nvPr/>
+        </p:nvPicPr>
+        <p:blipFill>
+          <a:blip r:embed="rId3">
+            <a:lum bright="70000" contrast="-70000"/>
+          </a:blip>
+          <a:stretch>
+            <a:fillRect/>
+          </a:stretch>
+        </p:blipFill>
+        <p:spPr>
+          <a:xfrm>
+            <a:off x="2493132" y="5027700"/>
+            <a:ext cx="99872" cy="136492"/>
+          </a:xfrm>
+          <a:prstGeom prst="rect">
+            <a:avLst/>
+          </a:prstGeom>
+        </p:spPr>
+      </p:pic>
+      <p:sp>
+        <p:nvSpPr>
+          <p:cNvPr id="71" name="Oval 70"/>
+          <p:cNvSpPr/>
+          <p:nvPr/>
+        </p:nvSpPr>
+        <p:spPr>
+          <a:xfrm>
+            <a:off x="2737939" y="4970237"/>
+            <a:ext cx="237862" cy="237862"/>
+          </a:xfrm>
+          <a:prstGeom prst="ellipse">
+            <a:avLst/>
+          </a:prstGeom>
+          <a:noFill/>
+          <a:ln>
+            <a:solidFill>
+              <a:schemeClr val="tx1">
+                <a:lumMod val="85000"/>
+              </a:schemeClr>
+            </a:solidFill>
+          </a:ln>
+        </p:spPr>
+        <p:style>
+          <a:lnRef idx="2">
+            <a:schemeClr val="accent1">
+              <a:shade val="50000"/>
+            </a:schemeClr>
+          </a:lnRef>
+          <a:fillRef idx="1">
+            <a:schemeClr val="accent1"/>
+          </a:fillRef>
+          <a:effectRef idx="0">
+            <a:schemeClr val="accent1"/>
+          </a:effectRef>
+          <a:fontRef idx="minor">
+            <a:schemeClr val="lt1"/>
+          </a:fontRef>
+        </p:style>
+        <p:txBody>
+          <a:bodyPr rtlCol="0" anchor="ctr"/>
+          <a:lstStyle/>
+          <a:p>
+            <a:pPr algn="ctr"/>
+            <a:endParaRPr lang="en-US"/>
+          </a:p>
+        </p:txBody>
+      </p:sp>
+      <p:pic>
+        <p:nvPicPr>
+          <p:cNvPr id="72" name="Picture 71"/>
+          <p:cNvPicPr>
+            <a:picLocks noChangeAspect="1"/>
+          </p:cNvPicPr>
+          <p:nvPr/>
+        </p:nvPicPr>
+        <p:blipFill>
+          <a:blip r:embed="rId3">
+            <a:lum bright="70000" contrast="-70000"/>
+          </a:blip>
+          <a:stretch>
+            <a:fillRect/>
+          </a:stretch>
+        </p:blipFill>
+        <p:spPr>
+          <a:xfrm>
+            <a:off x="2812509" y="5029027"/>
+            <a:ext cx="99872" cy="136492"/>
+          </a:xfrm>
+          <a:prstGeom prst="rect">
+            <a:avLst/>
+          </a:prstGeom>
+        </p:spPr>
+      </p:pic>
+      <p:sp>
+        <p:nvSpPr>
+          <p:cNvPr id="73" name="TextBox 72"/>
+          <p:cNvSpPr txBox="1"/>
+          <p:nvPr/>
+        </p:nvSpPr>
+        <p:spPr>
+          <a:xfrm>
+            <a:off x="1651349" y="5295623"/>
+            <a:ext cx="2339125" cy="338554"/>
+          </a:xfrm>
+          <a:prstGeom prst="rect">
+            <a:avLst/>
+          </a:prstGeom>
+          <a:noFill/>
+        </p:spPr>
+        <p:txBody>
+          <a:bodyPr wrap="square" rtlCol="0">
+            <a:spAutoFit/>
+          </a:bodyPr>
+          <a:lstStyle/>
+          <a:p>
+            <a:r>
+              <a:rPr lang="en-US" sz="1600" dirty="0" smtClean="0">
+                <a:solidFill>
+                  <a:schemeClr val="tx1">
+                    <a:lumMod val="75000"/>
+                  </a:schemeClr>
+                </a:solidFill>
+              </a:rPr>
+              <a:t>Related</a:t>
+            </a:r>
+            <a:endParaRPr lang="en-US" dirty="0">
+              <a:solidFill>
+                <a:schemeClr val="tx1">
+                  <a:lumMod val="75000"/>
+                </a:schemeClr>
+              </a:solidFill>
+            </a:endParaRPr>
+          </a:p>
+        </p:txBody>
+      </p:sp>
+      <p:sp>
+        <p:nvSpPr>
+          <p:cNvPr id="74" name="Oval 73"/>
+          <p:cNvSpPr/>
+          <p:nvPr/>
+        </p:nvSpPr>
+        <p:spPr>
+          <a:xfrm>
+            <a:off x="1782458" y="5605011"/>
+            <a:ext cx="237862" cy="237862"/>
+          </a:xfrm>
+          <a:prstGeom prst="ellipse">
+            <a:avLst/>
+          </a:prstGeom>
+          <a:noFill/>
+          <a:ln>
+            <a:solidFill>
+              <a:schemeClr val="tx1">
+                <a:lumMod val="85000"/>
+              </a:schemeClr>
+            </a:solidFill>
+          </a:ln>
+        </p:spPr>
+        <p:style>
+          <a:lnRef idx="2">
+            <a:schemeClr val="accent1">
+              <a:shade val="50000"/>
+            </a:schemeClr>
+          </a:lnRef>
+          <a:fillRef idx="1">
+            <a:schemeClr val="accent1"/>
+          </a:fillRef>
+          <a:effectRef idx="0">
+            <a:schemeClr val="accent1"/>
+          </a:effectRef>
+          <a:fontRef idx="minor">
+            <a:schemeClr val="lt1"/>
+          </a:fontRef>
+        </p:style>
+        <p:txBody>
+          <a:bodyPr rtlCol="0" anchor="ctr"/>
+          <a:lstStyle/>
+          <a:p>
+            <a:pPr algn="ctr"/>
+            <a:endParaRPr lang="en-US"/>
+          </a:p>
+        </p:txBody>
+      </p:sp>
+      <p:pic>
+        <p:nvPicPr>
+          <p:cNvPr id="75" name="Picture 74"/>
+          <p:cNvPicPr>
+            <a:picLocks noChangeAspect="1"/>
+          </p:cNvPicPr>
+          <p:nvPr/>
+        </p:nvPicPr>
+        <p:blipFill>
+          <a:blip r:embed="rId3">
+            <a:lum bright="70000" contrast="-70000"/>
+          </a:blip>
+          <a:stretch>
+            <a:fillRect/>
+          </a:stretch>
+        </p:blipFill>
+        <p:spPr>
+          <a:xfrm>
+            <a:off x="1857028" y="5663801"/>
+            <a:ext cx="99872" cy="136492"/>
+          </a:xfrm>
+          <a:prstGeom prst="rect">
+            <a:avLst/>
+          </a:prstGeom>
+        </p:spPr>
+      </p:pic>
+      <p:sp>
+        <p:nvSpPr>
+          <p:cNvPr id="76" name="Oval 75"/>
+          <p:cNvSpPr/>
+          <p:nvPr/>
+        </p:nvSpPr>
+        <p:spPr>
+          <a:xfrm>
+            <a:off x="2101835" y="5606338"/>
+            <a:ext cx="237862" cy="237862"/>
+          </a:xfrm>
+          <a:prstGeom prst="ellipse">
+            <a:avLst/>
+          </a:prstGeom>
+          <a:noFill/>
+          <a:ln>
+            <a:solidFill>
+              <a:schemeClr val="tx1">
+                <a:lumMod val="85000"/>
+              </a:schemeClr>
+            </a:solidFill>
+          </a:ln>
+        </p:spPr>
+        <p:style>
+          <a:lnRef idx="2">
+            <a:schemeClr val="accent1">
+              <a:shade val="50000"/>
+            </a:schemeClr>
+          </a:lnRef>
+          <a:fillRef idx="1">
+            <a:schemeClr val="accent1"/>
+          </a:fillRef>
+          <a:effectRef idx="0">
+            <a:schemeClr val="accent1"/>
+          </a:effectRef>
+          <a:fontRef idx="minor">
+            <a:schemeClr val="lt1"/>
+          </a:fontRef>
+        </p:style>
+        <p:txBody>
+          <a:bodyPr rtlCol="0" anchor="ctr"/>
+          <a:lstStyle/>
+          <a:p>
+            <a:pPr algn="ctr"/>
+            <a:endParaRPr lang="en-US"/>
+          </a:p>
+        </p:txBody>
+      </p:sp>
+      <p:pic>
+        <p:nvPicPr>
+          <p:cNvPr id="77" name="Picture 76"/>
+          <p:cNvPicPr>
+            <a:picLocks noChangeAspect="1"/>
+          </p:cNvPicPr>
+          <p:nvPr/>
+        </p:nvPicPr>
+        <p:blipFill>
+          <a:blip r:embed="rId3">
+            <a:lum bright="70000" contrast="-70000"/>
+          </a:blip>
+          <a:stretch>
+            <a:fillRect/>
+          </a:stretch>
+        </p:blipFill>
+        <p:spPr>
+          <a:xfrm>
+            <a:off x="2176405" y="5665128"/>
+            <a:ext cx="99872" cy="136492"/>
+          </a:xfrm>
+          <a:prstGeom prst="rect">
+            <a:avLst/>
+          </a:prstGeom>
+        </p:spPr>
+      </p:pic>
+      <p:sp>
+        <p:nvSpPr>
+          <p:cNvPr id="78" name="Oval 77"/>
+          <p:cNvSpPr/>
+          <p:nvPr/>
+        </p:nvSpPr>
+        <p:spPr>
+          <a:xfrm>
+            <a:off x="2435789" y="5606338"/>
+            <a:ext cx="237862" cy="237862"/>
+          </a:xfrm>
+          <a:prstGeom prst="ellipse">
+            <a:avLst/>
+          </a:prstGeom>
+          <a:noFill/>
+          <a:ln>
+            <a:solidFill>
+              <a:schemeClr val="tx1">
+                <a:lumMod val="85000"/>
+              </a:schemeClr>
+            </a:solidFill>
+          </a:ln>
+        </p:spPr>
+        <p:style>
+          <a:lnRef idx="2">
+            <a:schemeClr val="accent1">
+              <a:shade val="50000"/>
+            </a:schemeClr>
+          </a:lnRef>
+          <a:fillRef idx="1">
+            <a:schemeClr val="accent1"/>
+          </a:fillRef>
+          <a:effectRef idx="0">
+            <a:schemeClr val="accent1"/>
+          </a:effectRef>
+          <a:fontRef idx="minor">
+            <a:schemeClr val="lt1"/>
+          </a:fontRef>
+        </p:style>
+        <p:txBody>
+          <a:bodyPr rtlCol="0" anchor="ctr"/>
+          <a:lstStyle/>
+          <a:p>
+            <a:pPr algn="ctr"/>
+            <a:endParaRPr lang="en-US"/>
+          </a:p>
+        </p:txBody>
+      </p:sp>
+      <p:pic>
+        <p:nvPicPr>
+          <p:cNvPr id="79" name="Picture 78"/>
+          <p:cNvPicPr>
+            <a:picLocks noChangeAspect="1"/>
+          </p:cNvPicPr>
+          <p:nvPr/>
+        </p:nvPicPr>
+        <p:blipFill>
+          <a:blip r:embed="rId3">
+            <a:lum bright="70000" contrast="-70000"/>
+          </a:blip>
+          <a:stretch>
+            <a:fillRect/>
+          </a:stretch>
+        </p:blipFill>
+        <p:spPr>
+          <a:xfrm>
+            <a:off x="2510359" y="5665128"/>
+            <a:ext cx="99872" cy="136492"/>
+          </a:xfrm>
+          <a:prstGeom prst="rect">
+            <a:avLst/>
+          </a:prstGeom>
+        </p:spPr>
+      </p:pic>
+      <p:sp>
+        <p:nvSpPr>
+          <p:cNvPr id="80" name="Oval 79"/>
+          <p:cNvSpPr/>
+          <p:nvPr/>
+        </p:nvSpPr>
+        <p:spPr>
+          <a:xfrm>
+            <a:off x="2755166" y="5607665"/>
+            <a:ext cx="237862" cy="237862"/>
+          </a:xfrm>
+          <a:prstGeom prst="ellipse">
+            <a:avLst/>
+          </a:prstGeom>
+          <a:noFill/>
+          <a:ln>
+            <a:solidFill>
+              <a:schemeClr val="tx1">
+                <a:lumMod val="85000"/>
+              </a:schemeClr>
+            </a:solidFill>
+          </a:ln>
+        </p:spPr>
+        <p:style>
+          <a:lnRef idx="2">
+            <a:schemeClr val="accent1">
+              <a:shade val="50000"/>
+            </a:schemeClr>
+          </a:lnRef>
+          <a:fillRef idx="1">
+            <a:schemeClr val="accent1"/>
+          </a:fillRef>
+          <a:effectRef idx="0">
+            <a:schemeClr val="accent1"/>
+          </a:effectRef>
+          <a:fontRef idx="minor">
+            <a:schemeClr val="lt1"/>
+          </a:fontRef>
+        </p:style>
+        <p:txBody>
+          <a:bodyPr rtlCol="0" anchor="ctr"/>
+          <a:lstStyle/>
+          <a:p>
+            <a:pPr algn="ctr"/>
+            <a:endParaRPr lang="en-US"/>
+          </a:p>
+        </p:txBody>
+      </p:sp>
+      <p:pic>
+        <p:nvPicPr>
+          <p:cNvPr id="81" name="Picture 80"/>
+          <p:cNvPicPr>
+            <a:picLocks noChangeAspect="1"/>
+          </p:cNvPicPr>
+          <p:nvPr/>
+        </p:nvPicPr>
+        <p:blipFill>
+          <a:blip r:embed="rId3">
+            <a:lum bright="70000" contrast="-70000"/>
+          </a:blip>
+          <a:stretch>
+            <a:fillRect/>
+          </a:stretch>
+        </p:blipFill>
+        <p:spPr>
+          <a:xfrm>
+            <a:off x="2829736" y="5666455"/>
+            <a:ext cx="99872" cy="136492"/>
+          </a:xfrm>
+          <a:prstGeom prst="rect">
+            <a:avLst/>
+          </a:prstGeom>
+        </p:spPr>
+      </p:pic>
+      <p:sp>
+        <p:nvSpPr>
+          <p:cNvPr id="82" name="Rectangle 81"/>
+          <p:cNvSpPr/>
+          <p:nvPr/>
+        </p:nvSpPr>
+        <p:spPr>
+          <a:xfrm>
+            <a:off x="1053296" y="1791868"/>
+            <a:ext cx="4361964" cy="4522399"/>
+          </a:xfrm>
+          <a:prstGeom prst="rect">
+            <a:avLst/>
+          </a:prstGeom>
+          <a:noFill/>
+          <a:ln>
+            <a:solidFill>
+              <a:schemeClr val="accent5">
+                <a:lumMod val="60000"/>
+                <a:lumOff val="40000"/>
+              </a:schemeClr>
+            </a:solidFill>
+          </a:ln>
+        </p:spPr>
+        <p:style>
+          <a:lnRef idx="2">
+            <a:schemeClr val="accent1">
+              <a:shade val="50000"/>
+            </a:schemeClr>
+          </a:lnRef>
+          <a:fillRef idx="1">
+            <a:schemeClr val="accent1"/>
+          </a:fillRef>
+          <a:effectRef idx="0">
+            <a:schemeClr val="accent1"/>
+          </a:effectRef>
+          <a:fontRef idx="minor">
+            <a:schemeClr val="lt1"/>
+          </a:fontRef>
+        </p:style>
+        <p:txBody>
+          <a:bodyPr rtlCol="0" anchor="ctr"/>
+          <a:lstStyle/>
+          <a:p>
+            <a:pPr algn="ctr"/>
+            <a:endParaRPr lang="en-US" dirty="0"/>
+          </a:p>
+        </p:txBody>
+      </p:sp>
+      <p:sp>
+        <p:nvSpPr>
+          <p:cNvPr id="83" name="TextBox 82"/>
+          <p:cNvSpPr txBox="1"/>
+          <p:nvPr/>
+        </p:nvSpPr>
+        <p:spPr>
+          <a:xfrm>
+            <a:off x="1534664" y="1319897"/>
+            <a:ext cx="8870977" cy="369332"/>
+          </a:xfrm>
+          <a:prstGeom prst="rect">
+            <a:avLst/>
+          </a:prstGeom>
+          <a:noFill/>
+        </p:spPr>
+        <p:txBody>
+          <a:bodyPr wrap="square" rtlCol="0">
+            <a:spAutoFit/>
+          </a:bodyPr>
+          <a:lstStyle/>
+          <a:p>
+            <a:pPr algn="ctr"/>
+            <a:r>
+              <a:rPr lang="en-US" dirty="0" smtClean="0">
+                <a:solidFill>
+                  <a:schemeClr val="tx1">
+                    <a:lumMod val="65000"/>
+                  </a:schemeClr>
+                </a:solidFill>
+              </a:rPr>
+              <a:t>Pas trop </a:t>
+            </a:r>
+            <a:r>
+              <a:rPr lang="en-US" dirty="0" err="1" smtClean="0">
+                <a:solidFill>
+                  <a:schemeClr val="tx1">
+                    <a:lumMod val="65000"/>
+                  </a:schemeClr>
+                </a:solidFill>
+              </a:rPr>
+              <a:t>adapté</a:t>
+            </a:r>
+            <a:r>
+              <a:rPr lang="en-US" dirty="0" smtClean="0">
+                <a:solidFill>
+                  <a:schemeClr val="tx1">
+                    <a:lumMod val="65000"/>
+                  </a:schemeClr>
+                </a:solidFill>
+              </a:rPr>
+              <a:t> pour les clients, non ?</a:t>
+            </a:r>
+            <a:endParaRPr lang="en-US" dirty="0">
+              <a:solidFill>
+                <a:schemeClr val="tx1">
+                  <a:lumMod val="65000"/>
+                </a:schemeClr>
+              </a:solidFill>
+            </a:endParaRPr>
+          </a:p>
+        </p:txBody>
+      </p:sp>
+      <p:sp>
+        <p:nvSpPr>
+          <p:cNvPr id="84" name="TextBox 83"/>
+          <p:cNvSpPr txBox="1"/>
+          <p:nvPr/>
+        </p:nvSpPr>
+        <p:spPr>
+          <a:xfrm>
+            <a:off x="4229332" y="4564654"/>
+            <a:ext cx="1137943" cy="415498"/>
+          </a:xfrm>
+          <a:prstGeom prst="rect">
+            <a:avLst/>
+          </a:prstGeom>
+          <a:noFill/>
+        </p:spPr>
+        <p:txBody>
+          <a:bodyPr wrap="square" rtlCol="0">
+            <a:spAutoFit/>
+          </a:bodyPr>
+          <a:lstStyle/>
+          <a:p>
+            <a:pPr algn="ctr"/>
+            <a:r>
+              <a:rPr lang="en-US" sz="1050" dirty="0" smtClean="0">
+                <a:solidFill>
+                  <a:srgbClr val="FFC000"/>
+                </a:solidFill>
+              </a:rPr>
+              <a:t>Mapping des </a:t>
+            </a:r>
+            <a:r>
+              <a:rPr lang="en-US" sz="1050" dirty="0" err="1" smtClean="0">
+                <a:solidFill>
+                  <a:srgbClr val="FFC000"/>
+                </a:solidFill>
+              </a:rPr>
+              <a:t>réponses</a:t>
+            </a:r>
+            <a:r>
+              <a:rPr lang="en-US" sz="1050" dirty="0" smtClean="0">
+                <a:solidFill>
+                  <a:srgbClr val="FFC000"/>
+                </a:solidFill>
+              </a:rPr>
+              <a:t> de </a:t>
+            </a:r>
+            <a:r>
+              <a:rPr lang="en-US" sz="1050" dirty="0" err="1" smtClean="0">
+                <a:solidFill>
+                  <a:srgbClr val="FFC000"/>
+                </a:solidFill>
+              </a:rPr>
+              <a:t>l’API</a:t>
+            </a:r>
+            <a:endParaRPr lang="en-US" sz="1050" dirty="0">
+              <a:solidFill>
+                <a:srgbClr val="FFC000"/>
+              </a:solidFill>
+            </a:endParaRPr>
+          </a:p>
+        </p:txBody>
+      </p:sp>
     </p:spTree>
     <p:extLst>
       <p:ext uri="{BB962C8B-B14F-4D97-AF65-F5344CB8AC3E}">
@@ -7982,7 +9649,7 @@
                 <a:ea typeface="Open Sans" charset="0"/>
                 <a:cs typeface="Open Sans" charset="0"/>
               </a:rPr>
-              <a:t>Demain</a:t>
+              <a:t>Consommation</a:t>
             </a:r>
             <a:r>
               <a:rPr lang="en-US" b="1" dirty="0" smtClean="0">
@@ -7990,13 +9657,26 @@
                 <a:ea typeface="Open Sans" charset="0"/>
                 <a:cs typeface="Open Sans" charset="0"/>
               </a:rPr>
-              <a:t> avec </a:t>
+              <a:t> </a:t>
             </a:r>
             <a:r>
               <a:rPr lang="en-US" b="1" dirty="0" err="1" smtClean="0">
-                <a:solidFill>
-                  <a:srgbClr val="DB7AC3"/>
-                </a:solidFill>
+                <a:latin typeface="Open Sans" charset="0"/>
+                <a:ea typeface="Open Sans" charset="0"/>
+                <a:cs typeface="Open Sans" charset="0"/>
+              </a:rPr>
+              <a:t>d’une</a:t>
+            </a:r>
+            <a:r>
+              <a:rPr lang="en-US" b="1" dirty="0" smtClean="0">
+                <a:latin typeface="Open Sans" charset="0"/>
+                <a:ea typeface="Open Sans" charset="0"/>
+                <a:cs typeface="Open Sans" charset="0"/>
+              </a:rPr>
+              <a:t> API </a:t>
+            </a:r>
+            <a:r>
+              <a:rPr lang="en-US" b="1" dirty="0" err="1" smtClean="0">
                 <a:latin typeface="Open Sans" charset="0"/>
                 <a:ea typeface="Open Sans" charset="0"/>
                 <a:cs typeface="Open Sans" charset="0"/>
@@ -8004,9 +9684,6 @@
               <a:t>GraphQL</a:t>
             </a:r>
             <a:endParaRPr lang="en-US" b="1" dirty="0">
-              <a:solidFill>
-                <a:srgbClr val="DB7AC3"/>
-              </a:solidFill>
               <a:latin typeface="Open Sans" charset="0"/>
               <a:ea typeface="Open Sans" charset="0"/>
               <a:cs typeface="Open Sans" charset="0"/>
@@ -8022,8 +9699,8 @@
         </p:nvSpPr>
         <p:spPr>
           <a:xfrm>
-            <a:off x="3335627" y="1921226"/>
-            <a:ext cx="1571220" cy="684241"/>
+            <a:off x="8386743" y="5347083"/>
+            <a:ext cx="2339125" cy="684241"/>
           </a:xfrm>
           <a:prstGeom prst="rect">
             <a:avLst/>
@@ -8055,10 +9732,13 @@
           <a:bodyPr rtlCol="0" anchor="ctr"/>
           <a:lstStyle/>
           <a:p>
-            <a:pPr algn="ctr"/>
             <a:r>
               <a:rPr lang="en-US" dirty="0" smtClean="0"/>
-              <a:t>Service #2</a:t>
+              <a:t>/</a:t>
+            </a:r>
+            <a:r>
+              <a:rPr lang="en-US" dirty="0" err="1" smtClean="0"/>
+              <a:t>graphql</a:t>
             </a:r>
             <a:endParaRPr lang="en-US" dirty="0"/>
           </a:p>
@@ -8066,14 +9746,14 @@
       </p:sp>
       <p:sp>
         <p:nvSpPr>
-          <p:cNvPr id="13" name="Rectangle 12"/>
+          <p:cNvPr id="26" name="Rectangle 25"/>
           <p:cNvSpPr/>
           <p:nvPr/>
         </p:nvSpPr>
         <p:spPr>
           <a:xfrm>
-            <a:off x="1363013" y="1921227"/>
-            <a:ext cx="1571220" cy="684241"/>
+            <a:off x="8074160" y="4584306"/>
+            <a:ext cx="2956514" cy="1729961"/>
           </a:xfrm>
           <a:prstGeom prst="rect">
             <a:avLst/>
@@ -8081,7 +9761,10 @@
           <a:noFill/>
           <a:ln>
             <a:solidFill>
-              <a:srgbClr val="DB7AC3"/>
+              <a:schemeClr val="accent6">
+                <a:lumMod val="60000"/>
+                <a:lumOff val="40000"/>
+              </a:schemeClr>
             </a:solidFill>
           </a:ln>
         </p:spPr>
@@ -8106,24 +9789,284 @@
           <a:lstStyle/>
           <a:p>
             <a:pPr algn="ctr"/>
-            <a:r>
-              <a:rPr lang="en-US" smtClean="0"/>
-              <a:t>Service #1</a:t>
-            </a:r>
             <a:endParaRPr lang="en-US" dirty="0"/>
           </a:p>
         </p:txBody>
       </p:sp>
       <p:sp>
         <p:nvSpPr>
-          <p:cNvPr id="14" name="Rectangle 13"/>
+          <p:cNvPr id="10" name="TextBox 9"/>
+          <p:cNvSpPr txBox="1"/>
+          <p:nvPr/>
+        </p:nvSpPr>
+        <p:spPr>
+          <a:xfrm>
+            <a:off x="8386742" y="4780627"/>
+            <a:ext cx="2339125" cy="369332"/>
+          </a:xfrm>
+          <a:prstGeom prst="rect">
+            <a:avLst/>
+          </a:prstGeom>
+          <a:noFill/>
+        </p:spPr>
+        <p:txBody>
+          <a:bodyPr wrap="square" rtlCol="0">
+            <a:spAutoFit/>
+          </a:bodyPr>
+          <a:lstStyle/>
+          <a:p>
+            <a:r>
+              <a:rPr lang="en-US" dirty="0" smtClean="0">
+                <a:solidFill>
+                  <a:schemeClr val="accent6">
+                    <a:lumMod val="40000"/>
+                    <a:lumOff val="60000"/>
+                  </a:schemeClr>
+                </a:solidFill>
+              </a:rPr>
+              <a:t>Public </a:t>
+            </a:r>
+            <a:r>
+              <a:rPr lang="en-US" dirty="0" err="1" smtClean="0">
+                <a:solidFill>
+                  <a:schemeClr val="accent6">
+                    <a:lumMod val="40000"/>
+                    <a:lumOff val="60000"/>
+                  </a:schemeClr>
+                </a:solidFill>
+              </a:rPr>
+              <a:t>GraphQL</a:t>
+            </a:r>
+            <a:r>
+              <a:rPr lang="en-US" dirty="0" smtClean="0">
+                <a:solidFill>
+                  <a:schemeClr val="accent6">
+                    <a:lumMod val="40000"/>
+                    <a:lumOff val="60000"/>
+                  </a:schemeClr>
+                </a:solidFill>
+              </a:rPr>
+              <a:t> API</a:t>
+            </a:r>
+            <a:endParaRPr lang="en-US" dirty="0">
+              <a:solidFill>
+                <a:schemeClr val="accent6">
+                  <a:lumMod val="40000"/>
+                  <a:lumOff val="60000"/>
+                </a:schemeClr>
+              </a:solidFill>
+            </a:endParaRPr>
+          </a:p>
+        </p:txBody>
+      </p:sp>
+      <p:cxnSp>
+        <p:nvCxnSpPr>
+          <p:cNvPr id="29" name="Straight Arrow Connector 28"/>
+          <p:cNvCxnSpPr/>
+          <p:nvPr/>
+        </p:nvCxnSpPr>
+        <p:spPr>
+          <a:xfrm flipV="1">
+            <a:off x="5532701" y="5712102"/>
+            <a:ext cx="2314937" cy="1"/>
+          </a:xfrm>
+          <a:prstGeom prst="straightConnector1">
+            <a:avLst/>
+          </a:prstGeom>
+          <a:ln w="19050">
+            <a:solidFill>
+              <a:schemeClr val="tx1">
+                <a:lumMod val="85000"/>
+              </a:schemeClr>
+            </a:solidFill>
+            <a:tailEnd type="triangle"/>
+          </a:ln>
+        </p:spPr>
+        <p:style>
+          <a:lnRef idx="1">
+            <a:schemeClr val="accent1"/>
+          </a:lnRef>
+          <a:fillRef idx="0">
+            <a:schemeClr val="accent1"/>
+          </a:fillRef>
+          <a:effectRef idx="0">
+            <a:schemeClr val="accent1"/>
+          </a:effectRef>
+          <a:fontRef idx="minor">
+            <a:schemeClr val="tx1"/>
+          </a:fontRef>
+        </p:style>
+      </p:cxnSp>
+      <p:sp>
+        <p:nvSpPr>
+          <p:cNvPr id="39" name="TextBox 38"/>
+          <p:cNvSpPr txBox="1"/>
+          <p:nvPr/>
+        </p:nvSpPr>
+        <p:spPr>
+          <a:xfrm>
+            <a:off x="6376421" y="5385123"/>
+            <a:ext cx="589674" cy="338554"/>
+          </a:xfrm>
+          <a:prstGeom prst="rect">
+            <a:avLst/>
+          </a:prstGeom>
+          <a:noFill/>
+        </p:spPr>
+        <p:txBody>
+          <a:bodyPr wrap="square" rtlCol="0">
+            <a:spAutoFit/>
+          </a:bodyPr>
+          <a:lstStyle/>
+          <a:p>
+            <a:r>
+              <a:rPr lang="en-US" sz="1600" smtClean="0">
+                <a:solidFill>
+                  <a:schemeClr val="tx1">
+                    <a:lumMod val="65000"/>
+                  </a:schemeClr>
+                </a:solidFill>
+              </a:rPr>
+              <a:t>http</a:t>
+            </a:r>
+            <a:endParaRPr lang="en-US" sz="1600" dirty="0">
+              <a:solidFill>
+                <a:schemeClr val="tx1">
+                  <a:lumMod val="65000"/>
+                </a:schemeClr>
+              </a:solidFill>
+            </a:endParaRPr>
+          </a:p>
+        </p:txBody>
+      </p:sp>
+      <p:sp>
+        <p:nvSpPr>
+          <p:cNvPr id="44" name="TextBox 43"/>
+          <p:cNvSpPr txBox="1"/>
+          <p:nvPr/>
+        </p:nvSpPr>
+        <p:spPr>
+          <a:xfrm>
+            <a:off x="1169043" y="1871562"/>
+            <a:ext cx="3229337" cy="769441"/>
+          </a:xfrm>
+          <a:prstGeom prst="rect">
+            <a:avLst/>
+          </a:prstGeom>
+          <a:noFill/>
+          <a:ln>
+            <a:noFill/>
+          </a:ln>
+        </p:spPr>
+        <p:txBody>
+          <a:bodyPr wrap="square" rtlCol="0">
+            <a:spAutoFit/>
+          </a:bodyPr>
+          <a:lstStyle/>
+          <a:p>
+            <a:pPr algn="ctr"/>
+            <a:r>
+              <a:rPr lang="en-US" sz="3200" dirty="0" smtClean="0">
+                <a:solidFill>
+                  <a:schemeClr val="accent5">
+                    <a:lumMod val="60000"/>
+                    <a:lumOff val="40000"/>
+                  </a:schemeClr>
+                </a:solidFill>
+              </a:rPr>
+              <a:t>Client</a:t>
+            </a:r>
+            <a:endParaRPr lang="en-US" dirty="0" smtClean="0">
+              <a:solidFill>
+                <a:schemeClr val="accent5">
+                  <a:lumMod val="60000"/>
+                  <a:lumOff val="40000"/>
+                </a:schemeClr>
+              </a:solidFill>
+            </a:endParaRPr>
+          </a:p>
+          <a:p>
+            <a:pPr algn="ctr"/>
+            <a:r>
+              <a:rPr lang="en-US" sz="1200" dirty="0" smtClean="0">
+                <a:solidFill>
+                  <a:schemeClr val="tx1">
+                    <a:lumMod val="85000"/>
+                  </a:schemeClr>
+                </a:solidFill>
+              </a:rPr>
+              <a:t>(</a:t>
+            </a:r>
+            <a:r>
+              <a:rPr lang="en-US" sz="1200" dirty="0" err="1" smtClean="0">
+                <a:solidFill>
+                  <a:schemeClr val="tx1">
+                    <a:lumMod val="85000"/>
+                  </a:schemeClr>
+                </a:solidFill>
+              </a:rPr>
+              <a:t>js</a:t>
+            </a:r>
+            <a:r>
+              <a:rPr lang="en-US" sz="1200" dirty="0" smtClean="0">
+                <a:solidFill>
+                  <a:schemeClr val="tx1">
+                    <a:lumMod val="85000"/>
+                  </a:schemeClr>
+                </a:solidFill>
+              </a:rPr>
+              <a:t>, iOS App, Android App </a:t>
+            </a:r>
+            <a:r>
+              <a:rPr lang="en-US" sz="1200" dirty="0" err="1" smtClean="0">
+                <a:solidFill>
+                  <a:schemeClr val="tx1">
+                    <a:lumMod val="85000"/>
+                  </a:schemeClr>
+                </a:solidFill>
+              </a:rPr>
+              <a:t>etc</a:t>
+            </a:r>
+            <a:r>
+              <a:rPr lang="en-US" sz="1200" dirty="0" smtClean="0">
+                <a:solidFill>
+                  <a:schemeClr val="tx1">
+                    <a:lumMod val="85000"/>
+                  </a:schemeClr>
+                </a:solidFill>
+              </a:rPr>
+              <a:t> </a:t>
+            </a:r>
+            <a:r>
+              <a:rPr lang="is-IS" sz="1200" dirty="0" smtClean="0">
+                <a:solidFill>
+                  <a:schemeClr val="tx1">
+                    <a:lumMod val="85000"/>
+                  </a:schemeClr>
+                </a:solidFill>
+              </a:rPr>
+              <a:t>…)</a:t>
+            </a:r>
+            <a:endParaRPr lang="en-US" sz="1200" dirty="0">
+              <a:solidFill>
+                <a:schemeClr val="tx1">
+                  <a:lumMod val="85000"/>
+                </a:schemeClr>
+              </a:solidFill>
+            </a:endParaRPr>
+          </a:p>
+        </p:txBody>
+      </p:sp>
+      <p:sp>
+        <p:nvSpPr>
+          <p:cNvPr id="45" name="Rectangle 44"/>
           <p:cNvSpPr/>
           <p:nvPr/>
         </p:nvSpPr>
         <p:spPr>
           <a:xfrm>
-            <a:off x="5308241" y="1921226"/>
-            <a:ext cx="1571220" cy="684241"/>
+            <a:off x="1534664" y="2797187"/>
+            <a:ext cx="2546228" cy="3337082"/>
           </a:xfrm>
           <a:prstGeom prst="rect">
             <a:avLst/>
@@ -8131,7 +10074,9 @@
           <a:noFill/>
           <a:ln>
             <a:solidFill>
-              <a:srgbClr val="DB7AC3"/>
+              <a:schemeClr val="tx1">
+                <a:lumMod val="85000"/>
+              </a:schemeClr>
             </a:solidFill>
           </a:ln>
         </p:spPr>
@@ -8156,32 +10101,72 @@
           <a:lstStyle/>
           <a:p>
             <a:pPr algn="ctr"/>
-            <a:r>
-              <a:rPr lang="en-US" dirty="0" smtClean="0"/>
-              <a:t>Service #3</a:t>
-            </a:r>
             <a:endParaRPr lang="en-US" dirty="0"/>
           </a:p>
         </p:txBody>
       </p:sp>
       <p:sp>
         <p:nvSpPr>
-          <p:cNvPr id="15" name="Rectangle 14"/>
+          <p:cNvPr id="46" name="TextBox 45"/>
+          <p:cNvSpPr txBox="1"/>
+          <p:nvPr/>
+        </p:nvSpPr>
+        <p:spPr>
+          <a:xfrm>
+            <a:off x="1654283" y="3023948"/>
+            <a:ext cx="2339125" cy="369332"/>
+          </a:xfrm>
+          <a:prstGeom prst="rect">
+            <a:avLst/>
+          </a:prstGeom>
+          <a:noFill/>
+        </p:spPr>
+        <p:txBody>
+          <a:bodyPr wrap="square" rtlCol="0">
+            <a:spAutoFit/>
+          </a:bodyPr>
+          <a:lstStyle/>
+          <a:p>
+            <a:r>
+              <a:rPr lang="en-US" dirty="0" smtClean="0">
+                <a:solidFill>
+                  <a:schemeClr val="tx1">
+                    <a:lumMod val="75000"/>
+                  </a:schemeClr>
+                </a:solidFill>
+              </a:rPr>
+              <a:t>Profile</a:t>
+            </a:r>
+            <a:endParaRPr lang="en-US" dirty="0">
+              <a:solidFill>
+                <a:schemeClr val="tx1">
+                  <a:lumMod val="75000"/>
+                </a:schemeClr>
+              </a:solidFill>
+            </a:endParaRPr>
+          </a:p>
+        </p:txBody>
+      </p:sp>
+      <p:sp>
+        <p:nvSpPr>
+          <p:cNvPr id="36" name="Oval 35"/>
           <p:cNvSpPr/>
           <p:nvPr/>
         </p:nvSpPr>
         <p:spPr>
           <a:xfrm>
-            <a:off x="7280855" y="1917890"/>
-            <a:ext cx="1571220" cy="684241"/>
-          </a:xfrm>
-          <a:prstGeom prst="rect">
+            <a:off x="1749359" y="3422275"/>
+            <a:ext cx="350964" cy="350964"/>
+          </a:xfrm>
+          <a:prstGeom prst="ellipse">
             <a:avLst/>
           </a:prstGeom>
           <a:noFill/>
           <a:ln>
             <a:solidFill>
-              <a:srgbClr val="DB7AC3"/>
+              <a:schemeClr val="tx1">
+                <a:lumMod val="85000"/>
+              </a:schemeClr>
             </a:solidFill>
           </a:ln>
         </p:spPr>
@@ -8206,33 +10191,57 @@
           <a:lstStyle/>
           <a:p>
             <a:pPr algn="ctr"/>
-            <a:r>
-              <a:rPr lang="en-US" dirty="0" smtClean="0"/>
-              <a:t>Service #4</a:t>
-            </a:r>
-            <a:endParaRPr lang="en-US" dirty="0"/>
-          </a:p>
-        </p:txBody>
-      </p:sp>
-      <p:sp>
-        <p:nvSpPr>
-          <p:cNvPr id="16" name="Rectangle 15"/>
+            <a:endParaRPr lang="en-US"/>
+          </a:p>
+        </p:txBody>
+      </p:sp>
+      <p:pic>
+        <p:nvPicPr>
+          <p:cNvPr id="47" name="Picture 46"/>
+          <p:cNvPicPr>
+            <a:picLocks noChangeAspect="1"/>
+          </p:cNvPicPr>
+          <p:nvPr/>
+        </p:nvPicPr>
+        <p:blipFill>
+          <a:blip r:embed="rId2">
+            <a:lum bright="70000" contrast="-70000"/>
+          </a:blip>
+          <a:stretch>
+            <a:fillRect/>
+          </a:stretch>
+        </p:blipFill>
+        <p:spPr>
+          <a:xfrm>
+            <a:off x="1855732" y="3481065"/>
+            <a:ext cx="147361" cy="201394"/>
+          </a:xfrm>
+          <a:prstGeom prst="rect">
+            <a:avLst/>
+          </a:prstGeom>
+        </p:spPr>
+      </p:pic>
+      <p:sp>
+        <p:nvSpPr>
+          <p:cNvPr id="48" name="Rectangle 47"/>
           <p:cNvSpPr/>
           <p:nvPr/>
         </p:nvSpPr>
         <p:spPr>
           <a:xfrm>
-            <a:off x="9253469" y="1917890"/>
-            <a:ext cx="1571220" cy="684241"/>
+            <a:off x="2211879" y="3457694"/>
+            <a:ext cx="994283" cy="124935"/>
           </a:xfrm>
           <a:prstGeom prst="rect">
             <a:avLst/>
           </a:prstGeom>
-          <a:noFill/>
+          <a:solidFill>
+            <a:schemeClr val="tx1">
+              <a:lumMod val="75000"/>
+            </a:schemeClr>
+          </a:solidFill>
           <a:ln>
-            <a:solidFill>
-              <a:srgbClr val="DB7AC3"/>
-            </a:solidFill>
+            <a:noFill/>
           </a:ln>
         </p:spPr>
         <p:style>
@@ -8256,36 +10265,31 @@
           <a:lstStyle/>
           <a:p>
             <a:pPr algn="ctr"/>
-            <a:r>
-              <a:rPr lang="en-US" dirty="0" smtClean="0"/>
-              <a:t>Service #5</a:t>
-            </a:r>
-            <a:endParaRPr lang="en-US" dirty="0"/>
-          </a:p>
-        </p:txBody>
-      </p:sp>
-      <p:sp>
-        <p:nvSpPr>
-          <p:cNvPr id="17" name="Rectangle 16"/>
+            <a:endParaRPr lang="en-US"/>
+          </a:p>
+        </p:txBody>
+      </p:sp>
+      <p:sp>
+        <p:nvSpPr>
+          <p:cNvPr id="49" name="Rectangle 48"/>
           <p:cNvSpPr/>
           <p:nvPr/>
         </p:nvSpPr>
         <p:spPr>
           <a:xfrm>
-            <a:off x="2779689" y="5647619"/>
-            <a:ext cx="1571220" cy="684241"/>
+            <a:off x="2212779" y="3628820"/>
+            <a:ext cx="492080" cy="53639"/>
           </a:xfrm>
           <a:prstGeom prst="rect">
             <a:avLst/>
           </a:prstGeom>
-          <a:noFill/>
+          <a:solidFill>
+            <a:schemeClr val="tx1">
+              <a:lumMod val="65000"/>
+            </a:schemeClr>
+          </a:solidFill>
           <a:ln>
-            <a:solidFill>
-              <a:schemeClr val="accent6">
-                <a:lumMod val="60000"/>
-                <a:lumOff val="40000"/>
-              </a:schemeClr>
-            </a:solidFill>
+            <a:noFill/>
           </a:ln>
         </p:spPr>
         <p:style>
@@ -8309,36 +10313,31 @@
           <a:lstStyle/>
           <a:p>
             <a:pPr algn="ctr"/>
-            <a:r>
-              <a:rPr lang="en-US" dirty="0" smtClean="0"/>
-              <a:t>/resource1</a:t>
-            </a:r>
-            <a:endParaRPr lang="en-US" dirty="0"/>
-          </a:p>
-        </p:txBody>
-      </p:sp>
-      <p:sp>
-        <p:nvSpPr>
-          <p:cNvPr id="18" name="Rectangle 17"/>
+            <a:endParaRPr lang="en-US"/>
+          </a:p>
+        </p:txBody>
+      </p:sp>
+      <p:sp>
+        <p:nvSpPr>
+          <p:cNvPr id="50" name="Rectangle 49"/>
           <p:cNvSpPr/>
           <p:nvPr/>
         </p:nvSpPr>
         <p:spPr>
           <a:xfrm>
-            <a:off x="5308241" y="5647619"/>
-            <a:ext cx="1571220" cy="684241"/>
+            <a:off x="2214103" y="3725557"/>
+            <a:ext cx="182813" cy="52315"/>
           </a:xfrm>
           <a:prstGeom prst="rect">
             <a:avLst/>
           </a:prstGeom>
-          <a:noFill/>
+          <a:solidFill>
+            <a:schemeClr val="tx1">
+              <a:lumMod val="65000"/>
+            </a:schemeClr>
+          </a:solidFill>
           <a:ln>
-            <a:solidFill>
-              <a:schemeClr val="accent6">
-                <a:lumMod val="60000"/>
-                <a:lumOff val="40000"/>
-              </a:schemeClr>
-            </a:solidFill>
+            <a:noFill/>
           </a:ln>
         </p:spPr>
         <p:style>
@@ -8362,36 +10361,31 @@
           <a:lstStyle/>
           <a:p>
             <a:pPr algn="ctr"/>
-            <a:r>
-              <a:rPr lang="en-US" dirty="0" smtClean="0"/>
-              <a:t>/resource2</a:t>
-            </a:r>
-            <a:endParaRPr lang="en-US" dirty="0"/>
-          </a:p>
-        </p:txBody>
-      </p:sp>
-      <p:sp>
-        <p:nvSpPr>
-          <p:cNvPr id="19" name="Rectangle 18"/>
+            <a:endParaRPr lang="en-US"/>
+          </a:p>
+        </p:txBody>
+      </p:sp>
+      <p:sp>
+        <p:nvSpPr>
+          <p:cNvPr id="51" name="Rectangle 50"/>
           <p:cNvSpPr/>
           <p:nvPr/>
         </p:nvSpPr>
         <p:spPr>
           <a:xfrm>
-            <a:off x="7816402" y="5647619"/>
-            <a:ext cx="1571220" cy="684241"/>
+            <a:off x="2436738" y="3725562"/>
+            <a:ext cx="343024" cy="47678"/>
           </a:xfrm>
           <a:prstGeom prst="rect">
             <a:avLst/>
           </a:prstGeom>
-          <a:noFill/>
+          <a:solidFill>
+            <a:schemeClr val="tx1">
+              <a:lumMod val="65000"/>
+            </a:schemeClr>
+          </a:solidFill>
           <a:ln>
-            <a:solidFill>
-              <a:schemeClr val="accent6">
-                <a:lumMod val="60000"/>
-                <a:lumOff val="40000"/>
-              </a:schemeClr>
-            </a:solidFill>
+            <a:noFill/>
           </a:ln>
         </p:spPr>
         <p:style>
@@ -8415,322 +10409,31 @@
           <a:lstStyle/>
           <a:p>
             <a:pPr algn="ctr"/>
-            <a:r>
-              <a:rPr lang="en-US" dirty="0" smtClean="0"/>
-              <a:t>/resource3</a:t>
-            </a:r>
-            <a:endParaRPr lang="en-US" dirty="0"/>
-          </a:p>
-        </p:txBody>
-      </p:sp>
-      <p:cxnSp>
-        <p:nvCxnSpPr>
-          <p:cNvPr id="20" name="Straight Arrow Connector 19"/>
-          <p:cNvCxnSpPr>
-            <a:stCxn id="22" idx="0"/>
-            <a:endCxn id="13" idx="2"/>
-          </p:cNvCxnSpPr>
-          <p:nvPr/>
-        </p:nvCxnSpPr>
-        <p:spPr>
-          <a:xfrm flipH="1" flipV="1">
-            <a:off x="2148623" y="2605468"/>
-            <a:ext cx="3945228" cy="1236984"/>
-          </a:xfrm>
-          <a:prstGeom prst="straightConnector1">
-            <a:avLst/>
-          </a:prstGeom>
-          <a:ln w="19050">
-            <a:solidFill>
-              <a:schemeClr val="tx1">
-                <a:lumMod val="85000"/>
-              </a:schemeClr>
-            </a:solidFill>
-            <a:tailEnd type="triangle"/>
-          </a:ln>
-        </p:spPr>
-        <p:style>
-          <a:lnRef idx="1">
-            <a:schemeClr val="accent1"/>
-          </a:lnRef>
-          <a:fillRef idx="0">
-            <a:schemeClr val="accent1"/>
-          </a:fillRef>
-          <a:effectRef idx="0">
-            <a:schemeClr val="accent1"/>
-          </a:effectRef>
-          <a:fontRef idx="minor">
-            <a:schemeClr val="tx1"/>
-          </a:fontRef>
-        </p:style>
-      </p:cxnSp>
-      <p:cxnSp>
-        <p:nvCxnSpPr>
-          <p:cNvPr id="21" name="Straight Arrow Connector 20"/>
-          <p:cNvCxnSpPr>
-            <a:stCxn id="17" idx="0"/>
-            <a:endCxn id="22" idx="2"/>
-          </p:cNvCxnSpPr>
-          <p:nvPr/>
-        </p:nvCxnSpPr>
-        <p:spPr>
-          <a:xfrm flipV="1">
-            <a:off x="3565299" y="4526693"/>
-            <a:ext cx="2528552" cy="1120926"/>
-          </a:xfrm>
-          <a:prstGeom prst="straightConnector1">
-            <a:avLst/>
-          </a:prstGeom>
-          <a:ln w="19050">
-            <a:solidFill>
-              <a:schemeClr val="tx1">
-                <a:lumMod val="85000"/>
-              </a:schemeClr>
-            </a:solidFill>
-            <a:tailEnd type="triangle"/>
-          </a:ln>
-        </p:spPr>
-        <p:style>
-          <a:lnRef idx="1">
-            <a:schemeClr val="accent1"/>
-          </a:lnRef>
-          <a:fillRef idx="0">
-            <a:schemeClr val="accent1"/>
-          </a:fillRef>
-          <a:effectRef idx="0">
-            <a:schemeClr val="accent1"/>
-          </a:effectRef>
-          <a:fontRef idx="minor">
-            <a:schemeClr val="tx1"/>
-          </a:fontRef>
-        </p:style>
-      </p:cxnSp>
-      <p:cxnSp>
-        <p:nvCxnSpPr>
-          <p:cNvPr id="25" name="Straight Arrow Connector 24"/>
-          <p:cNvCxnSpPr>
-            <a:stCxn id="22" idx="0"/>
-            <a:endCxn id="16" idx="2"/>
-          </p:cNvCxnSpPr>
-          <p:nvPr/>
-        </p:nvCxnSpPr>
-        <p:spPr>
-          <a:xfrm flipV="1">
-            <a:off x="6093851" y="2602131"/>
-            <a:ext cx="3945228" cy="1240321"/>
-          </a:xfrm>
-          <a:prstGeom prst="straightConnector1">
-            <a:avLst/>
-          </a:prstGeom>
-          <a:ln w="19050">
-            <a:solidFill>
-              <a:schemeClr val="tx1">
-                <a:lumMod val="85000"/>
-              </a:schemeClr>
-            </a:solidFill>
-            <a:tailEnd type="triangle"/>
-          </a:ln>
-        </p:spPr>
-        <p:style>
-          <a:lnRef idx="1">
-            <a:schemeClr val="accent1"/>
-          </a:lnRef>
-          <a:fillRef idx="0">
-            <a:schemeClr val="accent1"/>
-          </a:fillRef>
-          <a:effectRef idx="0">
-            <a:schemeClr val="accent1"/>
-          </a:effectRef>
-          <a:fontRef idx="minor">
-            <a:schemeClr val="tx1"/>
-          </a:fontRef>
-        </p:style>
-      </p:cxnSp>
-      <p:cxnSp>
-        <p:nvCxnSpPr>
-          <p:cNvPr id="28" name="Straight Arrow Connector 27"/>
-          <p:cNvCxnSpPr>
-            <a:stCxn id="19" idx="0"/>
-            <a:endCxn id="22" idx="2"/>
-          </p:cNvCxnSpPr>
-          <p:nvPr/>
-        </p:nvCxnSpPr>
-        <p:spPr>
-          <a:xfrm flipH="1" flipV="1">
-            <a:off x="6093851" y="4526693"/>
-            <a:ext cx="2508161" cy="1120926"/>
-          </a:xfrm>
-          <a:prstGeom prst="straightConnector1">
-            <a:avLst/>
-          </a:prstGeom>
-          <a:ln w="19050">
-            <a:solidFill>
-              <a:schemeClr val="tx1">
-                <a:lumMod val="85000"/>
-              </a:schemeClr>
-            </a:solidFill>
-            <a:tailEnd type="triangle"/>
-          </a:ln>
-        </p:spPr>
-        <p:style>
-          <a:lnRef idx="1">
-            <a:schemeClr val="accent1"/>
-          </a:lnRef>
-          <a:fillRef idx="0">
-            <a:schemeClr val="accent1"/>
-          </a:fillRef>
-          <a:effectRef idx="0">
-            <a:schemeClr val="accent1"/>
-          </a:effectRef>
-          <a:fontRef idx="minor">
-            <a:schemeClr val="tx1"/>
-          </a:fontRef>
-        </p:style>
-      </p:cxnSp>
-      <p:cxnSp>
-        <p:nvCxnSpPr>
-          <p:cNvPr id="31" name="Straight Arrow Connector 30"/>
-          <p:cNvCxnSpPr>
-            <a:stCxn id="18" idx="0"/>
-            <a:endCxn id="22" idx="2"/>
-          </p:cNvCxnSpPr>
-          <p:nvPr/>
-        </p:nvCxnSpPr>
-        <p:spPr>
-          <a:xfrm flipV="1">
-            <a:off x="6093851" y="4526693"/>
-            <a:ext cx="0" cy="1120926"/>
-          </a:xfrm>
-          <a:prstGeom prst="straightConnector1">
-            <a:avLst/>
-          </a:prstGeom>
-          <a:ln w="19050">
-            <a:solidFill>
-              <a:schemeClr val="tx1">
-                <a:lumMod val="85000"/>
-              </a:schemeClr>
-            </a:solidFill>
-            <a:tailEnd type="triangle"/>
-          </a:ln>
-        </p:spPr>
-        <p:style>
-          <a:lnRef idx="1">
-            <a:schemeClr val="accent1"/>
-          </a:lnRef>
-          <a:fillRef idx="0">
-            <a:schemeClr val="accent1"/>
-          </a:fillRef>
-          <a:effectRef idx="0">
-            <a:schemeClr val="accent1"/>
-          </a:effectRef>
-          <a:fontRef idx="minor">
-            <a:schemeClr val="tx1"/>
-          </a:fontRef>
-        </p:style>
-      </p:cxnSp>
-      <p:cxnSp>
-        <p:nvCxnSpPr>
-          <p:cNvPr id="38" name="Straight Arrow Connector 37"/>
-          <p:cNvCxnSpPr>
-            <a:stCxn id="22" idx="0"/>
-            <a:endCxn id="14" idx="2"/>
-          </p:cNvCxnSpPr>
-          <p:nvPr/>
-        </p:nvCxnSpPr>
-        <p:spPr>
-          <a:xfrm flipV="1">
-            <a:off x="6093851" y="2605467"/>
-            <a:ext cx="0" cy="1236985"/>
-          </a:xfrm>
-          <a:prstGeom prst="straightConnector1">
-            <a:avLst/>
-          </a:prstGeom>
-          <a:ln w="19050">
-            <a:solidFill>
-              <a:schemeClr val="tx1">
-                <a:lumMod val="85000"/>
-              </a:schemeClr>
-            </a:solidFill>
-            <a:tailEnd type="triangle"/>
-          </a:ln>
-        </p:spPr>
-        <p:style>
-          <a:lnRef idx="1">
-            <a:schemeClr val="accent1"/>
-          </a:lnRef>
-          <a:fillRef idx="0">
-            <a:schemeClr val="accent1"/>
-          </a:fillRef>
-          <a:effectRef idx="0">
-            <a:schemeClr val="accent1"/>
-          </a:effectRef>
-          <a:fontRef idx="minor">
-            <a:schemeClr val="tx1"/>
-          </a:fontRef>
-        </p:style>
-      </p:cxnSp>
-      <p:cxnSp>
-        <p:nvCxnSpPr>
-          <p:cNvPr id="41" name="Straight Arrow Connector 40"/>
-          <p:cNvCxnSpPr>
-            <a:stCxn id="22" idx="0"/>
-            <a:endCxn id="15" idx="2"/>
-          </p:cNvCxnSpPr>
-          <p:nvPr/>
-        </p:nvCxnSpPr>
-        <p:spPr>
-          <a:xfrm flipV="1">
-            <a:off x="6093851" y="2602131"/>
-            <a:ext cx="1972614" cy="1240321"/>
-          </a:xfrm>
-          <a:prstGeom prst="straightConnector1">
-            <a:avLst/>
-          </a:prstGeom>
-          <a:ln w="19050">
-            <a:solidFill>
-              <a:schemeClr val="tx1">
-                <a:lumMod val="85000"/>
-              </a:schemeClr>
-            </a:solidFill>
-            <a:tailEnd type="triangle"/>
-          </a:ln>
-        </p:spPr>
-        <p:style>
-          <a:lnRef idx="1">
-            <a:schemeClr val="accent1"/>
-          </a:lnRef>
-          <a:fillRef idx="0">
-            <a:schemeClr val="accent1"/>
-          </a:fillRef>
-          <a:effectRef idx="0">
-            <a:schemeClr val="accent1"/>
-          </a:effectRef>
-          <a:fontRef idx="minor">
-            <a:schemeClr val="tx1"/>
-          </a:fontRef>
-        </p:style>
-      </p:cxnSp>
-      <p:sp>
-        <p:nvSpPr>
-          <p:cNvPr id="22" name="Rectangle 21"/>
+            <a:endParaRPr lang="en-US"/>
+          </a:p>
+        </p:txBody>
+      </p:sp>
+      <p:sp>
+        <p:nvSpPr>
+          <p:cNvPr id="52" name="Rectangle 51"/>
           <p:cNvSpPr/>
           <p:nvPr/>
         </p:nvSpPr>
         <p:spPr>
           <a:xfrm>
-            <a:off x="5308241" y="3842452"/>
-            <a:ext cx="1571220" cy="684241"/>
+            <a:off x="2834307" y="3725563"/>
+            <a:ext cx="363905" cy="45719"/>
           </a:xfrm>
           <a:prstGeom prst="rect">
             <a:avLst/>
           </a:prstGeom>
           <a:solidFill>
-            <a:srgbClr val="DB7AC3"/>
+            <a:schemeClr val="tx1">
+              <a:lumMod val="65000"/>
+            </a:schemeClr>
           </a:solidFill>
           <a:ln>
-            <a:solidFill>
-              <a:srgbClr val="DB7AC3"/>
-            </a:solidFill>
+            <a:noFill/>
           </a:ln>
         </p:spPr>
         <p:style>
@@ -8754,59 +10457,1867 @@
           <a:lstStyle/>
           <a:p>
             <a:pPr algn="ctr"/>
-            <a:r>
-              <a:rPr lang="en-US" smtClean="0"/>
-              <a:t>GraphQL</a:t>
-            </a:r>
-            <a:endParaRPr lang="en-US" dirty="0"/>
-          </a:p>
-        </p:txBody>
-      </p:sp>
-      <p:cxnSp>
-        <p:nvCxnSpPr>
-          <p:cNvPr id="29" name="Straight Arrow Connector 28"/>
-          <p:cNvCxnSpPr>
-            <a:stCxn id="22" idx="0"/>
-            <a:endCxn id="2" idx="2"/>
-          </p:cNvCxnSpPr>
-          <p:nvPr/>
-        </p:nvCxnSpPr>
-        <p:spPr>
-          <a:xfrm flipH="1" flipV="1">
-            <a:off x="4121237" y="2605467"/>
-            <a:ext cx="1972614" cy="1236985"/>
-          </a:xfrm>
-          <a:prstGeom prst="straightConnector1">
-            <a:avLst/>
-          </a:prstGeom>
-          <a:ln w="19050">
-            <a:solidFill>
-              <a:schemeClr val="tx1">
-                <a:lumMod val="85000"/>
-              </a:schemeClr>
-            </a:solidFill>
-            <a:tailEnd type="triangle"/>
+            <a:endParaRPr lang="en-US"/>
+          </a:p>
+        </p:txBody>
+      </p:sp>
+      <p:sp>
+        <p:nvSpPr>
+          <p:cNvPr id="53" name="Rectangle 52"/>
+          <p:cNvSpPr/>
+          <p:nvPr/>
+        </p:nvSpPr>
+        <p:spPr>
+          <a:xfrm>
+            <a:off x="2756375" y="3629472"/>
+            <a:ext cx="339680" cy="52334"/>
+          </a:xfrm>
+          <a:prstGeom prst="rect">
+            <a:avLst/>
+          </a:prstGeom>
+          <a:solidFill>
+            <a:schemeClr val="tx1">
+              <a:lumMod val="65000"/>
+            </a:schemeClr>
+          </a:solidFill>
+          <a:ln>
+            <a:noFill/>
           </a:ln>
         </p:spPr>
         <p:style>
-          <a:lnRef idx="1">
-            <a:schemeClr val="accent1"/>
+          <a:lnRef idx="2">
+            <a:schemeClr val="accent1">
+              <a:shade val="50000"/>
+            </a:schemeClr>
           </a:lnRef>
-          <a:fillRef idx="0">
+          <a:fillRef idx="1">
             <a:schemeClr val="accent1"/>
           </a:fillRef>
           <a:effectRef idx="0">
             <a:schemeClr val="accent1"/>
           </a:effectRef>
           <a:fontRef idx="minor">
-            <a:schemeClr val="tx1"/>
+            <a:schemeClr val="lt1"/>
           </a:fontRef>
         </p:style>
-      </p:cxnSp>
+        <p:txBody>
+          <a:bodyPr rtlCol="0" anchor="ctr"/>
+          <a:lstStyle/>
+          <a:p>
+            <a:pPr algn="ctr"/>
+            <a:endParaRPr lang="en-US"/>
+          </a:p>
+        </p:txBody>
+      </p:sp>
+      <p:sp>
+        <p:nvSpPr>
+          <p:cNvPr id="54" name="Rectangle 53"/>
+          <p:cNvSpPr/>
+          <p:nvPr/>
+        </p:nvSpPr>
+        <p:spPr>
+          <a:xfrm>
+            <a:off x="3138153" y="3628820"/>
+            <a:ext cx="343024" cy="47678"/>
+          </a:xfrm>
+          <a:prstGeom prst="rect">
+            <a:avLst/>
+          </a:prstGeom>
+          <a:solidFill>
+            <a:schemeClr val="tx1">
+              <a:lumMod val="65000"/>
+            </a:schemeClr>
+          </a:solidFill>
+          <a:ln>
+            <a:noFill/>
+          </a:ln>
+        </p:spPr>
+        <p:style>
+          <a:lnRef idx="2">
+            <a:schemeClr val="accent1">
+              <a:shade val="50000"/>
+            </a:schemeClr>
+          </a:lnRef>
+          <a:fillRef idx="1">
+            <a:schemeClr val="accent1"/>
+          </a:fillRef>
+          <a:effectRef idx="0">
+            <a:schemeClr val="accent1"/>
+          </a:effectRef>
+          <a:fontRef idx="minor">
+            <a:schemeClr val="lt1"/>
+          </a:fontRef>
+        </p:style>
+        <p:txBody>
+          <a:bodyPr rtlCol="0" anchor="ctr"/>
+          <a:lstStyle/>
+          <a:p>
+            <a:pPr algn="ctr"/>
+            <a:endParaRPr lang="en-US"/>
+          </a:p>
+        </p:txBody>
+      </p:sp>
+      <p:sp>
+        <p:nvSpPr>
+          <p:cNvPr id="55" name="TextBox 54"/>
+          <p:cNvSpPr txBox="1"/>
+          <p:nvPr/>
+        </p:nvSpPr>
+        <p:spPr>
+          <a:xfrm>
+            <a:off x="1643934" y="3855178"/>
+            <a:ext cx="2339125" cy="369332"/>
+          </a:xfrm>
+          <a:prstGeom prst="rect">
+            <a:avLst/>
+          </a:prstGeom>
+          <a:noFill/>
+        </p:spPr>
+        <p:txBody>
+          <a:bodyPr wrap="square" rtlCol="0">
+            <a:spAutoFit/>
+          </a:bodyPr>
+          <a:lstStyle/>
+          <a:p>
+            <a:r>
+              <a:rPr lang="en-US" dirty="0" smtClean="0">
+                <a:solidFill>
+                  <a:schemeClr val="tx1">
+                    <a:lumMod val="75000"/>
+                  </a:schemeClr>
+                </a:solidFill>
+              </a:rPr>
+              <a:t>Videos</a:t>
+            </a:r>
+            <a:endParaRPr lang="en-US" dirty="0">
+              <a:solidFill>
+                <a:schemeClr val="tx1">
+                  <a:lumMod val="75000"/>
+                </a:schemeClr>
+              </a:solidFill>
+            </a:endParaRPr>
+          </a:p>
+        </p:txBody>
+      </p:sp>
+      <p:sp>
+        <p:nvSpPr>
+          <p:cNvPr id="56" name="Rectangle 55"/>
+          <p:cNvSpPr/>
+          <p:nvPr/>
+        </p:nvSpPr>
+        <p:spPr>
+          <a:xfrm>
+            <a:off x="1774553" y="4172669"/>
+            <a:ext cx="580448" cy="338856"/>
+          </a:xfrm>
+          <a:prstGeom prst="rect">
+            <a:avLst/>
+          </a:prstGeom>
+          <a:noFill/>
+          <a:ln>
+            <a:solidFill>
+              <a:schemeClr val="tx1">
+                <a:lumMod val="65000"/>
+              </a:schemeClr>
+            </a:solidFill>
+          </a:ln>
+        </p:spPr>
+        <p:style>
+          <a:lnRef idx="2">
+            <a:schemeClr val="accent1">
+              <a:shade val="50000"/>
+            </a:schemeClr>
+          </a:lnRef>
+          <a:fillRef idx="1">
+            <a:schemeClr val="accent1"/>
+          </a:fillRef>
+          <a:effectRef idx="0">
+            <a:schemeClr val="accent1"/>
+          </a:effectRef>
+          <a:fontRef idx="minor">
+            <a:schemeClr val="lt1"/>
+          </a:fontRef>
+        </p:style>
+        <p:txBody>
+          <a:bodyPr rtlCol="0" anchor="ctr"/>
+          <a:lstStyle/>
+          <a:p>
+            <a:pPr algn="ctr"/>
+            <a:endParaRPr lang="en-US"/>
+          </a:p>
+        </p:txBody>
+      </p:sp>
+      <p:pic>
+        <p:nvPicPr>
+          <p:cNvPr id="57" name="Picture 56"/>
+          <p:cNvPicPr>
+            <a:picLocks noChangeAspect="1"/>
+          </p:cNvPicPr>
+          <p:nvPr/>
+        </p:nvPicPr>
+        <p:blipFill>
+          <a:blip r:embed="rId3">
+            <a:lum bright="70000" contrast="-70000"/>
+          </a:blip>
+          <a:stretch>
+            <a:fillRect/>
+          </a:stretch>
+        </p:blipFill>
+        <p:spPr>
+          <a:xfrm>
+            <a:off x="2005804" y="4266075"/>
+            <a:ext cx="109951" cy="124611"/>
+          </a:xfrm>
+          <a:prstGeom prst="rect">
+            <a:avLst/>
+          </a:prstGeom>
+          <a:ln>
+            <a:noFill/>
+          </a:ln>
+        </p:spPr>
+      </p:pic>
+      <p:sp>
+        <p:nvSpPr>
+          <p:cNvPr id="58" name="Rectangle 57"/>
+          <p:cNvSpPr/>
+          <p:nvPr/>
+        </p:nvSpPr>
+        <p:spPr>
+          <a:xfrm>
+            <a:off x="2491496" y="4173997"/>
+            <a:ext cx="580448" cy="338856"/>
+          </a:xfrm>
+          <a:prstGeom prst="rect">
+            <a:avLst/>
+          </a:prstGeom>
+          <a:noFill/>
+          <a:ln>
+            <a:solidFill>
+              <a:schemeClr val="tx1">
+                <a:lumMod val="65000"/>
+              </a:schemeClr>
+            </a:solidFill>
+          </a:ln>
+        </p:spPr>
+        <p:style>
+          <a:lnRef idx="2">
+            <a:schemeClr val="accent1">
+              <a:shade val="50000"/>
+            </a:schemeClr>
+          </a:lnRef>
+          <a:fillRef idx="1">
+            <a:schemeClr val="accent1"/>
+          </a:fillRef>
+          <a:effectRef idx="0">
+            <a:schemeClr val="accent1"/>
+          </a:effectRef>
+          <a:fontRef idx="minor">
+            <a:schemeClr val="lt1"/>
+          </a:fontRef>
+        </p:style>
+        <p:txBody>
+          <a:bodyPr rtlCol="0" anchor="ctr"/>
+          <a:lstStyle/>
+          <a:p>
+            <a:pPr algn="ctr"/>
+            <a:endParaRPr lang="en-US"/>
+          </a:p>
+        </p:txBody>
+      </p:sp>
+      <p:pic>
+        <p:nvPicPr>
+          <p:cNvPr id="59" name="Picture 58"/>
+          <p:cNvPicPr>
+            <a:picLocks noChangeAspect="1"/>
+          </p:cNvPicPr>
+          <p:nvPr/>
+        </p:nvPicPr>
+        <p:blipFill>
+          <a:blip r:embed="rId3">
+            <a:lum bright="70000" contrast="-70000"/>
+          </a:blip>
+          <a:stretch>
+            <a:fillRect/>
+          </a:stretch>
+        </p:blipFill>
+        <p:spPr>
+          <a:xfrm>
+            <a:off x="2722747" y="4267403"/>
+            <a:ext cx="109951" cy="124611"/>
+          </a:xfrm>
+          <a:prstGeom prst="rect">
+            <a:avLst/>
+          </a:prstGeom>
+          <a:ln>
+            <a:noFill/>
+          </a:ln>
+        </p:spPr>
+      </p:pic>
+      <p:sp>
+        <p:nvSpPr>
+          <p:cNvPr id="60" name="Rectangle 59"/>
+          <p:cNvSpPr/>
+          <p:nvPr/>
+        </p:nvSpPr>
+        <p:spPr>
+          <a:xfrm>
+            <a:off x="3215064" y="4173994"/>
+            <a:ext cx="580448" cy="338856"/>
+          </a:xfrm>
+          <a:prstGeom prst="rect">
+            <a:avLst/>
+          </a:prstGeom>
+          <a:noFill/>
+          <a:ln>
+            <a:solidFill>
+              <a:schemeClr val="tx1">
+                <a:lumMod val="65000"/>
+              </a:schemeClr>
+            </a:solidFill>
+          </a:ln>
+        </p:spPr>
+        <p:style>
+          <a:lnRef idx="2">
+            <a:schemeClr val="accent1">
+              <a:shade val="50000"/>
+            </a:schemeClr>
+          </a:lnRef>
+          <a:fillRef idx="1">
+            <a:schemeClr val="accent1"/>
+          </a:fillRef>
+          <a:effectRef idx="0">
+            <a:schemeClr val="accent1"/>
+          </a:effectRef>
+          <a:fontRef idx="minor">
+            <a:schemeClr val="lt1"/>
+          </a:fontRef>
+        </p:style>
+        <p:txBody>
+          <a:bodyPr rtlCol="0" anchor="ctr"/>
+          <a:lstStyle/>
+          <a:p>
+            <a:pPr algn="ctr"/>
+            <a:endParaRPr lang="en-US"/>
+          </a:p>
+        </p:txBody>
+      </p:sp>
+      <p:pic>
+        <p:nvPicPr>
+          <p:cNvPr id="61" name="Picture 60"/>
+          <p:cNvPicPr>
+            <a:picLocks noChangeAspect="1"/>
+          </p:cNvPicPr>
+          <p:nvPr/>
+        </p:nvPicPr>
+        <p:blipFill>
+          <a:blip r:embed="rId3">
+            <a:lum bright="70000" contrast="-70000"/>
+          </a:blip>
+          <a:stretch>
+            <a:fillRect/>
+          </a:stretch>
+        </p:blipFill>
+        <p:spPr>
+          <a:xfrm>
+            <a:off x="3446315" y="4267400"/>
+            <a:ext cx="109951" cy="124611"/>
+          </a:xfrm>
+          <a:prstGeom prst="rect">
+            <a:avLst/>
+          </a:prstGeom>
+          <a:ln>
+            <a:noFill/>
+          </a:ln>
+        </p:spPr>
+      </p:pic>
+      <p:sp>
+        <p:nvSpPr>
+          <p:cNvPr id="64" name="TextBox 63"/>
+          <p:cNvSpPr txBox="1"/>
+          <p:nvPr/>
+        </p:nvSpPr>
+        <p:spPr>
+          <a:xfrm>
+            <a:off x="1654283" y="4584306"/>
+            <a:ext cx="2339125" cy="338554"/>
+          </a:xfrm>
+          <a:prstGeom prst="rect">
+            <a:avLst/>
+          </a:prstGeom>
+          <a:noFill/>
+        </p:spPr>
+        <p:txBody>
+          <a:bodyPr wrap="square" rtlCol="0">
+            <a:spAutoFit/>
+          </a:bodyPr>
+          <a:lstStyle/>
+          <a:p>
+            <a:r>
+              <a:rPr lang="en-US" sz="1600" dirty="0" smtClean="0">
+                <a:solidFill>
+                  <a:schemeClr val="tx1">
+                    <a:lumMod val="75000"/>
+                  </a:schemeClr>
+                </a:solidFill>
+              </a:rPr>
+              <a:t>Followers</a:t>
+            </a:r>
+            <a:endParaRPr lang="en-US" dirty="0">
+              <a:solidFill>
+                <a:schemeClr val="tx1">
+                  <a:lumMod val="75000"/>
+                </a:schemeClr>
+              </a:solidFill>
+            </a:endParaRPr>
+          </a:p>
+        </p:txBody>
+      </p:sp>
+      <p:sp>
+        <p:nvSpPr>
+          <p:cNvPr id="65" name="Oval 64"/>
+          <p:cNvSpPr/>
+          <p:nvPr/>
+        </p:nvSpPr>
+        <p:spPr>
+          <a:xfrm>
+            <a:off x="1765231" y="4967583"/>
+            <a:ext cx="237862" cy="237862"/>
+          </a:xfrm>
+          <a:prstGeom prst="ellipse">
+            <a:avLst/>
+          </a:prstGeom>
+          <a:noFill/>
+          <a:ln>
+            <a:solidFill>
+              <a:schemeClr val="tx1">
+                <a:lumMod val="85000"/>
+              </a:schemeClr>
+            </a:solidFill>
+          </a:ln>
+        </p:spPr>
+        <p:style>
+          <a:lnRef idx="2">
+            <a:schemeClr val="accent1">
+              <a:shade val="50000"/>
+            </a:schemeClr>
+          </a:lnRef>
+          <a:fillRef idx="1">
+            <a:schemeClr val="accent1"/>
+          </a:fillRef>
+          <a:effectRef idx="0">
+            <a:schemeClr val="accent1"/>
+          </a:effectRef>
+          <a:fontRef idx="minor">
+            <a:schemeClr val="lt1"/>
+          </a:fontRef>
+        </p:style>
+        <p:txBody>
+          <a:bodyPr rtlCol="0" anchor="ctr"/>
+          <a:lstStyle/>
+          <a:p>
+            <a:pPr algn="ctr"/>
+            <a:endParaRPr lang="en-US"/>
+          </a:p>
+        </p:txBody>
+      </p:sp>
+      <p:pic>
+        <p:nvPicPr>
+          <p:cNvPr id="66" name="Picture 65"/>
+          <p:cNvPicPr>
+            <a:picLocks noChangeAspect="1"/>
+          </p:cNvPicPr>
+          <p:nvPr/>
+        </p:nvPicPr>
+        <p:blipFill>
+          <a:blip r:embed="rId2">
+            <a:lum bright="70000" contrast="-70000"/>
+          </a:blip>
+          <a:stretch>
+            <a:fillRect/>
+          </a:stretch>
+        </p:blipFill>
+        <p:spPr>
+          <a:xfrm>
+            <a:off x="1839801" y="5026373"/>
+            <a:ext cx="99872" cy="136492"/>
+          </a:xfrm>
+          <a:prstGeom prst="rect">
+            <a:avLst/>
+          </a:prstGeom>
+        </p:spPr>
+      </p:pic>
+      <p:sp>
+        <p:nvSpPr>
+          <p:cNvPr id="67" name="Oval 66"/>
+          <p:cNvSpPr/>
+          <p:nvPr/>
+        </p:nvSpPr>
+        <p:spPr>
+          <a:xfrm>
+            <a:off x="2084608" y="4968910"/>
+            <a:ext cx="237862" cy="237862"/>
+          </a:xfrm>
+          <a:prstGeom prst="ellipse">
+            <a:avLst/>
+          </a:prstGeom>
+          <a:noFill/>
+          <a:ln>
+            <a:solidFill>
+              <a:schemeClr val="tx1">
+                <a:lumMod val="85000"/>
+              </a:schemeClr>
+            </a:solidFill>
+          </a:ln>
+        </p:spPr>
+        <p:style>
+          <a:lnRef idx="2">
+            <a:schemeClr val="accent1">
+              <a:shade val="50000"/>
+            </a:schemeClr>
+          </a:lnRef>
+          <a:fillRef idx="1">
+            <a:schemeClr val="accent1"/>
+          </a:fillRef>
+          <a:effectRef idx="0">
+            <a:schemeClr val="accent1"/>
+          </a:effectRef>
+          <a:fontRef idx="minor">
+            <a:schemeClr val="lt1"/>
+          </a:fontRef>
+        </p:style>
+        <p:txBody>
+          <a:bodyPr rtlCol="0" anchor="ctr"/>
+          <a:lstStyle/>
+          <a:p>
+            <a:pPr algn="ctr"/>
+            <a:endParaRPr lang="en-US"/>
+          </a:p>
+        </p:txBody>
+      </p:sp>
+      <p:pic>
+        <p:nvPicPr>
+          <p:cNvPr id="68" name="Picture 67"/>
+          <p:cNvPicPr>
+            <a:picLocks noChangeAspect="1"/>
+          </p:cNvPicPr>
+          <p:nvPr/>
+        </p:nvPicPr>
+        <p:blipFill>
+          <a:blip r:embed="rId2">
+            <a:lum bright="70000" contrast="-70000"/>
+          </a:blip>
+          <a:stretch>
+            <a:fillRect/>
+          </a:stretch>
+        </p:blipFill>
+        <p:spPr>
+          <a:xfrm>
+            <a:off x="2159178" y="5027700"/>
+            <a:ext cx="99872" cy="136492"/>
+          </a:xfrm>
+          <a:prstGeom prst="rect">
+            <a:avLst/>
+          </a:prstGeom>
+        </p:spPr>
+      </p:pic>
+      <p:sp>
+        <p:nvSpPr>
+          <p:cNvPr id="69" name="Oval 68"/>
+          <p:cNvSpPr/>
+          <p:nvPr/>
+        </p:nvSpPr>
+        <p:spPr>
+          <a:xfrm>
+            <a:off x="2418562" y="4968910"/>
+            <a:ext cx="237862" cy="237862"/>
+          </a:xfrm>
+          <a:prstGeom prst="ellipse">
+            <a:avLst/>
+          </a:prstGeom>
+          <a:noFill/>
+          <a:ln>
+            <a:solidFill>
+              <a:schemeClr val="tx1">
+                <a:lumMod val="85000"/>
+              </a:schemeClr>
+            </a:solidFill>
+          </a:ln>
+        </p:spPr>
+        <p:style>
+          <a:lnRef idx="2">
+            <a:schemeClr val="accent1">
+              <a:shade val="50000"/>
+            </a:schemeClr>
+          </a:lnRef>
+          <a:fillRef idx="1">
+            <a:schemeClr val="accent1"/>
+          </a:fillRef>
+          <a:effectRef idx="0">
+            <a:schemeClr val="accent1"/>
+          </a:effectRef>
+          <a:fontRef idx="minor">
+            <a:schemeClr val="lt1"/>
+          </a:fontRef>
+        </p:style>
+        <p:txBody>
+          <a:bodyPr rtlCol="0" anchor="ctr"/>
+          <a:lstStyle/>
+          <a:p>
+            <a:pPr algn="ctr"/>
+            <a:endParaRPr lang="en-US"/>
+          </a:p>
+        </p:txBody>
+      </p:sp>
+      <p:pic>
+        <p:nvPicPr>
+          <p:cNvPr id="70" name="Picture 69"/>
+          <p:cNvPicPr>
+            <a:picLocks noChangeAspect="1"/>
+          </p:cNvPicPr>
+          <p:nvPr/>
+        </p:nvPicPr>
+        <p:blipFill>
+          <a:blip r:embed="rId2">
+            <a:lum bright="70000" contrast="-70000"/>
+          </a:blip>
+          <a:stretch>
+            <a:fillRect/>
+          </a:stretch>
+        </p:blipFill>
+        <p:spPr>
+          <a:xfrm>
+            <a:off x="2493132" y="5027700"/>
+            <a:ext cx="99872" cy="136492"/>
+          </a:xfrm>
+          <a:prstGeom prst="rect">
+            <a:avLst/>
+          </a:prstGeom>
+        </p:spPr>
+      </p:pic>
+      <p:sp>
+        <p:nvSpPr>
+          <p:cNvPr id="71" name="Oval 70"/>
+          <p:cNvSpPr/>
+          <p:nvPr/>
+        </p:nvSpPr>
+        <p:spPr>
+          <a:xfrm>
+            <a:off x="2737939" y="4970237"/>
+            <a:ext cx="237862" cy="237862"/>
+          </a:xfrm>
+          <a:prstGeom prst="ellipse">
+            <a:avLst/>
+          </a:prstGeom>
+          <a:noFill/>
+          <a:ln>
+            <a:solidFill>
+              <a:schemeClr val="tx1">
+                <a:lumMod val="85000"/>
+              </a:schemeClr>
+            </a:solidFill>
+          </a:ln>
+        </p:spPr>
+        <p:style>
+          <a:lnRef idx="2">
+            <a:schemeClr val="accent1">
+              <a:shade val="50000"/>
+            </a:schemeClr>
+          </a:lnRef>
+          <a:fillRef idx="1">
+            <a:schemeClr val="accent1"/>
+          </a:fillRef>
+          <a:effectRef idx="0">
+            <a:schemeClr val="accent1"/>
+          </a:effectRef>
+          <a:fontRef idx="minor">
+            <a:schemeClr val="lt1"/>
+          </a:fontRef>
+        </p:style>
+        <p:txBody>
+          <a:bodyPr rtlCol="0" anchor="ctr"/>
+          <a:lstStyle/>
+          <a:p>
+            <a:pPr algn="ctr"/>
+            <a:endParaRPr lang="en-US"/>
+          </a:p>
+        </p:txBody>
+      </p:sp>
+      <p:pic>
+        <p:nvPicPr>
+          <p:cNvPr id="72" name="Picture 71"/>
+          <p:cNvPicPr>
+            <a:picLocks noChangeAspect="1"/>
+          </p:cNvPicPr>
+          <p:nvPr/>
+        </p:nvPicPr>
+        <p:blipFill>
+          <a:blip r:embed="rId2">
+            <a:lum bright="70000" contrast="-70000"/>
+          </a:blip>
+          <a:stretch>
+            <a:fillRect/>
+          </a:stretch>
+        </p:blipFill>
+        <p:spPr>
+          <a:xfrm>
+            <a:off x="2812509" y="5029027"/>
+            <a:ext cx="99872" cy="136492"/>
+          </a:xfrm>
+          <a:prstGeom prst="rect">
+            <a:avLst/>
+          </a:prstGeom>
+        </p:spPr>
+      </p:pic>
+      <p:sp>
+        <p:nvSpPr>
+          <p:cNvPr id="73" name="TextBox 72"/>
+          <p:cNvSpPr txBox="1"/>
+          <p:nvPr/>
+        </p:nvSpPr>
+        <p:spPr>
+          <a:xfrm>
+            <a:off x="1651349" y="5295623"/>
+            <a:ext cx="2339125" cy="338554"/>
+          </a:xfrm>
+          <a:prstGeom prst="rect">
+            <a:avLst/>
+          </a:prstGeom>
+          <a:noFill/>
+        </p:spPr>
+        <p:txBody>
+          <a:bodyPr wrap="square" rtlCol="0">
+            <a:spAutoFit/>
+          </a:bodyPr>
+          <a:lstStyle/>
+          <a:p>
+            <a:r>
+              <a:rPr lang="en-US" sz="1600" dirty="0" smtClean="0">
+                <a:solidFill>
+                  <a:schemeClr val="tx1">
+                    <a:lumMod val="75000"/>
+                  </a:schemeClr>
+                </a:solidFill>
+              </a:rPr>
+              <a:t>Related</a:t>
+            </a:r>
+            <a:endParaRPr lang="en-US" dirty="0">
+              <a:solidFill>
+                <a:schemeClr val="tx1">
+                  <a:lumMod val="75000"/>
+                </a:schemeClr>
+              </a:solidFill>
+            </a:endParaRPr>
+          </a:p>
+        </p:txBody>
+      </p:sp>
+      <p:sp>
+        <p:nvSpPr>
+          <p:cNvPr id="74" name="Oval 73"/>
+          <p:cNvSpPr/>
+          <p:nvPr/>
+        </p:nvSpPr>
+        <p:spPr>
+          <a:xfrm>
+            <a:off x="1782458" y="5605011"/>
+            <a:ext cx="237862" cy="237862"/>
+          </a:xfrm>
+          <a:prstGeom prst="ellipse">
+            <a:avLst/>
+          </a:prstGeom>
+          <a:noFill/>
+          <a:ln>
+            <a:solidFill>
+              <a:schemeClr val="tx1">
+                <a:lumMod val="85000"/>
+              </a:schemeClr>
+            </a:solidFill>
+          </a:ln>
+        </p:spPr>
+        <p:style>
+          <a:lnRef idx="2">
+            <a:schemeClr val="accent1">
+              <a:shade val="50000"/>
+            </a:schemeClr>
+          </a:lnRef>
+          <a:fillRef idx="1">
+            <a:schemeClr val="accent1"/>
+          </a:fillRef>
+          <a:effectRef idx="0">
+            <a:schemeClr val="accent1"/>
+          </a:effectRef>
+          <a:fontRef idx="minor">
+            <a:schemeClr val="lt1"/>
+          </a:fontRef>
+        </p:style>
+        <p:txBody>
+          <a:bodyPr rtlCol="0" anchor="ctr"/>
+          <a:lstStyle/>
+          <a:p>
+            <a:pPr algn="ctr"/>
+            <a:endParaRPr lang="en-US"/>
+          </a:p>
+        </p:txBody>
+      </p:sp>
+      <p:pic>
+        <p:nvPicPr>
+          <p:cNvPr id="75" name="Picture 74"/>
+          <p:cNvPicPr>
+            <a:picLocks noChangeAspect="1"/>
+          </p:cNvPicPr>
+          <p:nvPr/>
+        </p:nvPicPr>
+        <p:blipFill>
+          <a:blip r:embed="rId2">
+            <a:lum bright="70000" contrast="-70000"/>
+          </a:blip>
+          <a:stretch>
+            <a:fillRect/>
+          </a:stretch>
+        </p:blipFill>
+        <p:spPr>
+          <a:xfrm>
+            <a:off x="1857028" y="5663801"/>
+            <a:ext cx="99872" cy="136492"/>
+          </a:xfrm>
+          <a:prstGeom prst="rect">
+            <a:avLst/>
+          </a:prstGeom>
+        </p:spPr>
+      </p:pic>
+      <p:sp>
+        <p:nvSpPr>
+          <p:cNvPr id="76" name="Oval 75"/>
+          <p:cNvSpPr/>
+          <p:nvPr/>
+        </p:nvSpPr>
+        <p:spPr>
+          <a:xfrm>
+            <a:off x="2101835" y="5606338"/>
+            <a:ext cx="237862" cy="237862"/>
+          </a:xfrm>
+          <a:prstGeom prst="ellipse">
+            <a:avLst/>
+          </a:prstGeom>
+          <a:noFill/>
+          <a:ln>
+            <a:solidFill>
+              <a:schemeClr val="tx1">
+                <a:lumMod val="85000"/>
+              </a:schemeClr>
+            </a:solidFill>
+          </a:ln>
+        </p:spPr>
+        <p:style>
+          <a:lnRef idx="2">
+            <a:schemeClr val="accent1">
+              <a:shade val="50000"/>
+            </a:schemeClr>
+          </a:lnRef>
+          <a:fillRef idx="1">
+            <a:schemeClr val="accent1"/>
+          </a:fillRef>
+          <a:effectRef idx="0">
+            <a:schemeClr val="accent1"/>
+          </a:effectRef>
+          <a:fontRef idx="minor">
+            <a:schemeClr val="lt1"/>
+          </a:fontRef>
+        </p:style>
+        <p:txBody>
+          <a:bodyPr rtlCol="0" anchor="ctr"/>
+          <a:lstStyle/>
+          <a:p>
+            <a:pPr algn="ctr"/>
+            <a:endParaRPr lang="en-US"/>
+          </a:p>
+        </p:txBody>
+      </p:sp>
+      <p:pic>
+        <p:nvPicPr>
+          <p:cNvPr id="77" name="Picture 76"/>
+          <p:cNvPicPr>
+            <a:picLocks noChangeAspect="1"/>
+          </p:cNvPicPr>
+          <p:nvPr/>
+        </p:nvPicPr>
+        <p:blipFill>
+          <a:blip r:embed="rId2">
+            <a:lum bright="70000" contrast="-70000"/>
+          </a:blip>
+          <a:stretch>
+            <a:fillRect/>
+          </a:stretch>
+        </p:blipFill>
+        <p:spPr>
+          <a:xfrm>
+            <a:off x="2176405" y="5665128"/>
+            <a:ext cx="99872" cy="136492"/>
+          </a:xfrm>
+          <a:prstGeom prst="rect">
+            <a:avLst/>
+          </a:prstGeom>
+        </p:spPr>
+      </p:pic>
+      <p:sp>
+        <p:nvSpPr>
+          <p:cNvPr id="78" name="Oval 77"/>
+          <p:cNvSpPr/>
+          <p:nvPr/>
+        </p:nvSpPr>
+        <p:spPr>
+          <a:xfrm>
+            <a:off x="2435789" y="5606338"/>
+            <a:ext cx="237862" cy="237862"/>
+          </a:xfrm>
+          <a:prstGeom prst="ellipse">
+            <a:avLst/>
+          </a:prstGeom>
+          <a:noFill/>
+          <a:ln>
+            <a:solidFill>
+              <a:schemeClr val="tx1">
+                <a:lumMod val="85000"/>
+              </a:schemeClr>
+            </a:solidFill>
+          </a:ln>
+        </p:spPr>
+        <p:style>
+          <a:lnRef idx="2">
+            <a:schemeClr val="accent1">
+              <a:shade val="50000"/>
+            </a:schemeClr>
+          </a:lnRef>
+          <a:fillRef idx="1">
+            <a:schemeClr val="accent1"/>
+          </a:fillRef>
+          <a:effectRef idx="0">
+            <a:schemeClr val="accent1"/>
+          </a:effectRef>
+          <a:fontRef idx="minor">
+            <a:schemeClr val="lt1"/>
+          </a:fontRef>
+        </p:style>
+        <p:txBody>
+          <a:bodyPr rtlCol="0" anchor="ctr"/>
+          <a:lstStyle/>
+          <a:p>
+            <a:pPr algn="ctr"/>
+            <a:endParaRPr lang="en-US"/>
+          </a:p>
+        </p:txBody>
+      </p:sp>
+      <p:pic>
+        <p:nvPicPr>
+          <p:cNvPr id="79" name="Picture 78"/>
+          <p:cNvPicPr>
+            <a:picLocks noChangeAspect="1"/>
+          </p:cNvPicPr>
+          <p:nvPr/>
+        </p:nvPicPr>
+        <p:blipFill>
+          <a:blip r:embed="rId2">
+            <a:lum bright="70000" contrast="-70000"/>
+          </a:blip>
+          <a:stretch>
+            <a:fillRect/>
+          </a:stretch>
+        </p:blipFill>
+        <p:spPr>
+          <a:xfrm>
+            <a:off x="2510359" y="5665128"/>
+            <a:ext cx="99872" cy="136492"/>
+          </a:xfrm>
+          <a:prstGeom prst="rect">
+            <a:avLst/>
+          </a:prstGeom>
+        </p:spPr>
+      </p:pic>
+      <p:sp>
+        <p:nvSpPr>
+          <p:cNvPr id="80" name="Oval 79"/>
+          <p:cNvSpPr/>
+          <p:nvPr/>
+        </p:nvSpPr>
+        <p:spPr>
+          <a:xfrm>
+            <a:off x="2755166" y="5607665"/>
+            <a:ext cx="237862" cy="237862"/>
+          </a:xfrm>
+          <a:prstGeom prst="ellipse">
+            <a:avLst/>
+          </a:prstGeom>
+          <a:noFill/>
+          <a:ln>
+            <a:solidFill>
+              <a:schemeClr val="tx1">
+                <a:lumMod val="85000"/>
+              </a:schemeClr>
+            </a:solidFill>
+          </a:ln>
+        </p:spPr>
+        <p:style>
+          <a:lnRef idx="2">
+            <a:schemeClr val="accent1">
+              <a:shade val="50000"/>
+            </a:schemeClr>
+          </a:lnRef>
+          <a:fillRef idx="1">
+            <a:schemeClr val="accent1"/>
+          </a:fillRef>
+          <a:effectRef idx="0">
+            <a:schemeClr val="accent1"/>
+          </a:effectRef>
+          <a:fontRef idx="minor">
+            <a:schemeClr val="lt1"/>
+          </a:fontRef>
+        </p:style>
+        <p:txBody>
+          <a:bodyPr rtlCol="0" anchor="ctr"/>
+          <a:lstStyle/>
+          <a:p>
+            <a:pPr algn="ctr"/>
+            <a:endParaRPr lang="en-US"/>
+          </a:p>
+        </p:txBody>
+      </p:sp>
+      <p:pic>
+        <p:nvPicPr>
+          <p:cNvPr id="81" name="Picture 80"/>
+          <p:cNvPicPr>
+            <a:picLocks noChangeAspect="1"/>
+          </p:cNvPicPr>
+          <p:nvPr/>
+        </p:nvPicPr>
+        <p:blipFill>
+          <a:blip r:embed="rId2">
+            <a:lum bright="70000" contrast="-70000"/>
+          </a:blip>
+          <a:stretch>
+            <a:fillRect/>
+          </a:stretch>
+        </p:blipFill>
+        <p:spPr>
+          <a:xfrm>
+            <a:off x="2829736" y="5666455"/>
+            <a:ext cx="99872" cy="136492"/>
+          </a:xfrm>
+          <a:prstGeom prst="rect">
+            <a:avLst/>
+          </a:prstGeom>
+        </p:spPr>
+      </p:pic>
+      <p:sp>
+        <p:nvSpPr>
+          <p:cNvPr id="82" name="Rectangle 81"/>
+          <p:cNvSpPr/>
+          <p:nvPr/>
+        </p:nvSpPr>
+        <p:spPr>
+          <a:xfrm>
+            <a:off x="1053296" y="1791868"/>
+            <a:ext cx="4330802" cy="4522399"/>
+          </a:xfrm>
+          <a:prstGeom prst="rect">
+            <a:avLst/>
+          </a:prstGeom>
+          <a:noFill/>
+          <a:ln>
+            <a:solidFill>
+              <a:schemeClr val="accent5">
+                <a:lumMod val="60000"/>
+                <a:lumOff val="40000"/>
+              </a:schemeClr>
+            </a:solidFill>
+          </a:ln>
+        </p:spPr>
+        <p:style>
+          <a:lnRef idx="2">
+            <a:schemeClr val="accent1">
+              <a:shade val="50000"/>
+            </a:schemeClr>
+          </a:lnRef>
+          <a:fillRef idx="1">
+            <a:schemeClr val="accent1"/>
+          </a:fillRef>
+          <a:effectRef idx="0">
+            <a:schemeClr val="accent1"/>
+          </a:effectRef>
+          <a:fontRef idx="minor">
+            <a:schemeClr val="lt1"/>
+          </a:fontRef>
+        </p:style>
+        <p:txBody>
+          <a:bodyPr rtlCol="0" anchor="ctr"/>
+          <a:lstStyle/>
+          <a:p>
+            <a:pPr algn="ctr"/>
+            <a:endParaRPr lang="en-US" dirty="0"/>
+          </a:p>
+        </p:txBody>
+      </p:sp>
+      <p:sp>
+        <p:nvSpPr>
+          <p:cNvPr id="83" name="TextBox 82"/>
+          <p:cNvSpPr txBox="1"/>
+          <p:nvPr/>
+        </p:nvSpPr>
+        <p:spPr>
+          <a:xfrm>
+            <a:off x="1534664" y="1319897"/>
+            <a:ext cx="8870977" cy="369332"/>
+          </a:xfrm>
+          <a:prstGeom prst="rect">
+            <a:avLst/>
+          </a:prstGeom>
+          <a:noFill/>
+        </p:spPr>
+        <p:txBody>
+          <a:bodyPr wrap="square" rtlCol="0">
+            <a:spAutoFit/>
+          </a:bodyPr>
+          <a:lstStyle/>
+          <a:p>
+            <a:pPr algn="ctr"/>
+            <a:r>
+              <a:rPr lang="en-US" dirty="0" smtClean="0">
+                <a:solidFill>
+                  <a:schemeClr val="tx1">
+                    <a:lumMod val="65000"/>
+                  </a:schemeClr>
+                </a:solidFill>
+              </a:rPr>
+              <a:t>Interface </a:t>
+            </a:r>
+            <a:r>
+              <a:rPr lang="en-US" dirty="0" err="1" smtClean="0">
+                <a:solidFill>
+                  <a:schemeClr val="tx1">
+                    <a:lumMod val="65000"/>
+                  </a:schemeClr>
+                </a:solidFill>
+              </a:rPr>
+              <a:t>adaptée</a:t>
+            </a:r>
+            <a:r>
+              <a:rPr lang="en-US" dirty="0" smtClean="0">
+                <a:solidFill>
+                  <a:schemeClr val="tx1">
+                    <a:lumMod val="65000"/>
+                  </a:schemeClr>
+                </a:solidFill>
+              </a:rPr>
+              <a:t> pour les </a:t>
+            </a:r>
+            <a:r>
+              <a:rPr lang="en-US" dirty="0" err="1" smtClean="0">
+                <a:solidFill>
+                  <a:schemeClr val="tx1">
+                    <a:lumMod val="65000"/>
+                  </a:schemeClr>
+                </a:solidFill>
+              </a:rPr>
+              <a:t>consommateurs</a:t>
+            </a:r>
+            <a:r>
+              <a:rPr lang="en-US" dirty="0" smtClean="0">
+                <a:solidFill>
+                  <a:schemeClr val="tx1">
+                    <a:lumMod val="65000"/>
+                  </a:schemeClr>
+                </a:solidFill>
+              </a:rPr>
+              <a:t> de </a:t>
+            </a:r>
+            <a:r>
+              <a:rPr lang="en-US" dirty="0" err="1" smtClean="0">
+                <a:solidFill>
+                  <a:schemeClr val="tx1">
+                    <a:lumMod val="65000"/>
+                  </a:schemeClr>
+                </a:solidFill>
+              </a:rPr>
+              <a:t>l’API</a:t>
+            </a:r>
+            <a:endParaRPr lang="en-US" dirty="0">
+              <a:solidFill>
+                <a:schemeClr val="tx1">
+                  <a:lumMod val="65000"/>
+                </a:schemeClr>
+              </a:solidFill>
+            </a:endParaRPr>
+          </a:p>
+        </p:txBody>
+      </p:sp>
+      <p:pic>
+        <p:nvPicPr>
+          <p:cNvPr id="3" name="Picture 2"/>
+          <p:cNvPicPr>
+            <a:picLocks noChangeAspect="1"/>
+          </p:cNvPicPr>
+          <p:nvPr/>
+        </p:nvPicPr>
+        <p:blipFill>
+          <a:blip r:embed="rId4">
+            <a:biLevel thresh="25000"/>
+          </a:blip>
+          <a:stretch>
+            <a:fillRect/>
+          </a:stretch>
+        </p:blipFill>
+        <p:spPr>
+          <a:xfrm>
+            <a:off x="4476808" y="3951563"/>
+            <a:ext cx="632743" cy="632743"/>
+          </a:xfrm>
+          <a:prstGeom prst="rect">
+            <a:avLst/>
+          </a:prstGeom>
+        </p:spPr>
+      </p:pic>
+      <p:sp>
+        <p:nvSpPr>
+          <p:cNvPr id="62" name="TextBox 61"/>
+          <p:cNvSpPr txBox="1"/>
+          <p:nvPr/>
+        </p:nvSpPr>
+        <p:spPr>
+          <a:xfrm>
+            <a:off x="4229332" y="4691977"/>
+            <a:ext cx="1137943" cy="415498"/>
+          </a:xfrm>
+          <a:prstGeom prst="rect">
+            <a:avLst/>
+          </a:prstGeom>
+          <a:noFill/>
+        </p:spPr>
+        <p:txBody>
+          <a:bodyPr wrap="square" rtlCol="0">
+            <a:spAutoFit/>
+          </a:bodyPr>
+          <a:lstStyle/>
+          <a:p>
+            <a:pPr algn="ctr"/>
+            <a:r>
+              <a:rPr lang="en-US" sz="1050" dirty="0" smtClean="0">
+                <a:solidFill>
+                  <a:srgbClr val="92D050"/>
+                </a:solidFill>
+              </a:rPr>
+              <a:t>Binding de la </a:t>
+            </a:r>
+            <a:r>
+              <a:rPr lang="en-US" sz="1050" dirty="0" err="1" smtClean="0">
+                <a:solidFill>
+                  <a:srgbClr val="92D050"/>
+                </a:solidFill>
+              </a:rPr>
+              <a:t>réponse</a:t>
+            </a:r>
+            <a:r>
+              <a:rPr lang="en-US" sz="1050" dirty="0" smtClean="0">
+                <a:solidFill>
+                  <a:srgbClr val="92D050"/>
+                </a:solidFill>
+              </a:rPr>
+              <a:t> </a:t>
+            </a:r>
+            <a:r>
+              <a:rPr lang="en-US" sz="1050" dirty="0" err="1" smtClean="0">
+                <a:solidFill>
+                  <a:srgbClr val="92D050"/>
+                </a:solidFill>
+              </a:rPr>
+              <a:t>à</a:t>
+            </a:r>
+            <a:r>
+              <a:rPr lang="en-US" sz="1050" dirty="0" smtClean="0">
+                <a:solidFill>
+                  <a:srgbClr val="92D050"/>
+                </a:solidFill>
+              </a:rPr>
+              <a:t> </a:t>
+            </a:r>
+            <a:r>
+              <a:rPr lang="en-US" sz="1050" dirty="0" err="1" smtClean="0">
+                <a:solidFill>
+                  <a:srgbClr val="92D050"/>
+                </a:solidFill>
+              </a:rPr>
+              <a:t>l’UI</a:t>
+            </a:r>
+            <a:endParaRPr lang="en-US" sz="1050" dirty="0">
+              <a:solidFill>
+                <a:srgbClr val="92D050"/>
+              </a:solidFill>
+            </a:endParaRPr>
+          </a:p>
+        </p:txBody>
+      </p:sp>
+      <p:sp>
+        <p:nvSpPr>
+          <p:cNvPr id="7" name="TextBox 6"/>
+          <p:cNvSpPr txBox="1"/>
+          <p:nvPr/>
+        </p:nvSpPr>
+        <p:spPr>
+          <a:xfrm>
+            <a:off x="5567424" y="1815122"/>
+            <a:ext cx="2257064" cy="3647152"/>
+          </a:xfrm>
+          <a:prstGeom prst="rect">
+            <a:avLst/>
+          </a:prstGeom>
+          <a:noFill/>
+        </p:spPr>
+        <p:txBody>
+          <a:bodyPr wrap="square" rtlCol="0">
+            <a:spAutoFit/>
+          </a:bodyPr>
+          <a:lstStyle/>
+          <a:p>
+            <a:r>
+              <a:rPr lang="en-US" sz="1100" dirty="0" smtClean="0">
+                <a:solidFill>
+                  <a:schemeClr val="accent4">
+                    <a:lumMod val="40000"/>
+                    <a:lumOff val="60000"/>
+                  </a:schemeClr>
+                </a:solidFill>
+              </a:rPr>
+              <a:t>query  {</a:t>
+            </a:r>
+            <a:br>
+              <a:rPr lang="en-US" sz="1100" dirty="0" smtClean="0">
+                <a:solidFill>
+                  <a:schemeClr val="accent4">
+                    <a:lumMod val="40000"/>
+                    <a:lumOff val="60000"/>
+                  </a:schemeClr>
+                </a:solidFill>
+              </a:rPr>
+            </a:br>
+            <a:r>
+              <a:rPr lang="en-US" sz="1100" dirty="0" smtClean="0">
+                <a:solidFill>
+                  <a:schemeClr val="accent4">
+                    <a:lumMod val="40000"/>
+                    <a:lumOff val="60000"/>
+                  </a:schemeClr>
+                </a:solidFill>
+              </a:rPr>
+              <a:t>    user(id: “1234”) {</a:t>
+            </a:r>
+            <a:br>
+              <a:rPr lang="en-US" sz="1100" dirty="0" smtClean="0">
+                <a:solidFill>
+                  <a:schemeClr val="accent4">
+                    <a:lumMod val="40000"/>
+                    <a:lumOff val="60000"/>
+                  </a:schemeClr>
+                </a:solidFill>
+              </a:rPr>
+            </a:br>
+            <a:r>
+              <a:rPr lang="en-US" sz="1100" dirty="0" smtClean="0">
+                <a:solidFill>
+                  <a:schemeClr val="accent4">
+                    <a:lumMod val="40000"/>
+                    <a:lumOff val="60000"/>
+                  </a:schemeClr>
+                </a:solidFill>
+              </a:rPr>
+              <a:t>        id</a:t>
+            </a:r>
+            <a:br>
+              <a:rPr lang="en-US" sz="1100" dirty="0" smtClean="0">
+                <a:solidFill>
+                  <a:schemeClr val="accent4">
+                    <a:lumMod val="40000"/>
+                    <a:lumOff val="60000"/>
+                  </a:schemeClr>
+                </a:solidFill>
+              </a:rPr>
+            </a:br>
+            <a:r>
+              <a:rPr lang="en-US" sz="1100" dirty="0" smtClean="0">
+                <a:solidFill>
+                  <a:schemeClr val="accent4">
+                    <a:lumMod val="40000"/>
+                    <a:lumOff val="60000"/>
+                  </a:schemeClr>
+                </a:solidFill>
+              </a:rPr>
+              <a:t>        name</a:t>
+            </a:r>
+            <a:br>
+              <a:rPr lang="en-US" sz="1100" dirty="0" smtClean="0">
+                <a:solidFill>
+                  <a:schemeClr val="accent4">
+                    <a:lumMod val="40000"/>
+                    <a:lumOff val="60000"/>
+                  </a:schemeClr>
+                </a:solidFill>
+              </a:rPr>
+            </a:br>
+            <a:r>
+              <a:rPr lang="en-US" sz="1100" dirty="0" smtClean="0">
+                <a:solidFill>
+                  <a:schemeClr val="accent4">
+                    <a:lumMod val="40000"/>
+                    <a:lumOff val="60000"/>
+                  </a:schemeClr>
+                </a:solidFill>
+              </a:rPr>
+              <a:t>        bio</a:t>
+            </a:r>
+            <a:br>
+              <a:rPr lang="en-US" sz="1100" dirty="0" smtClean="0">
+                <a:solidFill>
+                  <a:schemeClr val="accent4">
+                    <a:lumMod val="40000"/>
+                    <a:lumOff val="60000"/>
+                  </a:schemeClr>
+                </a:solidFill>
+              </a:rPr>
+            </a:br>
+            <a:r>
+              <a:rPr lang="en-US" sz="1100" dirty="0" smtClean="0">
+                <a:solidFill>
+                  <a:schemeClr val="accent4">
+                    <a:lumMod val="40000"/>
+                    <a:lumOff val="60000"/>
+                  </a:schemeClr>
+                </a:solidFill>
+              </a:rPr>
+              <a:t>        </a:t>
+            </a:r>
+            <a:r>
+              <a:rPr lang="en-US" sz="1100" dirty="0" err="1" smtClean="0">
+                <a:solidFill>
+                  <a:schemeClr val="accent4">
+                    <a:lumMod val="40000"/>
+                    <a:lumOff val="60000"/>
+                  </a:schemeClr>
+                </a:solidFill>
+              </a:rPr>
+              <a:t>photoUrl</a:t>
+            </a:r>
+            <a:r>
+              <a:rPr lang="en-US" sz="1100" dirty="0" smtClean="0">
+                <a:solidFill>
+                  <a:schemeClr val="accent4">
+                    <a:lumMod val="40000"/>
+                    <a:lumOff val="60000"/>
+                  </a:schemeClr>
+                </a:solidFill>
+              </a:rPr>
+              <a:t> </a:t>
+            </a:r>
+            <a:br>
+              <a:rPr lang="en-US" sz="1100" dirty="0" smtClean="0">
+                <a:solidFill>
+                  <a:schemeClr val="accent4">
+                    <a:lumMod val="40000"/>
+                    <a:lumOff val="60000"/>
+                  </a:schemeClr>
+                </a:solidFill>
+              </a:rPr>
+            </a:br>
+            <a:r>
+              <a:rPr lang="en-US" sz="1100" dirty="0" smtClean="0">
+                <a:solidFill>
+                  <a:schemeClr val="accent4">
+                    <a:lumMod val="40000"/>
+                    <a:lumOff val="60000"/>
+                  </a:schemeClr>
+                </a:solidFill>
+              </a:rPr>
+              <a:t>        followers {</a:t>
+            </a:r>
+          </a:p>
+          <a:p>
+            <a:r>
+              <a:rPr lang="en-US" sz="1100" dirty="0" smtClean="0">
+                <a:solidFill>
+                  <a:schemeClr val="accent4">
+                    <a:lumMod val="40000"/>
+                    <a:lumOff val="60000"/>
+                  </a:schemeClr>
+                </a:solidFill>
+              </a:rPr>
+              <a:t>            name</a:t>
+            </a:r>
+            <a:br>
+              <a:rPr lang="en-US" sz="1100" dirty="0" smtClean="0">
+                <a:solidFill>
+                  <a:schemeClr val="accent4">
+                    <a:lumMod val="40000"/>
+                    <a:lumOff val="60000"/>
+                  </a:schemeClr>
+                </a:solidFill>
+              </a:rPr>
+            </a:br>
+            <a:r>
+              <a:rPr lang="en-US" sz="1100" dirty="0" smtClean="0">
+                <a:solidFill>
+                  <a:schemeClr val="accent4">
+                    <a:lumMod val="40000"/>
+                    <a:lumOff val="60000"/>
+                  </a:schemeClr>
+                </a:solidFill>
+              </a:rPr>
+              <a:t>            </a:t>
+            </a:r>
+            <a:r>
+              <a:rPr lang="en-US" sz="1100" dirty="0" err="1" smtClean="0">
+                <a:solidFill>
+                  <a:schemeClr val="accent4">
+                    <a:lumMod val="40000"/>
+                    <a:lumOff val="60000"/>
+                  </a:schemeClr>
+                </a:solidFill>
+              </a:rPr>
+              <a:t>photoUrl</a:t>
+            </a:r>
+            <a:endParaRPr lang="en-US" sz="1100" dirty="0">
+              <a:solidFill>
+                <a:schemeClr val="accent4">
+                  <a:lumMod val="40000"/>
+                  <a:lumOff val="60000"/>
+                </a:schemeClr>
+              </a:solidFill>
+            </a:endParaRPr>
+          </a:p>
+          <a:p>
+            <a:r>
+              <a:rPr lang="en-US" sz="1100" dirty="0" smtClean="0">
+                <a:solidFill>
+                  <a:schemeClr val="accent4">
+                    <a:lumMod val="40000"/>
+                    <a:lumOff val="60000"/>
+                  </a:schemeClr>
+                </a:solidFill>
+              </a:rPr>
+              <a:t>        }</a:t>
+            </a:r>
+            <a:br>
+              <a:rPr lang="en-US" sz="1100" dirty="0" smtClean="0">
+                <a:solidFill>
+                  <a:schemeClr val="accent4">
+                    <a:lumMod val="40000"/>
+                    <a:lumOff val="60000"/>
+                  </a:schemeClr>
+                </a:solidFill>
+              </a:rPr>
+            </a:br>
+            <a:r>
+              <a:rPr lang="en-US" sz="1100" dirty="0" smtClean="0">
+                <a:solidFill>
+                  <a:schemeClr val="accent4">
+                    <a:lumMod val="40000"/>
+                    <a:lumOff val="60000"/>
+                  </a:schemeClr>
+                </a:solidFill>
+              </a:rPr>
+              <a:t>    } </a:t>
+            </a:r>
+            <a:br>
+              <a:rPr lang="en-US" sz="1100" dirty="0" smtClean="0">
+                <a:solidFill>
+                  <a:schemeClr val="accent4">
+                    <a:lumMod val="40000"/>
+                    <a:lumOff val="60000"/>
+                  </a:schemeClr>
+                </a:solidFill>
+              </a:rPr>
+            </a:br>
+            <a:r>
+              <a:rPr lang="en-US" sz="1100" dirty="0" smtClean="0">
+                <a:solidFill>
+                  <a:schemeClr val="accent4">
+                    <a:lumMod val="40000"/>
+                    <a:lumOff val="60000"/>
+                  </a:schemeClr>
+                </a:solidFill>
+              </a:rPr>
+              <a:t/>
+            </a:r>
+            <a:br>
+              <a:rPr lang="en-US" sz="1100" dirty="0" smtClean="0">
+                <a:solidFill>
+                  <a:schemeClr val="accent4">
+                    <a:lumMod val="40000"/>
+                    <a:lumOff val="60000"/>
+                  </a:schemeClr>
+                </a:solidFill>
+              </a:rPr>
+            </a:br>
+            <a:r>
+              <a:rPr lang="en-US" sz="1100" dirty="0" smtClean="0">
+                <a:solidFill>
+                  <a:schemeClr val="accent4">
+                    <a:lumMod val="40000"/>
+                    <a:lumOff val="60000"/>
+                  </a:schemeClr>
+                </a:solidFill>
+              </a:rPr>
+              <a:t>   related(id</a:t>
+            </a:r>
+            <a:r>
+              <a:rPr lang="en-US" sz="1100" dirty="0">
+                <a:solidFill>
+                  <a:schemeClr val="accent4">
+                    <a:lumMod val="40000"/>
+                    <a:lumOff val="60000"/>
+                  </a:schemeClr>
+                </a:solidFill>
+              </a:rPr>
+              <a:t>: “1234”) {</a:t>
+            </a:r>
+            <a:br>
+              <a:rPr lang="en-US" sz="1100" dirty="0">
+                <a:solidFill>
+                  <a:schemeClr val="accent4">
+                    <a:lumMod val="40000"/>
+                    <a:lumOff val="60000"/>
+                  </a:schemeClr>
+                </a:solidFill>
+              </a:rPr>
+            </a:br>
+            <a:r>
+              <a:rPr lang="en-US" sz="1100" dirty="0">
+                <a:solidFill>
+                  <a:schemeClr val="accent4">
+                    <a:lumMod val="40000"/>
+                    <a:lumOff val="60000"/>
+                  </a:schemeClr>
+                </a:solidFill>
+              </a:rPr>
+              <a:t>        name</a:t>
+            </a:r>
+            <a:br>
+              <a:rPr lang="en-US" sz="1100" dirty="0">
+                <a:solidFill>
+                  <a:schemeClr val="accent4">
+                    <a:lumMod val="40000"/>
+                    <a:lumOff val="60000"/>
+                  </a:schemeClr>
+                </a:solidFill>
+              </a:rPr>
+            </a:br>
+            <a:r>
+              <a:rPr lang="en-US" sz="1100" dirty="0">
+                <a:solidFill>
+                  <a:schemeClr val="accent4">
+                    <a:lumMod val="40000"/>
+                    <a:lumOff val="60000"/>
+                  </a:schemeClr>
+                </a:solidFill>
+              </a:rPr>
+              <a:t>        </a:t>
+            </a:r>
+            <a:r>
+              <a:rPr lang="en-US" sz="1100" dirty="0" err="1">
+                <a:solidFill>
+                  <a:schemeClr val="accent4">
+                    <a:lumMod val="40000"/>
+                    <a:lumOff val="60000"/>
+                  </a:schemeClr>
+                </a:solidFill>
+              </a:rPr>
+              <a:t>photoUrl</a:t>
+            </a:r>
+            <a:r>
+              <a:rPr lang="en-US" sz="1100" dirty="0">
+                <a:solidFill>
+                  <a:schemeClr val="accent4">
+                    <a:lumMod val="40000"/>
+                    <a:lumOff val="60000"/>
+                  </a:schemeClr>
+                </a:solidFill>
+              </a:rPr>
+              <a:t/>
+            </a:r>
+            <a:br>
+              <a:rPr lang="en-US" sz="1100" dirty="0">
+                <a:solidFill>
+                  <a:schemeClr val="accent4">
+                    <a:lumMod val="40000"/>
+                    <a:lumOff val="60000"/>
+                  </a:schemeClr>
+                </a:solidFill>
+              </a:rPr>
+            </a:br>
+            <a:r>
+              <a:rPr lang="en-US" sz="1100" dirty="0">
+                <a:solidFill>
+                  <a:schemeClr val="accent4">
+                    <a:lumMod val="40000"/>
+                    <a:lumOff val="60000"/>
+                  </a:schemeClr>
+                </a:solidFill>
+              </a:rPr>
+              <a:t>    }</a:t>
+            </a:r>
+            <a:br>
+              <a:rPr lang="en-US" sz="1100" dirty="0">
+                <a:solidFill>
+                  <a:schemeClr val="accent4">
+                    <a:lumMod val="40000"/>
+                    <a:lumOff val="60000"/>
+                  </a:schemeClr>
+                </a:solidFill>
+              </a:rPr>
+            </a:br>
+            <a:r>
+              <a:rPr lang="en-US" sz="1100" dirty="0" smtClean="0">
+                <a:solidFill>
+                  <a:schemeClr val="accent4">
+                    <a:lumMod val="40000"/>
+                    <a:lumOff val="60000"/>
+                  </a:schemeClr>
+                </a:solidFill>
+              </a:rPr>
+              <a:t> </a:t>
+            </a:r>
+          </a:p>
+          <a:p>
+            <a:r>
+              <a:rPr lang="en-US" sz="1100" dirty="0">
+                <a:solidFill>
+                  <a:schemeClr val="accent4">
+                    <a:lumMod val="40000"/>
+                    <a:lumOff val="60000"/>
+                  </a:schemeClr>
+                </a:solidFill>
+              </a:rPr>
+              <a:t> </a:t>
+            </a:r>
+            <a:r>
+              <a:rPr lang="en-US" sz="1100" dirty="0" smtClean="0">
+                <a:solidFill>
+                  <a:schemeClr val="accent4">
+                    <a:lumMod val="40000"/>
+                    <a:lumOff val="60000"/>
+                  </a:schemeClr>
+                </a:solidFill>
+              </a:rPr>
+              <a:t>   videos(</a:t>
+            </a:r>
+            <a:r>
+              <a:rPr lang="en-US" sz="1100" dirty="0" err="1" smtClean="0">
+                <a:solidFill>
+                  <a:schemeClr val="accent4">
+                    <a:lumMod val="40000"/>
+                    <a:lumOff val="60000"/>
+                  </a:schemeClr>
+                </a:solidFill>
+              </a:rPr>
+              <a:t>user_id</a:t>
+            </a:r>
+            <a:r>
+              <a:rPr lang="en-US" sz="1100" dirty="0" smtClean="0">
+                <a:solidFill>
+                  <a:schemeClr val="accent4">
+                    <a:lumMod val="40000"/>
+                    <a:lumOff val="60000"/>
+                  </a:schemeClr>
+                </a:solidFill>
+              </a:rPr>
+              <a:t>: ”1234”) {</a:t>
+            </a:r>
+          </a:p>
+          <a:p>
+            <a:r>
+              <a:rPr lang="en-US" sz="1100" dirty="0" smtClean="0">
+                <a:solidFill>
+                  <a:schemeClr val="accent4">
+                    <a:lumMod val="40000"/>
+                    <a:lumOff val="60000"/>
+                  </a:schemeClr>
+                </a:solidFill>
+              </a:rPr>
+              <a:t>            </a:t>
+            </a:r>
+            <a:r>
+              <a:rPr lang="en-US" sz="1100" dirty="0" err="1" smtClean="0">
+                <a:solidFill>
+                  <a:schemeClr val="accent4">
+                    <a:lumMod val="40000"/>
+                    <a:lumOff val="60000"/>
+                  </a:schemeClr>
+                </a:solidFill>
+              </a:rPr>
+              <a:t>streamUrl</a:t>
+            </a:r>
+            <a:r>
+              <a:rPr lang="en-US" sz="1100" dirty="0" smtClean="0">
+                <a:solidFill>
+                  <a:schemeClr val="accent4">
+                    <a:lumMod val="40000"/>
+                    <a:lumOff val="60000"/>
+                  </a:schemeClr>
+                </a:solidFill>
+              </a:rPr>
+              <a:t/>
+            </a:r>
+            <a:br>
+              <a:rPr lang="en-US" sz="1100" dirty="0" smtClean="0">
+                <a:solidFill>
+                  <a:schemeClr val="accent4">
+                    <a:lumMod val="40000"/>
+                    <a:lumOff val="60000"/>
+                  </a:schemeClr>
+                </a:solidFill>
+              </a:rPr>
+            </a:br>
+            <a:r>
+              <a:rPr lang="en-US" sz="1100" dirty="0" smtClean="0">
+                <a:solidFill>
+                  <a:schemeClr val="accent4">
+                    <a:lumMod val="40000"/>
+                    <a:lumOff val="60000"/>
+                  </a:schemeClr>
+                </a:solidFill>
+              </a:rPr>
+              <a:t>    }</a:t>
+            </a:r>
+            <a:br>
+              <a:rPr lang="en-US" sz="1100" dirty="0" smtClean="0">
+                <a:solidFill>
+                  <a:schemeClr val="accent4">
+                    <a:lumMod val="40000"/>
+                    <a:lumOff val="60000"/>
+                  </a:schemeClr>
+                </a:solidFill>
+              </a:rPr>
+            </a:br>
+            <a:r>
+              <a:rPr lang="en-US" sz="1100" dirty="0" smtClean="0">
+                <a:solidFill>
+                  <a:schemeClr val="accent4">
+                    <a:lumMod val="40000"/>
+                    <a:lumOff val="60000"/>
+                  </a:schemeClr>
+                </a:solidFill>
+              </a:rPr>
+              <a:t>}</a:t>
+            </a:r>
+            <a:endParaRPr lang="en-US" sz="1100" dirty="0">
+              <a:solidFill>
+                <a:schemeClr val="accent4">
+                  <a:lumMod val="40000"/>
+                  <a:lumOff val="60000"/>
+                </a:schemeClr>
+              </a:solidFill>
+            </a:endParaRPr>
+          </a:p>
+        </p:txBody>
+      </p:sp>
     </p:spTree>
     <p:extLst>
       <p:ext uri="{BB962C8B-B14F-4D97-AF65-F5344CB8AC3E}">
-        <p14:creationId xmlns:p14="http://schemas.microsoft.com/office/powerpoint/2010/main" val="296499533"/>
+        <p14:creationId xmlns:p14="http://schemas.microsoft.com/office/powerpoint/2010/main" val="1722570496"/>
       </p:ext>
     </p:extLst>
   </p:cSld>

--- a/introduction-graphql.pptx
+++ b/introduction-graphql.pptx
@@ -259,7 +259,7 @@
           <a:p>
             <a:fld id="{3D06E3AD-E22D-7B49-A93F-0C611B02B1F3}" type="datetimeFigureOut">
               <a:rPr lang="en-US" smtClean="0"/>
-              <a:t>4/28/16</a:t>
+              <a:t>10/25/16</a:t>
             </a:fld>
             <a:endParaRPr lang="en-US"/>
           </a:p>
@@ -436,7 +436,7 @@
           <a:p>
             <a:fld id="{3D06E3AD-E22D-7B49-A93F-0C611B02B1F3}" type="datetimeFigureOut">
               <a:rPr lang="en-US" smtClean="0"/>
-              <a:t>4/28/16</a:t>
+              <a:t>10/25/16</a:t>
             </a:fld>
             <a:endParaRPr lang="en-US"/>
           </a:p>
@@ -616,7 +616,7 @@
           <a:p>
             <a:fld id="{3D06E3AD-E22D-7B49-A93F-0C611B02B1F3}" type="datetimeFigureOut">
               <a:rPr lang="en-US" smtClean="0"/>
-              <a:t>4/28/16</a:t>
+              <a:t>10/25/16</a:t>
             </a:fld>
             <a:endParaRPr lang="en-US"/>
           </a:p>
@@ -810,7 +810,7 @@
           <a:p>
             <a:fld id="{3D06E3AD-E22D-7B49-A93F-0C611B02B1F3}" type="datetimeFigureOut">
               <a:rPr lang="en-US" smtClean="0"/>
-              <a:t>4/28/16</a:t>
+              <a:t>10/25/16</a:t>
             </a:fld>
             <a:endParaRPr lang="en-US"/>
           </a:p>
@@ -1063,7 +1063,7 @@
           <a:p>
             <a:fld id="{3D06E3AD-E22D-7B49-A93F-0C611B02B1F3}" type="datetimeFigureOut">
               <a:rPr lang="en-US" smtClean="0"/>
-              <a:t>4/28/16</a:t>
+              <a:t>10/25/16</a:t>
             </a:fld>
             <a:endParaRPr lang="en-US"/>
           </a:p>
@@ -1295,7 +1295,7 @@
           <a:p>
             <a:fld id="{3D06E3AD-E22D-7B49-A93F-0C611B02B1F3}" type="datetimeFigureOut">
               <a:rPr lang="en-US" smtClean="0"/>
-              <a:t>4/28/16</a:t>
+              <a:t>10/25/16</a:t>
             </a:fld>
             <a:endParaRPr lang="en-US"/>
           </a:p>
@@ -1662,7 +1662,7 @@
           <a:p>
             <a:fld id="{3D06E3AD-E22D-7B49-A93F-0C611B02B1F3}" type="datetimeFigureOut">
               <a:rPr lang="en-US" smtClean="0"/>
-              <a:t>4/28/16</a:t>
+              <a:t>10/25/16</a:t>
             </a:fld>
             <a:endParaRPr lang="en-US"/>
           </a:p>
@@ -1787,7 +1787,7 @@
           <a:p>
             <a:fld id="{3D06E3AD-E22D-7B49-A93F-0C611B02B1F3}" type="datetimeFigureOut">
               <a:rPr lang="en-US" smtClean="0"/>
-              <a:t>4/28/16</a:t>
+              <a:t>10/25/16</a:t>
             </a:fld>
             <a:endParaRPr lang="en-US"/>
           </a:p>
@@ -1889,7 +1889,7 @@
           <a:p>
             <a:fld id="{3D06E3AD-E22D-7B49-A93F-0C611B02B1F3}" type="datetimeFigureOut">
               <a:rPr lang="en-US" smtClean="0"/>
-              <a:t>4/28/16</a:t>
+              <a:t>10/25/16</a:t>
             </a:fld>
             <a:endParaRPr lang="en-US"/>
           </a:p>
@@ -2166,7 +2166,7 @@
           <a:p>
             <a:fld id="{3D06E3AD-E22D-7B49-A93F-0C611B02B1F3}" type="datetimeFigureOut">
               <a:rPr lang="en-US" smtClean="0"/>
-              <a:t>4/28/16</a:t>
+              <a:t>10/25/16</a:t>
             </a:fld>
             <a:endParaRPr lang="en-US"/>
           </a:p>
@@ -2419,7 +2419,7 @@
           <a:p>
             <a:fld id="{3D06E3AD-E22D-7B49-A93F-0C611B02B1F3}" type="datetimeFigureOut">
               <a:rPr lang="en-US" smtClean="0"/>
-              <a:t>4/28/16</a:t>
+              <a:t>10/25/16</a:t>
             </a:fld>
             <a:endParaRPr lang="en-US"/>
           </a:p>
@@ -2651,7 +2651,7 @@
           <a:p>
             <a:fld id="{3D06E3AD-E22D-7B49-A93F-0C611B02B1F3}" type="datetimeFigureOut">
               <a:rPr lang="en-US" smtClean="0"/>
-              <a:t>4/28/16</a:t>
+              <a:t>10/25/16</a:t>
             </a:fld>
             <a:endParaRPr lang="en-US"/>
           </a:p>
@@ -4206,7 +4206,7 @@
 </file>
 
 <file path=ppt/slides/slide13.xml><?xml version="1.0" encoding="utf-8"?>
-<p:sld xmlns:a="http://schemas.openxmlformats.org/drawingml/2006/main" xmlns:r="http://schemas.openxmlformats.org/officeDocument/2006/relationships" xmlns:p="http://schemas.openxmlformats.org/presentationml/2006/main">
+<p:sld xmlns:a="http://schemas.openxmlformats.org/drawingml/2006/main" xmlns:r="http://schemas.openxmlformats.org/officeDocument/2006/relationships" xmlns:p="http://schemas.openxmlformats.org/presentationml/2006/main" show="0">
   <p:cSld>
     <p:spTree>
       <p:nvGrpSpPr>
@@ -4489,6 +4489,14 @@
   <p:clrMapOvr>
     <a:masterClrMapping/>
   </p:clrMapOvr>
+  <mc:AlternateContent xmlns:mc="http://schemas.openxmlformats.org/markup-compatibility/2006">
+    <mc:Choice xmlns:p14="http://schemas.microsoft.com/office/powerpoint/2010/main" Requires="p14">
+      <p:transition spd="slow" p14:dur="2000"/>
+    </mc:Choice>
+    <mc:Fallback>
+      <p:transition spd="slow"/>
+    </mc:Fallback>
+  </mc:AlternateContent>
   <p:timing>
     <p:tnLst>
       <p:par>
@@ -4709,7 +4717,18 @@
                 </a:solidFill>
                 <a:sym typeface="Wingdings"/>
               </a:rPr>
-              <a:t> de pair </a:t>
+              <a:t> de </a:t>
+            </a:r>
+            <a:r>
+              <a:rPr lang="en-US" sz="2400" i="1" dirty="0" smtClean="0">
+                <a:solidFill>
+                  <a:schemeClr val="tx1">
+                    <a:lumMod val="75000"/>
+                  </a:schemeClr>
+                </a:solidFill>
+                <a:sym typeface="Wingdings"/>
+              </a:rPr>
+              <a:t>pair avec </a:t>
             </a:r>
             <a:r>
               <a:rPr lang="en-US" sz="2400" i="1" dirty="0" err="1" smtClean="0">
@@ -5574,7 +5593,7 @@
           <a:p>
             <a:pPr algn="ctr"/>
             <a:r>
-              <a:rPr lang="en-US" sz="2400" b="1" dirty="0" smtClean="0">
+              <a:rPr lang="en-US" sz="2400" b="1" dirty="0">
                 <a:solidFill>
                   <a:srgbClr val="00B0F0"/>
                 </a:solidFill>
@@ -5582,7 +5601,62 @@
                 <a:ea typeface="Open Sans Semibold" charset="0"/>
                 <a:cs typeface="Open Sans Semibold" charset="0"/>
               </a:rPr>
-              <a:t>Software Engineer Senior @Dailymotion</a:t>
+              <a:t>Senior </a:t>
+            </a:r>
+            <a:r>
+              <a:rPr lang="en-US" sz="2400" b="1" dirty="0" smtClean="0">
+                <a:solidFill>
+                  <a:srgbClr val="00B0F0"/>
+                </a:solidFill>
+                <a:latin typeface="Open Sans Semibold" charset="0"/>
+                <a:ea typeface="Open Sans Semibold" charset="0"/>
+                <a:cs typeface="Open Sans Semibold" charset="0"/>
+              </a:rPr>
+              <a:t>Scale </a:t>
+            </a:r>
+            <a:r>
+              <a:rPr lang="en-US" sz="2400" b="1" dirty="0">
+                <a:solidFill>
+                  <a:srgbClr val="00B0F0"/>
+                </a:solidFill>
+                <a:latin typeface="Open Sans Semibold" charset="0"/>
+                <a:ea typeface="Open Sans Semibold" charset="0"/>
+                <a:cs typeface="Open Sans Semibold" charset="0"/>
+              </a:rPr>
+              <a:t>Software </a:t>
+            </a:r>
+            <a:r>
+              <a:rPr lang="en-US" sz="2400" b="1" dirty="0" smtClean="0">
+                <a:solidFill>
+                  <a:srgbClr val="00B0F0"/>
+                </a:solidFill>
+                <a:latin typeface="Open Sans Semibold" charset="0"/>
+                <a:ea typeface="Open Sans Semibold" charset="0"/>
+                <a:cs typeface="Open Sans Semibold" charset="0"/>
+              </a:rPr>
+              <a:t>Engineer </a:t>
+            </a:r>
+            <a:r>
+              <a:rPr lang="en-US" sz="2400" b="1" dirty="0" smtClean="0">
+                <a:solidFill>
+                  <a:srgbClr val="00B0F0"/>
+                </a:solidFill>
+                <a:latin typeface="Open Sans Semibold" charset="0"/>
+                <a:ea typeface="Open Sans Semibold" charset="0"/>
+                <a:cs typeface="Open Sans Semibold" charset="0"/>
+              </a:rPr>
+              <a:t>@</a:t>
+            </a:r>
+            <a:r>
+              <a:rPr lang="en-US" sz="2400" b="1" dirty="0" smtClean="0">
+                <a:solidFill>
+                  <a:srgbClr val="00B0F0"/>
+                </a:solidFill>
+                <a:latin typeface="Open Sans Semibold" charset="0"/>
+                <a:ea typeface="Open Sans Semibold" charset="0"/>
+                <a:cs typeface="Open Sans Semibold" charset="0"/>
+              </a:rPr>
+              <a:t>Dailymotion</a:t>
             </a:r>
           </a:p>
           <a:p>
@@ -6721,31 +6795,26 @@
               <a:buChar char="•"/>
             </a:pPr>
             <a:r>
-              <a:rPr lang="en-US" sz="2800" dirty="0" err="1" smtClean="0">
-                <a:latin typeface="Open Sans" charset="0"/>
-                <a:ea typeface="Open Sans" charset="0"/>
-                <a:cs typeface="Open Sans" charset="0"/>
-              </a:rPr>
-              <a:t>Toujours</a:t>
-            </a:r>
-            <a:r>
-              <a:rPr lang="en-US" sz="2800" dirty="0" smtClean="0">
-                <a:latin typeface="Open Sans" charset="0"/>
-                <a:ea typeface="Open Sans" charset="0"/>
-                <a:cs typeface="Open Sans" charset="0"/>
-              </a:rPr>
-              <a:t> avec le </a:t>
-            </a:r>
-            <a:r>
-              <a:rPr lang="en-US" sz="2800" dirty="0" err="1" smtClean="0">
-                <a:latin typeface="Open Sans" charset="0"/>
-                <a:ea typeface="Open Sans" charset="0"/>
-                <a:cs typeface="Open Sans" charset="0"/>
-              </a:rPr>
-              <a:t>statut</a:t>
-            </a:r>
-            <a:r>
-              <a:rPr lang="en-US" sz="2800" dirty="0" smtClean="0">
+              <a:rPr lang="en-US" sz="2800" b="1" dirty="0" smtClean="0">
+                <a:solidFill>
+                  <a:srgbClr val="DB7AC3"/>
+                </a:solidFill>
+                <a:latin typeface="Open Sans" charset="0"/>
+                <a:ea typeface="Open Sans" charset="0"/>
+                <a:cs typeface="Open Sans" charset="0"/>
+              </a:rPr>
+              <a:t>Production ready </a:t>
+            </a:r>
+            <a:r>
+              <a:rPr lang="en-US" sz="2800" i="1" dirty="0" err="1" smtClean="0">
+                <a:latin typeface="Open Sans" charset="0"/>
+                <a:ea typeface="Open Sans" charset="0"/>
+                <a:cs typeface="Open Sans" charset="0"/>
+              </a:rPr>
+              <a:t>depuis</a:t>
+            </a:r>
+            <a:r>
+              <a:rPr lang="en-US" sz="2800" i="1" dirty="0" smtClean="0">
                 <a:latin typeface="Open Sans" charset="0"/>
                 <a:ea typeface="Open Sans" charset="0"/>
                 <a:cs typeface="Open Sans" charset="0"/>
@@ -6753,26 +6822,12 @@
               <a:t> </a:t>
             </a:r>
             <a:r>
-              <a:rPr lang="en-US" sz="2800" b="1" dirty="0" smtClean="0">
-                <a:solidFill>
-                  <a:srgbClr val="DB7AC3"/>
-                </a:solidFill>
-                <a:latin typeface="Open Sans" charset="0"/>
-                <a:ea typeface="Open Sans" charset="0"/>
-                <a:cs typeface="Open Sans" charset="0"/>
-              </a:rPr>
-              <a:t>draft</a:t>
-            </a:r>
-            <a:r>
-              <a:rPr lang="en-US" sz="2800" dirty="0" smtClean="0">
-                <a:solidFill>
-                  <a:srgbClr val="DB7AC3"/>
-                </a:solidFill>
-                <a:latin typeface="Open Sans" charset="0"/>
-                <a:ea typeface="Open Sans" charset="0"/>
-                <a:cs typeface="Open Sans" charset="0"/>
-              </a:rPr>
-              <a:t> </a:t>
+              <a:rPr lang="en-US" sz="2800" i="1" dirty="0" err="1" smtClean="0">
+                <a:latin typeface="Open Sans" charset="0"/>
+                <a:ea typeface="Open Sans" charset="0"/>
+                <a:cs typeface="Open Sans" charset="0"/>
+              </a:rPr>
+              <a:t>septembre</a:t>
             </a:r>
             <a:r>
               <a:rPr lang="en-US" sz="2800" i="1" dirty="0" smtClean="0">
@@ -6780,172 +6835,13 @@
                 <a:ea typeface="Open Sans" charset="0"/>
                 <a:cs typeface="Open Sans" charset="0"/>
               </a:rPr>
-              <a:t>(</a:t>
-            </a:r>
-            <a:r>
-              <a:rPr lang="en-US" sz="2800" i="1" dirty="0" err="1" smtClean="0">
-                <a:latin typeface="Open Sans" charset="0"/>
-                <a:ea typeface="Open Sans" charset="0"/>
-                <a:cs typeface="Open Sans" charset="0"/>
-              </a:rPr>
-              <a:t>Octobre</a:t>
-            </a:r>
-            <a:r>
-              <a:rPr lang="en-US" sz="2800" i="1" dirty="0" smtClean="0">
-                <a:latin typeface="Open Sans" charset="0"/>
-                <a:ea typeface="Open Sans" charset="0"/>
-                <a:cs typeface="Open Sans" charset="0"/>
-              </a:rPr>
-              <a:t> 2015)</a:t>
+              <a:t> 2016</a:t>
             </a:r>
             <a:endParaRPr lang="fr-FR" sz="2800" i="1" dirty="0" smtClean="0">
               <a:latin typeface="Open Sans" charset="0"/>
               <a:ea typeface="Open Sans" charset="0"/>
               <a:cs typeface="Open Sans" charset="0"/>
             </a:endParaRPr>
-          </a:p>
-          <a:p>
-            <a:pPr marL="457200" indent="-457200">
-              <a:buFont typeface="Arial" charset="0"/>
-              <a:buChar char="•"/>
-            </a:pPr>
-            <a:endParaRPr lang="en-US" sz="2800" dirty="0" smtClean="0">
-              <a:latin typeface="Open Sans" charset="0"/>
-              <a:ea typeface="Open Sans" charset="0"/>
-              <a:cs typeface="Open Sans" charset="0"/>
-            </a:endParaRPr>
-          </a:p>
-          <a:p>
-            <a:pPr marL="457200" indent="-457200">
-              <a:buFont typeface="Arial" charset="0"/>
-              <a:buChar char="•"/>
-            </a:pPr>
-            <a:r>
-              <a:rPr lang="en-US" sz="2800" dirty="0" smtClean="0">
-                <a:latin typeface="Open Sans" charset="0"/>
-                <a:ea typeface="Open Sans" charset="0"/>
-                <a:cs typeface="Open Sans" charset="0"/>
-              </a:rPr>
-              <a:t>Pas de </a:t>
-            </a:r>
-            <a:r>
-              <a:rPr lang="en-US" sz="2800" b="1" dirty="0" smtClean="0">
-                <a:solidFill>
-                  <a:srgbClr val="DB7AC3"/>
-                </a:solidFill>
-                <a:latin typeface="Open Sans" charset="0"/>
-                <a:ea typeface="Open Sans" charset="0"/>
-                <a:cs typeface="Open Sans" charset="0"/>
-              </a:rPr>
-              <a:t>roadmap</a:t>
-            </a:r>
-            <a:r>
-              <a:rPr lang="en-US" sz="2800" dirty="0" smtClean="0">
-                <a:solidFill>
-                  <a:srgbClr val="DB7AC3"/>
-                </a:solidFill>
-                <a:latin typeface="Open Sans" charset="0"/>
-                <a:ea typeface="Open Sans" charset="0"/>
-                <a:cs typeface="Open Sans" charset="0"/>
-              </a:rPr>
-              <a:t> </a:t>
-            </a:r>
-            <a:r>
-              <a:rPr lang="en-US" sz="2800" dirty="0" err="1" smtClean="0">
-                <a:latin typeface="Open Sans" charset="0"/>
-                <a:ea typeface="Open Sans" charset="0"/>
-                <a:cs typeface="Open Sans" charset="0"/>
-              </a:rPr>
-              <a:t>connu</a:t>
-            </a:r>
-            <a:r>
-              <a:rPr lang="en-US" sz="2800" dirty="0" smtClean="0">
-                <a:latin typeface="Open Sans" charset="0"/>
-                <a:ea typeface="Open Sans" charset="0"/>
-                <a:cs typeface="Open Sans" charset="0"/>
-              </a:rPr>
-              <a:t>, </a:t>
-            </a:r>
-            <a:r>
-              <a:rPr lang="en-US" sz="2800" dirty="0" err="1" smtClean="0">
-                <a:latin typeface="Open Sans" charset="0"/>
-                <a:ea typeface="Open Sans" charset="0"/>
-                <a:cs typeface="Open Sans" charset="0"/>
-              </a:rPr>
-              <a:t>ça</a:t>
-            </a:r>
-            <a:r>
-              <a:rPr lang="en-US" sz="2800" dirty="0" smtClean="0">
-                <a:latin typeface="Open Sans" charset="0"/>
-                <a:ea typeface="Open Sans" charset="0"/>
-                <a:cs typeface="Open Sans" charset="0"/>
-              </a:rPr>
-              <a:t> </a:t>
-            </a:r>
-            <a:r>
-              <a:rPr lang="en-US" sz="2800" dirty="0" err="1" smtClean="0">
-                <a:latin typeface="Open Sans" charset="0"/>
-                <a:ea typeface="Open Sans" charset="0"/>
-                <a:cs typeface="Open Sans" charset="0"/>
-              </a:rPr>
-              <a:t>arrivera</a:t>
-            </a:r>
-            <a:r>
-              <a:rPr lang="en-US" sz="2800" dirty="0" smtClean="0">
-                <a:latin typeface="Open Sans" charset="0"/>
-                <a:ea typeface="Open Sans" charset="0"/>
-                <a:cs typeface="Open Sans" charset="0"/>
-              </a:rPr>
-              <a:t> </a:t>
-            </a:r>
-            <a:r>
-              <a:rPr lang="en-US" sz="2800" dirty="0" err="1" smtClean="0">
-                <a:latin typeface="Open Sans" charset="0"/>
-                <a:ea typeface="Open Sans" charset="0"/>
-                <a:cs typeface="Open Sans" charset="0"/>
-              </a:rPr>
-              <a:t>quand</a:t>
-            </a:r>
-            <a:r>
-              <a:rPr lang="en-US" sz="2800" dirty="0" smtClean="0">
-                <a:latin typeface="Open Sans" charset="0"/>
-                <a:ea typeface="Open Sans" charset="0"/>
-                <a:cs typeface="Open Sans" charset="0"/>
-              </a:rPr>
-              <a:t> </a:t>
-            </a:r>
-            <a:r>
-              <a:rPr lang="en-US" sz="2800" dirty="0" err="1" smtClean="0">
-                <a:latin typeface="Open Sans" charset="0"/>
-                <a:ea typeface="Open Sans" charset="0"/>
-                <a:cs typeface="Open Sans" charset="0"/>
-              </a:rPr>
-              <a:t>ça</a:t>
-            </a:r>
-            <a:r>
-              <a:rPr lang="en-US" sz="2800" dirty="0" smtClean="0">
-                <a:latin typeface="Open Sans" charset="0"/>
-                <a:ea typeface="Open Sans" charset="0"/>
-                <a:cs typeface="Open Sans" charset="0"/>
-              </a:rPr>
-              <a:t> </a:t>
-            </a:r>
-            <a:r>
-              <a:rPr lang="en-US" sz="2800" dirty="0" err="1" smtClean="0">
-                <a:latin typeface="Open Sans" charset="0"/>
-                <a:ea typeface="Open Sans" charset="0"/>
-                <a:cs typeface="Open Sans" charset="0"/>
-              </a:rPr>
-              <a:t>arrivera</a:t>
-            </a:r>
-            <a:r>
-              <a:rPr lang="en-US" sz="2800" dirty="0" smtClean="0">
-                <a:latin typeface="Open Sans" charset="0"/>
-                <a:ea typeface="Open Sans" charset="0"/>
-                <a:cs typeface="Open Sans" charset="0"/>
-              </a:rPr>
-              <a:t> !</a:t>
-            </a:r>
           </a:p>
           <a:p>
             <a:pPr marL="457200" indent="-457200">
@@ -12629,7 +12525,7 @@
 </file>
 
 <file path=ppt/slides/slide9.xml><?xml version="1.0" encoding="utf-8"?>
-<p:sld xmlns:a="http://schemas.openxmlformats.org/drawingml/2006/main" xmlns:r="http://schemas.openxmlformats.org/officeDocument/2006/relationships" xmlns:p="http://schemas.openxmlformats.org/presentationml/2006/main">
+<p:sld xmlns:a="http://schemas.openxmlformats.org/drawingml/2006/main" xmlns:r="http://schemas.openxmlformats.org/officeDocument/2006/relationships" xmlns:p="http://schemas.openxmlformats.org/presentationml/2006/main" show="0">
   <p:cSld>
     <p:spTree>
       <p:nvGrpSpPr>
@@ -13006,6 +12902,14 @@
   <p:clrMapOvr>
     <a:masterClrMapping/>
   </p:clrMapOvr>
+  <mc:AlternateContent xmlns:mc="http://schemas.openxmlformats.org/markup-compatibility/2006">
+    <mc:Choice xmlns:p14="http://schemas.microsoft.com/office/powerpoint/2010/main" Requires="p14">
+      <p:transition spd="slow" p14:dur="2000"/>
+    </mc:Choice>
+    <mc:Fallback>
+      <p:transition spd="slow"/>
+    </mc:Fallback>
+  </mc:AlternateContent>
   <p:timing>
     <p:tnLst>
       <p:par>
